--- a/课程ppt.pptx
+++ b/课程ppt.pptx
@@ -5,34 +5,39 @@
     <p:sldMasterId id="2147483648" r:id="rId1"/>
   </p:sldMasterIdLst>
   <p:notesMasterIdLst>
-    <p:notesMasterId r:id="rId27"/>
+    <p:notesMasterId r:id="rId32"/>
   </p:notesMasterIdLst>
   <p:sldIdLst>
     <p:sldId id="256" r:id="rId2"/>
     <p:sldId id="257" r:id="rId3"/>
     <p:sldId id="269" r:id="rId4"/>
-    <p:sldId id="265" r:id="rId5"/>
-    <p:sldId id="275" r:id="rId6"/>
-    <p:sldId id="276" r:id="rId7"/>
-    <p:sldId id="278" r:id="rId8"/>
-    <p:sldId id="279" r:id="rId9"/>
-    <p:sldId id="280" r:id="rId10"/>
-    <p:sldId id="281" r:id="rId11"/>
-    <p:sldId id="282" r:id="rId12"/>
-    <p:sldId id="283" r:id="rId13"/>
-    <p:sldId id="284" r:id="rId14"/>
-    <p:sldId id="285" r:id="rId15"/>
-    <p:sldId id="270" r:id="rId16"/>
-    <p:sldId id="258" r:id="rId17"/>
-    <p:sldId id="260" r:id="rId18"/>
-    <p:sldId id="261" r:id="rId19"/>
-    <p:sldId id="263" r:id="rId20"/>
-    <p:sldId id="267" r:id="rId21"/>
-    <p:sldId id="268" r:id="rId22"/>
-    <p:sldId id="271" r:id="rId23"/>
-    <p:sldId id="272" r:id="rId24"/>
-    <p:sldId id="273" r:id="rId25"/>
-    <p:sldId id="274" r:id="rId26"/>
+    <p:sldId id="286" r:id="rId5"/>
+    <p:sldId id="265" r:id="rId6"/>
+    <p:sldId id="275" r:id="rId7"/>
+    <p:sldId id="276" r:id="rId8"/>
+    <p:sldId id="278" r:id="rId9"/>
+    <p:sldId id="279" r:id="rId10"/>
+    <p:sldId id="280" r:id="rId11"/>
+    <p:sldId id="281" r:id="rId12"/>
+    <p:sldId id="282" r:id="rId13"/>
+    <p:sldId id="283" r:id="rId14"/>
+    <p:sldId id="284" r:id="rId15"/>
+    <p:sldId id="285" r:id="rId16"/>
+    <p:sldId id="287" r:id="rId17"/>
+    <p:sldId id="288" r:id="rId18"/>
+    <p:sldId id="289" r:id="rId19"/>
+    <p:sldId id="290" r:id="rId20"/>
+    <p:sldId id="270" r:id="rId21"/>
+    <p:sldId id="258" r:id="rId22"/>
+    <p:sldId id="260" r:id="rId23"/>
+    <p:sldId id="261" r:id="rId24"/>
+    <p:sldId id="263" r:id="rId25"/>
+    <p:sldId id="267" r:id="rId26"/>
+    <p:sldId id="268" r:id="rId27"/>
+    <p:sldId id="271" r:id="rId28"/>
+    <p:sldId id="272" r:id="rId29"/>
+    <p:sldId id="273" r:id="rId30"/>
+    <p:sldId id="274" r:id="rId31"/>
   </p:sldIdLst>
   <p:sldSz cx="12192000" cy="6858000"/>
   <p:notesSz cx="6858000" cy="9144000"/>
@@ -221,7 +226,7 @@
           <a:p>
             <a:fld id="{C763DFBC-BC7B-44D2-9277-A1640CE38A00}" type="datetimeFigureOut">
               <a:rPr lang="zh-CN" altLang="en-US" smtClean="0"/>
-              <a:t>2023/12/12</a:t>
+              <a:t>2023/12/13</a:t>
             </a:fld>
             <a:endParaRPr lang="zh-CN" altLang="en-US"/>
           </a:p>
@@ -864,7 +869,7 @@
           <a:p>
             <a:fld id="{0111EF2A-CA54-46BA-9D19-E4C580B41F03}" type="slidenum">
               <a:rPr lang="zh-CN" altLang="en-US" smtClean="0"/>
-              <a:t>12</a:t>
+              <a:t>13</a:t>
             </a:fld>
             <a:endParaRPr lang="zh-CN" altLang="en-US"/>
           </a:p>
@@ -1188,7 +1193,7 @@
           <a:p>
             <a:fld id="{0111EF2A-CA54-46BA-9D19-E4C580B41F03}" type="slidenum">
               <a:rPr lang="zh-CN" altLang="en-US" smtClean="0"/>
-              <a:t>13</a:t>
+              <a:t>14</a:t>
             </a:fld>
             <a:endParaRPr lang="zh-CN" altLang="en-US"/>
           </a:p>
@@ -1272,7 +1277,7 @@
           <a:p>
             <a:fld id="{0111EF2A-CA54-46BA-9D19-E4C580B41F03}" type="slidenum">
               <a:rPr lang="zh-CN" altLang="en-US" smtClean="0"/>
-              <a:t>14</a:t>
+              <a:t>15</a:t>
             </a:fld>
             <a:endParaRPr lang="zh-CN" altLang="en-US"/>
           </a:p>
@@ -1335,38 +1340,308 @@
           <a:bodyPr/>
           <a:lstStyle/>
           <a:p>
-            <a:pPr marL="0" marR="0" lvl="0" indent="0" algn="l" defTabSz="914400" rtl="0" eaLnBrk="1" fontAlgn="auto" latinLnBrk="0" hangingPunct="1">
-              <a:lnSpc>
-                <a:spcPct val="100000"/>
-              </a:lnSpc>
-              <a:spcBef>
-                <a:spcPts val="0"/>
-              </a:spcBef>
-              <a:spcAft>
-                <a:spcPts val="0"/>
-              </a:spcAft>
-              <a:buClrTx/>
-              <a:buSzTx/>
-              <a:buFontTx/>
-              <a:buNone/>
-              <a:tabLst/>
-              <a:defRPr/>
-            </a:pPr>
+            <a:r>
+              <a:rPr lang="en-US" altLang="zh-CN" dirty="0"/>
+              <a:t>#include &lt;iostream&gt;</a:t>
+            </a:r>
+          </a:p>
+          <a:p>
+            <a:r>
+              <a:rPr lang="en-US" altLang="zh-CN" dirty="0"/>
+              <a:t>#include &lt;string&gt;</a:t>
+            </a:r>
+          </a:p>
+          <a:p>
+            <a:endParaRPr lang="en-US" altLang="zh-CN" dirty="0"/>
+          </a:p>
+          <a:p>
+            <a:r>
+              <a:rPr lang="en-US" altLang="zh-CN" dirty="0"/>
+              <a:t>using std::string;</a:t>
+            </a:r>
+          </a:p>
+          <a:p>
+            <a:r>
+              <a:rPr lang="en-US" altLang="zh-CN" dirty="0"/>
+              <a:t>using std::</a:t>
+            </a:r>
+            <a:r>
+              <a:rPr lang="en-US" altLang="zh-CN" dirty="0" err="1"/>
+              <a:t>cin</a:t>
+            </a:r>
+            <a:r>
+              <a:rPr lang="en-US" altLang="zh-CN" dirty="0"/>
+              <a:t>;</a:t>
+            </a:r>
+          </a:p>
+          <a:p>
+            <a:r>
+              <a:rPr lang="en-US" altLang="zh-CN" dirty="0"/>
+              <a:t>using std::</a:t>
+            </a:r>
+            <a:r>
+              <a:rPr lang="en-US" altLang="zh-CN" dirty="0" err="1"/>
+              <a:t>cout</a:t>
+            </a:r>
+            <a:r>
+              <a:rPr lang="en-US" altLang="zh-CN" dirty="0"/>
+              <a:t>;</a:t>
+            </a:r>
+          </a:p>
+          <a:p>
+            <a:r>
+              <a:rPr lang="en-US" altLang="zh-CN" dirty="0"/>
+              <a:t>using std::endl;</a:t>
+            </a:r>
+          </a:p>
+          <a:p>
+            <a:r>
+              <a:rPr lang="en-US" altLang="zh-CN" dirty="0"/>
+              <a:t>using std::</a:t>
+            </a:r>
+            <a:r>
+              <a:rPr lang="en-US" altLang="zh-CN" dirty="0" err="1"/>
+              <a:t>getline</a:t>
+            </a:r>
+            <a:r>
+              <a:rPr lang="en-US" altLang="zh-CN" dirty="0"/>
+              <a:t>;</a:t>
+            </a:r>
+          </a:p>
+          <a:p>
+            <a:r>
+              <a:rPr lang="en-US" altLang="zh-CN" dirty="0"/>
+              <a:t>//</a:t>
+            </a:r>
             <a:r>
               <a:rPr lang="zh-CN" altLang="en-US" dirty="0"/>
-              <a:t>两个</a:t>
+              <a:t>读一行</a:t>
+            </a:r>
+            <a:endParaRPr lang="en-US" altLang="zh-CN" dirty="0"/>
+          </a:p>
+          <a:p>
+            <a:r>
+              <a:rPr lang="en-US" altLang="zh-CN" dirty="0"/>
+              <a:t>int main()</a:t>
+            </a:r>
+          </a:p>
+          <a:p>
+            <a:r>
+              <a:rPr lang="en-US" altLang="zh-CN" dirty="0"/>
+              <a:t>{</a:t>
+            </a:r>
+          </a:p>
+          <a:p>
+            <a:r>
+              <a:rPr lang="en-US" altLang="zh-CN" dirty="0"/>
+              <a:t>	string s;</a:t>
+            </a:r>
+          </a:p>
+          <a:p>
+            <a:r>
+              <a:rPr lang="en-US" altLang="zh-CN" dirty="0"/>
+              <a:t>	while (</a:t>
             </a:r>
             <a:r>
               <a:rPr lang="en-US" altLang="zh-CN" dirty="0" err="1"/>
-              <a:t>cpp</a:t>
+              <a:t>getline</a:t>
+            </a:r>
+            <a:r>
+              <a:rPr lang="en-US" altLang="zh-CN" dirty="0"/>
+              <a:t>(</a:t>
+            </a:r>
+            <a:r>
+              <a:rPr lang="en-US" altLang="zh-CN" dirty="0" err="1"/>
+              <a:t>cin,s</a:t>
+            </a:r>
+            <a:r>
+              <a:rPr lang="en-US" altLang="zh-CN" dirty="0"/>
+              <a:t>))</a:t>
+            </a:r>
+          </a:p>
+          <a:p>
+            <a:r>
+              <a:rPr lang="en-US" altLang="zh-CN" dirty="0"/>
+              <a:t>	{</a:t>
+            </a:r>
+          </a:p>
+          <a:p>
+            <a:r>
+              <a:rPr lang="en-US" altLang="zh-CN" dirty="0"/>
+              <a:t>		</a:t>
+            </a:r>
+            <a:r>
+              <a:rPr lang="en-US" altLang="zh-CN" dirty="0" err="1"/>
+              <a:t>cout</a:t>
+            </a:r>
+            <a:r>
+              <a:rPr lang="en-US" altLang="zh-CN" dirty="0"/>
+              <a:t> &lt;&lt; s &lt;&lt; endl;</a:t>
+            </a:r>
+          </a:p>
+          <a:p>
+            <a:r>
+              <a:rPr lang="en-US" altLang="zh-CN" dirty="0"/>
+              <a:t>	}</a:t>
+            </a:r>
+          </a:p>
+          <a:p>
+            <a:r>
+              <a:rPr lang="en-US" altLang="zh-CN" dirty="0"/>
+              <a:t>	return 0;</a:t>
+            </a:r>
+          </a:p>
+          <a:p>
+            <a:r>
+              <a:rPr lang="en-US" altLang="zh-CN" dirty="0"/>
+              <a:t>}</a:t>
+            </a:r>
+          </a:p>
+          <a:p>
+            <a:endParaRPr lang="en-US" altLang="zh-CN" dirty="0"/>
+          </a:p>
+          <a:p>
+            <a:r>
+              <a:rPr lang="en-US" altLang="zh-CN" dirty="0"/>
+              <a:t>//</a:t>
             </a:r>
             <a:r>
               <a:rPr lang="zh-CN" altLang="en-US" dirty="0"/>
-              <a:t>需要用到同一个变量，如果要在多个文件中使用同一个变量，必须将声明和定义分开</a:t>
-            </a:r>
-          </a:p>
-          <a:p>
+              <a:t>读一个</a:t>
+            </a:r>
+            <a:endParaRPr lang="en-US" altLang="zh-CN" dirty="0"/>
+          </a:p>
+          <a:p>
+            <a:r>
+              <a:rPr lang="en-US" altLang="zh-CN" dirty="0"/>
+              <a:t>#include &lt;iostream&gt;</a:t>
+            </a:r>
+          </a:p>
+          <a:p>
+            <a:r>
+              <a:rPr lang="en-US" altLang="zh-CN" dirty="0"/>
+              <a:t>#include &lt;string&gt;</a:t>
+            </a:r>
+          </a:p>
+          <a:p>
+            <a:endParaRPr lang="en-US" altLang="zh-CN" dirty="0"/>
+          </a:p>
+          <a:p>
+            <a:r>
+              <a:rPr lang="en-US" altLang="zh-CN" dirty="0"/>
+              <a:t>using std::string;</a:t>
+            </a:r>
+          </a:p>
+          <a:p>
+            <a:r>
+              <a:rPr lang="en-US" altLang="zh-CN" dirty="0"/>
+              <a:t>using std::</a:t>
+            </a:r>
+            <a:r>
+              <a:rPr lang="en-US" altLang="zh-CN" dirty="0" err="1"/>
+              <a:t>cin</a:t>
+            </a:r>
+            <a:r>
+              <a:rPr lang="en-US" altLang="zh-CN" dirty="0"/>
+              <a:t>;</a:t>
+            </a:r>
+          </a:p>
+          <a:p>
+            <a:r>
+              <a:rPr lang="en-US" altLang="zh-CN" dirty="0"/>
+              <a:t>using std::</a:t>
+            </a:r>
+            <a:r>
+              <a:rPr lang="en-US" altLang="zh-CN" dirty="0" err="1"/>
+              <a:t>cout</a:t>
+            </a:r>
+            <a:r>
+              <a:rPr lang="en-US" altLang="zh-CN" dirty="0"/>
+              <a:t>;</a:t>
+            </a:r>
+          </a:p>
+          <a:p>
+            <a:r>
+              <a:rPr lang="en-US" altLang="zh-CN" dirty="0"/>
+              <a:t>using std::endl;</a:t>
+            </a:r>
+          </a:p>
+          <a:p>
+            <a:endParaRPr lang="en-US" altLang="zh-CN" dirty="0"/>
+          </a:p>
+          <a:p>
+            <a:r>
+              <a:rPr lang="en-US" altLang="zh-CN" dirty="0"/>
+              <a:t>int main()</a:t>
+            </a:r>
+          </a:p>
+          <a:p>
+            <a:r>
+              <a:rPr lang="en-US" altLang="zh-CN" dirty="0"/>
+              <a:t>{</a:t>
+            </a:r>
+          </a:p>
+          <a:p>
+            <a:r>
+              <a:rPr lang="en-US" altLang="zh-CN" dirty="0"/>
+              <a:t>	string s;</a:t>
+            </a:r>
+          </a:p>
+          <a:p>
+            <a:r>
+              <a:rPr lang="en-US" altLang="zh-CN" dirty="0"/>
+              <a:t>	while (</a:t>
+            </a:r>
+            <a:r>
+              <a:rPr lang="en-US" altLang="zh-CN" dirty="0" err="1"/>
+              <a:t>cin</a:t>
+            </a:r>
+            <a:r>
+              <a:rPr lang="en-US" altLang="zh-CN" dirty="0"/>
+              <a:t> &gt;&gt; s)</a:t>
+            </a:r>
+          </a:p>
+          <a:p>
+            <a:r>
+              <a:rPr lang="en-US" altLang="zh-CN" dirty="0"/>
+              <a:t>	{</a:t>
+            </a:r>
+          </a:p>
+          <a:p>
+            <a:r>
+              <a:rPr lang="en-US" altLang="zh-CN" dirty="0"/>
+              <a:t>		</a:t>
+            </a:r>
+            <a:r>
+              <a:rPr lang="en-US" altLang="zh-CN" dirty="0" err="1"/>
+              <a:t>cout</a:t>
+            </a:r>
+            <a:r>
+              <a:rPr lang="en-US" altLang="zh-CN" dirty="0"/>
+              <a:t> &lt;&lt; s &lt;&lt; endl;</a:t>
+            </a:r>
+          </a:p>
+          <a:p>
+            <a:r>
+              <a:rPr lang="en-US" altLang="zh-CN" dirty="0"/>
+              <a:t>	}</a:t>
+            </a:r>
+          </a:p>
+          <a:p>
+            <a:r>
+              <a:rPr lang="en-US" altLang="zh-CN" dirty="0"/>
+              <a:t>	return 0;</a:t>
+            </a:r>
+          </a:p>
+          <a:p>
+            <a:r>
+              <a:rPr lang="en-US" altLang="zh-CN" dirty="0"/>
+              <a:t>}</a:t>
+            </a:r>
             <a:endParaRPr lang="zh-CN" altLang="en-US" dirty="0"/>
+          </a:p>
+          <a:p>
+            <a:endParaRPr lang="zh-CN" altLang="en-US" sz="1200" dirty="0"/>
           </a:p>
         </p:txBody>
       </p:sp>
@@ -1387,7 +1662,7 @@
           <a:p>
             <a:fld id="{0111EF2A-CA54-46BA-9D19-E4C580B41F03}" type="slidenum">
               <a:rPr lang="zh-CN" altLang="en-US" smtClean="0"/>
-              <a:t>19</a:t>
+              <a:t>17</a:t>
             </a:fld>
             <a:endParaRPr lang="zh-CN" altLang="en-US"/>
           </a:p>
@@ -1396,7 +1671,7 @@
     </p:spTree>
     <p:extLst>
       <p:ext uri="{BB962C8B-B14F-4D97-AF65-F5344CB8AC3E}">
-        <p14:creationId xmlns:p14="http://schemas.microsoft.com/office/powerpoint/2010/main" val="2881975851"/>
+        <p14:creationId xmlns:p14="http://schemas.microsoft.com/office/powerpoint/2010/main" val="1501050733"/>
       </p:ext>
     </p:extLst>
   </p:cSld>
@@ -1450,7 +1725,57 @@
           <a:bodyPr/>
           <a:lstStyle/>
           <a:p>
-            <a:endParaRPr lang="zh-CN" altLang="en-US" dirty="0"/>
+            <a:r>
+              <a:rPr lang="zh-CN" altLang="en-US" sz="1200" dirty="0"/>
+              <a:t> </a:t>
+            </a:r>
+            <a:r>
+              <a:rPr lang="en-US" altLang="zh-CN" sz="1200" dirty="0"/>
+              <a:t>// </a:t>
+            </a:r>
+            <a:r>
+              <a:rPr lang="zh-CN" altLang="en-US" sz="1200" dirty="0"/>
+              <a:t>在</a:t>
+            </a:r>
+            <a:r>
+              <a:rPr lang="en-US" altLang="zh-CN" sz="1200" dirty="0"/>
+              <a:t>C++11</a:t>
+            </a:r>
+            <a:r>
+              <a:rPr lang="zh-CN" altLang="en-US" sz="1200" dirty="0"/>
+              <a:t>当中合法</a:t>
+            </a:r>
+          </a:p>
+          <a:p>
+            <a:r>
+              <a:rPr lang="zh-CN" altLang="en-US" sz="1200" dirty="0"/>
+              <a:t> </a:t>
+            </a:r>
+            <a:r>
+              <a:rPr lang="en-US" altLang="zh-CN" sz="1200" dirty="0"/>
+              <a:t>// </a:t>
+            </a:r>
+            <a:r>
+              <a:rPr lang="zh-CN" altLang="en-US" sz="1200" dirty="0"/>
+              <a:t>不合法，类型不一样</a:t>
+            </a:r>
+          </a:p>
+          <a:p>
+            <a:r>
+              <a:rPr lang="zh-CN" altLang="en-US" sz="1200" dirty="0"/>
+              <a:t> </a:t>
+            </a:r>
+            <a:r>
+              <a:rPr lang="en-US" altLang="zh-CN" sz="1200" dirty="0"/>
+              <a:t>// </a:t>
+            </a:r>
+            <a:r>
+              <a:rPr lang="zh-CN" altLang="en-US" sz="1200" dirty="0"/>
+              <a:t>合法</a:t>
+            </a:r>
+          </a:p>
+          <a:p>
+            <a:endParaRPr lang="zh-CN" altLang="en-US" sz="1200" dirty="0"/>
           </a:p>
         </p:txBody>
       </p:sp>
@@ -1471,7 +1796,7 @@
           <a:p>
             <a:fld id="{0111EF2A-CA54-46BA-9D19-E4C580B41F03}" type="slidenum">
               <a:rPr lang="zh-CN" altLang="en-US" smtClean="0"/>
-              <a:t>20</a:t>
+              <a:t>18</a:t>
             </a:fld>
             <a:endParaRPr lang="zh-CN" altLang="en-US"/>
           </a:p>
@@ -1480,7 +1805,7 @@
     </p:spTree>
     <p:extLst>
       <p:ext uri="{BB962C8B-B14F-4D97-AF65-F5344CB8AC3E}">
-        <p14:creationId xmlns:p14="http://schemas.microsoft.com/office/powerpoint/2010/main" val="3429298068"/>
+        <p14:creationId xmlns:p14="http://schemas.microsoft.com/office/powerpoint/2010/main" val="3150058240"/>
       </p:ext>
     </p:extLst>
   </p:cSld>
@@ -1534,7 +1859,54 @@
           <a:bodyPr/>
           <a:lstStyle/>
           <a:p>
-            <a:endParaRPr lang="zh-CN" altLang="en-US" dirty="0"/>
+            <a:r>
+              <a:rPr lang="en-US" altLang="zh-CN" sz="1200" dirty="0"/>
+              <a:t>// size:0,  no values.</a:t>
+            </a:r>
+          </a:p>
+          <a:p>
+            <a:r>
+              <a:rPr lang="en-US" altLang="zh-CN" sz="1200" dirty="0"/>
+              <a:t>// size:10, value:0</a:t>
+            </a:r>
+          </a:p>
+          <a:p>
+            <a:r>
+              <a:rPr lang="en-US" altLang="zh-CN" sz="1200" dirty="0"/>
+              <a:t>// size:10, value:42</a:t>
+            </a:r>
+          </a:p>
+          <a:p>
+            <a:r>
+              <a:rPr lang="en-US" altLang="zh-CN" sz="1200" dirty="0"/>
+              <a:t>// size:1,  value:10</a:t>
+            </a:r>
+          </a:p>
+          <a:p>
+            <a:r>
+              <a:rPr lang="en-US" altLang="zh-CN" sz="1200" dirty="0"/>
+              <a:t>// size:2,  value:10, 42</a:t>
+            </a:r>
+          </a:p>
+          <a:p>
+            <a:r>
+              <a:rPr lang="en-US" altLang="zh-CN" sz="1200" dirty="0"/>
+              <a:t> // size:10, value:""</a:t>
+            </a:r>
+          </a:p>
+          <a:p>
+            <a:r>
+              <a:rPr lang="en-US" altLang="zh-CN" sz="1200" dirty="0"/>
+              <a:t>// size:10, </a:t>
+            </a:r>
+            <a:r>
+              <a:rPr lang="en-US" altLang="zh-CN" sz="1200" dirty="0" err="1"/>
+              <a:t>value:"hi</a:t>
+            </a:r>
+            <a:r>
+              <a:rPr lang="en-US" altLang="zh-CN" sz="1200" dirty="0"/>
+              <a:t>"</a:t>
+            </a:r>
           </a:p>
         </p:txBody>
       </p:sp>
@@ -1555,7 +1927,7 @@
           <a:p>
             <a:fld id="{0111EF2A-CA54-46BA-9D19-E4C580B41F03}" type="slidenum">
               <a:rPr lang="zh-CN" altLang="en-US" smtClean="0"/>
-              <a:t>21</a:t>
+              <a:t>19</a:t>
             </a:fld>
             <a:endParaRPr lang="zh-CN" altLang="en-US"/>
           </a:p>
@@ -1564,7 +1936,7 @@
     </p:spTree>
     <p:extLst>
       <p:ext uri="{BB962C8B-B14F-4D97-AF65-F5344CB8AC3E}">
-        <p14:creationId xmlns:p14="http://schemas.microsoft.com/office/powerpoint/2010/main" val="1193716757"/>
+        <p14:creationId xmlns:p14="http://schemas.microsoft.com/office/powerpoint/2010/main" val="4253952973"/>
       </p:ext>
     </p:extLst>
   </p:cSld>
@@ -1618,27 +1990,7 @@
           <a:bodyPr/>
           <a:lstStyle/>
           <a:p>
-            <a:pPr marL="0" marR="0" lvl="0" indent="0" algn="l" defTabSz="914400" rtl="0" eaLnBrk="1" fontAlgn="auto" latinLnBrk="0" hangingPunct="1">
-              <a:lnSpc>
-                <a:spcPct val="100000"/>
-              </a:lnSpc>
-              <a:spcBef>
-                <a:spcPts val="0"/>
-              </a:spcBef>
-              <a:spcAft>
-                <a:spcPts val="0"/>
-              </a:spcAft>
-              <a:buClrTx/>
-              <a:buSzTx/>
-              <a:buFontTx/>
-              <a:buNone/>
-              <a:tabLst/>
-              <a:defRPr/>
-            </a:pPr>
-            <a:r>
-              <a:rPr lang="zh-CN" altLang="en-US" dirty="0"/>
-              <a:t>引用的底层实现</a:t>
-            </a:r>
+            <a:endParaRPr lang="zh-CN" altLang="en-US" dirty="0"/>
           </a:p>
         </p:txBody>
       </p:sp>
@@ -1659,7 +2011,7 @@
           <a:p>
             <a:fld id="{0111EF2A-CA54-46BA-9D19-E4C580B41F03}" type="slidenum">
               <a:rPr lang="zh-CN" altLang="en-US" smtClean="0"/>
-              <a:t>22</a:t>
+              <a:t>20</a:t>
             </a:fld>
             <a:endParaRPr lang="zh-CN" altLang="en-US"/>
           </a:p>
@@ -1668,7 +2020,7 @@
     </p:spTree>
     <p:extLst>
       <p:ext uri="{BB962C8B-B14F-4D97-AF65-F5344CB8AC3E}">
-        <p14:creationId xmlns:p14="http://schemas.microsoft.com/office/powerpoint/2010/main" val="1380503854"/>
+        <p14:creationId xmlns:p14="http://schemas.microsoft.com/office/powerpoint/2010/main" val="3505950153"/>
       </p:ext>
     </p:extLst>
   </p:cSld>
@@ -1739,6 +2091,20 @@
               <a:tabLst/>
               <a:defRPr/>
             </a:pPr>
+            <a:r>
+              <a:rPr lang="zh-CN" altLang="en-US" dirty="0"/>
+              <a:t>两个</a:t>
+            </a:r>
+            <a:r>
+              <a:rPr lang="en-US" altLang="zh-CN" dirty="0" err="1"/>
+              <a:t>cpp</a:t>
+            </a:r>
+            <a:r>
+              <a:rPr lang="zh-CN" altLang="en-US" dirty="0"/>
+              <a:t>需要用到同一个变量，如果要在多个文件中使用同一个变量，必须将声明和定义分开</a:t>
+            </a:r>
+          </a:p>
+          <a:p>
             <a:endParaRPr lang="zh-CN" altLang="en-US" dirty="0"/>
           </a:p>
         </p:txBody>
@@ -1760,7 +2126,7 @@
           <a:p>
             <a:fld id="{0111EF2A-CA54-46BA-9D19-E4C580B41F03}" type="slidenum">
               <a:rPr lang="zh-CN" altLang="en-US" smtClean="0"/>
-              <a:t>23</a:t>
+              <a:t>24</a:t>
             </a:fld>
             <a:endParaRPr lang="zh-CN" altLang="en-US"/>
           </a:p>
@@ -1769,7 +2135,7 @@
     </p:spTree>
     <p:extLst>
       <p:ext uri="{BB962C8B-B14F-4D97-AF65-F5344CB8AC3E}">
-        <p14:creationId xmlns:p14="http://schemas.microsoft.com/office/powerpoint/2010/main" val="1341117382"/>
+        <p14:creationId xmlns:p14="http://schemas.microsoft.com/office/powerpoint/2010/main" val="2881975851"/>
       </p:ext>
     </p:extLst>
   </p:cSld>
@@ -1823,23 +2189,6 @@
           <a:bodyPr/>
           <a:lstStyle/>
           <a:p>
-            <a:pPr marL="0" marR="0" lvl="0" indent="0" algn="l" defTabSz="914400" rtl="0" eaLnBrk="1" fontAlgn="auto" latinLnBrk="0" hangingPunct="1">
-              <a:lnSpc>
-                <a:spcPct val="100000"/>
-              </a:lnSpc>
-              <a:spcBef>
-                <a:spcPts val="0"/>
-              </a:spcBef>
-              <a:spcAft>
-                <a:spcPts val="0"/>
-              </a:spcAft>
-              <a:buClrTx/>
-              <a:buSzTx/>
-              <a:buFontTx/>
-              <a:buNone/>
-              <a:tabLst/>
-              <a:defRPr/>
-            </a:pPr>
             <a:endParaRPr lang="zh-CN" altLang="en-US" dirty="0"/>
           </a:p>
         </p:txBody>
@@ -1861,7 +2210,7 @@
           <a:p>
             <a:fld id="{0111EF2A-CA54-46BA-9D19-E4C580B41F03}" type="slidenum">
               <a:rPr lang="zh-CN" altLang="en-US" smtClean="0"/>
-              <a:t>24</a:t>
+              <a:t>25</a:t>
             </a:fld>
             <a:endParaRPr lang="zh-CN" altLang="en-US"/>
           </a:p>
@@ -1870,7 +2219,7 @@
     </p:spTree>
     <p:extLst>
       <p:ext uri="{BB962C8B-B14F-4D97-AF65-F5344CB8AC3E}">
-        <p14:creationId xmlns:p14="http://schemas.microsoft.com/office/powerpoint/2010/main" val="1469756787"/>
+        <p14:creationId xmlns:p14="http://schemas.microsoft.com/office/powerpoint/2010/main" val="3429298068"/>
       </p:ext>
     </p:extLst>
   </p:cSld>
@@ -1924,23 +2273,6 @@
           <a:bodyPr/>
           <a:lstStyle/>
           <a:p>
-            <a:pPr marL="0" marR="0" lvl="0" indent="0" algn="l" defTabSz="914400" rtl="0" eaLnBrk="1" fontAlgn="auto" latinLnBrk="0" hangingPunct="1">
-              <a:lnSpc>
-                <a:spcPct val="100000"/>
-              </a:lnSpc>
-              <a:spcBef>
-                <a:spcPts val="0"/>
-              </a:spcBef>
-              <a:spcAft>
-                <a:spcPts val="0"/>
-              </a:spcAft>
-              <a:buClrTx/>
-              <a:buSzTx/>
-              <a:buFontTx/>
-              <a:buNone/>
-              <a:tabLst/>
-              <a:defRPr/>
-            </a:pPr>
             <a:endParaRPr lang="zh-CN" altLang="en-US" dirty="0"/>
           </a:p>
         </p:txBody>
@@ -1962,7 +2294,7 @@
           <a:p>
             <a:fld id="{0111EF2A-CA54-46BA-9D19-E4C580B41F03}" type="slidenum">
               <a:rPr lang="zh-CN" altLang="en-US" smtClean="0"/>
-              <a:t>25</a:t>
+              <a:t>26</a:t>
             </a:fld>
             <a:endParaRPr lang="zh-CN" altLang="en-US"/>
           </a:p>
@@ -1971,7 +2303,7 @@
     </p:spTree>
     <p:extLst>
       <p:ext uri="{BB962C8B-B14F-4D97-AF65-F5344CB8AC3E}">
-        <p14:creationId xmlns:p14="http://schemas.microsoft.com/office/powerpoint/2010/main" val="3319629375"/>
+        <p14:creationId xmlns:p14="http://schemas.microsoft.com/office/powerpoint/2010/main" val="1193716757"/>
       </p:ext>
     </p:extLst>
   </p:cSld>
@@ -2093,7 +2425,7 @@
           <a:p>
             <a:fld id="{0111EF2A-CA54-46BA-9D19-E4C580B41F03}" type="slidenum">
               <a:rPr lang="zh-CN" altLang="en-US" smtClean="0"/>
-              <a:t>4</a:t>
+              <a:t>5</a:t>
             </a:fld>
             <a:endParaRPr lang="zh-CN" altLang="en-US"/>
           </a:p>
@@ -2103,6 +2435,413 @@
     <p:extLst>
       <p:ext uri="{BB962C8B-B14F-4D97-AF65-F5344CB8AC3E}">
         <p14:creationId xmlns:p14="http://schemas.microsoft.com/office/powerpoint/2010/main" val="3514901634"/>
+      </p:ext>
+    </p:extLst>
+  </p:cSld>
+  <p:clrMapOvr>
+    <a:masterClrMapping/>
+  </p:clrMapOvr>
+</p:notes>
+</file>
+
+<file path=ppt/notesSlides/notesSlide20.xml><?xml version="1.0" encoding="utf-8"?>
+<p:notes xmlns:a="http://schemas.openxmlformats.org/drawingml/2006/main" xmlns:r="http://schemas.openxmlformats.org/officeDocument/2006/relationships" xmlns:p="http://schemas.openxmlformats.org/presentationml/2006/main">
+  <p:cSld>
+    <p:spTree>
+      <p:nvGrpSpPr>
+        <p:cNvPr id="1" name=""/>
+        <p:cNvGrpSpPr/>
+        <p:nvPr/>
+      </p:nvGrpSpPr>
+      <p:grpSpPr>
+        <a:xfrm>
+          <a:off x="0" y="0"/>
+          <a:ext cx="0" cy="0"/>
+          <a:chOff x="0" y="0"/>
+          <a:chExt cx="0" cy="0"/>
+        </a:xfrm>
+      </p:grpSpPr>
+      <p:sp>
+        <p:nvSpPr>
+          <p:cNvPr id="2" name="幻灯片图像占位符 1"/>
+          <p:cNvSpPr>
+            <a:spLocks noGrp="1" noRot="1" noChangeAspect="1"/>
+          </p:cNvSpPr>
+          <p:nvPr>
+            <p:ph type="sldImg"/>
+          </p:nvPr>
+        </p:nvSpPr>
+        <p:spPr/>
+      </p:sp>
+      <p:sp>
+        <p:nvSpPr>
+          <p:cNvPr id="3" name="备注占位符 2"/>
+          <p:cNvSpPr>
+            <a:spLocks noGrp="1"/>
+          </p:cNvSpPr>
+          <p:nvPr>
+            <p:ph type="body" idx="1"/>
+          </p:nvPr>
+        </p:nvSpPr>
+        <p:spPr/>
+        <p:txBody>
+          <a:bodyPr/>
+          <a:lstStyle/>
+          <a:p>
+            <a:pPr marL="0" marR="0" lvl="0" indent="0" algn="l" defTabSz="914400" rtl="0" eaLnBrk="1" fontAlgn="auto" latinLnBrk="0" hangingPunct="1">
+              <a:lnSpc>
+                <a:spcPct val="100000"/>
+              </a:lnSpc>
+              <a:spcBef>
+                <a:spcPts val="0"/>
+              </a:spcBef>
+              <a:spcAft>
+                <a:spcPts val="0"/>
+              </a:spcAft>
+              <a:buClrTx/>
+              <a:buSzTx/>
+              <a:buFontTx/>
+              <a:buNone/>
+              <a:tabLst/>
+              <a:defRPr/>
+            </a:pPr>
+            <a:r>
+              <a:rPr lang="zh-CN" altLang="en-US" dirty="0"/>
+              <a:t>引用的底层实现</a:t>
+            </a:r>
+          </a:p>
+        </p:txBody>
+      </p:sp>
+      <p:sp>
+        <p:nvSpPr>
+          <p:cNvPr id="4" name="灯片编号占位符 3"/>
+          <p:cNvSpPr>
+            <a:spLocks noGrp="1"/>
+          </p:cNvSpPr>
+          <p:nvPr>
+            <p:ph type="sldNum" sz="quarter" idx="5"/>
+          </p:nvPr>
+        </p:nvSpPr>
+        <p:spPr/>
+        <p:txBody>
+          <a:bodyPr/>
+          <a:lstStyle/>
+          <a:p>
+            <a:fld id="{0111EF2A-CA54-46BA-9D19-E4C580B41F03}" type="slidenum">
+              <a:rPr lang="zh-CN" altLang="en-US" smtClean="0"/>
+              <a:t>27</a:t>
+            </a:fld>
+            <a:endParaRPr lang="zh-CN" altLang="en-US"/>
+          </a:p>
+        </p:txBody>
+      </p:sp>
+    </p:spTree>
+    <p:extLst>
+      <p:ext uri="{BB962C8B-B14F-4D97-AF65-F5344CB8AC3E}">
+        <p14:creationId xmlns:p14="http://schemas.microsoft.com/office/powerpoint/2010/main" val="1380503854"/>
+      </p:ext>
+    </p:extLst>
+  </p:cSld>
+  <p:clrMapOvr>
+    <a:masterClrMapping/>
+  </p:clrMapOvr>
+</p:notes>
+</file>
+
+<file path=ppt/notesSlides/notesSlide21.xml><?xml version="1.0" encoding="utf-8"?>
+<p:notes xmlns:a="http://schemas.openxmlformats.org/drawingml/2006/main" xmlns:r="http://schemas.openxmlformats.org/officeDocument/2006/relationships" xmlns:p="http://schemas.openxmlformats.org/presentationml/2006/main">
+  <p:cSld>
+    <p:spTree>
+      <p:nvGrpSpPr>
+        <p:cNvPr id="1" name=""/>
+        <p:cNvGrpSpPr/>
+        <p:nvPr/>
+      </p:nvGrpSpPr>
+      <p:grpSpPr>
+        <a:xfrm>
+          <a:off x="0" y="0"/>
+          <a:ext cx="0" cy="0"/>
+          <a:chOff x="0" y="0"/>
+          <a:chExt cx="0" cy="0"/>
+        </a:xfrm>
+      </p:grpSpPr>
+      <p:sp>
+        <p:nvSpPr>
+          <p:cNvPr id="2" name="幻灯片图像占位符 1"/>
+          <p:cNvSpPr>
+            <a:spLocks noGrp="1" noRot="1" noChangeAspect="1"/>
+          </p:cNvSpPr>
+          <p:nvPr>
+            <p:ph type="sldImg"/>
+          </p:nvPr>
+        </p:nvSpPr>
+        <p:spPr/>
+      </p:sp>
+      <p:sp>
+        <p:nvSpPr>
+          <p:cNvPr id="3" name="备注占位符 2"/>
+          <p:cNvSpPr>
+            <a:spLocks noGrp="1"/>
+          </p:cNvSpPr>
+          <p:nvPr>
+            <p:ph type="body" idx="1"/>
+          </p:nvPr>
+        </p:nvSpPr>
+        <p:spPr/>
+        <p:txBody>
+          <a:bodyPr/>
+          <a:lstStyle/>
+          <a:p>
+            <a:pPr marL="0" marR="0" lvl="0" indent="0" algn="l" defTabSz="914400" rtl="0" eaLnBrk="1" fontAlgn="auto" latinLnBrk="0" hangingPunct="1">
+              <a:lnSpc>
+                <a:spcPct val="100000"/>
+              </a:lnSpc>
+              <a:spcBef>
+                <a:spcPts val="0"/>
+              </a:spcBef>
+              <a:spcAft>
+                <a:spcPts val="0"/>
+              </a:spcAft>
+              <a:buClrTx/>
+              <a:buSzTx/>
+              <a:buFontTx/>
+              <a:buNone/>
+              <a:tabLst/>
+              <a:defRPr/>
+            </a:pPr>
+            <a:endParaRPr lang="zh-CN" altLang="en-US" dirty="0"/>
+          </a:p>
+        </p:txBody>
+      </p:sp>
+      <p:sp>
+        <p:nvSpPr>
+          <p:cNvPr id="4" name="灯片编号占位符 3"/>
+          <p:cNvSpPr>
+            <a:spLocks noGrp="1"/>
+          </p:cNvSpPr>
+          <p:nvPr>
+            <p:ph type="sldNum" sz="quarter" idx="5"/>
+          </p:nvPr>
+        </p:nvSpPr>
+        <p:spPr/>
+        <p:txBody>
+          <a:bodyPr/>
+          <a:lstStyle/>
+          <a:p>
+            <a:fld id="{0111EF2A-CA54-46BA-9D19-E4C580B41F03}" type="slidenum">
+              <a:rPr lang="zh-CN" altLang="en-US" smtClean="0"/>
+              <a:t>28</a:t>
+            </a:fld>
+            <a:endParaRPr lang="zh-CN" altLang="en-US"/>
+          </a:p>
+        </p:txBody>
+      </p:sp>
+    </p:spTree>
+    <p:extLst>
+      <p:ext uri="{BB962C8B-B14F-4D97-AF65-F5344CB8AC3E}">
+        <p14:creationId xmlns:p14="http://schemas.microsoft.com/office/powerpoint/2010/main" val="1341117382"/>
+      </p:ext>
+    </p:extLst>
+  </p:cSld>
+  <p:clrMapOvr>
+    <a:masterClrMapping/>
+  </p:clrMapOvr>
+</p:notes>
+</file>
+
+<file path=ppt/notesSlides/notesSlide22.xml><?xml version="1.0" encoding="utf-8"?>
+<p:notes xmlns:a="http://schemas.openxmlformats.org/drawingml/2006/main" xmlns:r="http://schemas.openxmlformats.org/officeDocument/2006/relationships" xmlns:p="http://schemas.openxmlformats.org/presentationml/2006/main">
+  <p:cSld>
+    <p:spTree>
+      <p:nvGrpSpPr>
+        <p:cNvPr id="1" name=""/>
+        <p:cNvGrpSpPr/>
+        <p:nvPr/>
+      </p:nvGrpSpPr>
+      <p:grpSpPr>
+        <a:xfrm>
+          <a:off x="0" y="0"/>
+          <a:ext cx="0" cy="0"/>
+          <a:chOff x="0" y="0"/>
+          <a:chExt cx="0" cy="0"/>
+        </a:xfrm>
+      </p:grpSpPr>
+      <p:sp>
+        <p:nvSpPr>
+          <p:cNvPr id="2" name="幻灯片图像占位符 1"/>
+          <p:cNvSpPr>
+            <a:spLocks noGrp="1" noRot="1" noChangeAspect="1"/>
+          </p:cNvSpPr>
+          <p:nvPr>
+            <p:ph type="sldImg"/>
+          </p:nvPr>
+        </p:nvSpPr>
+        <p:spPr/>
+      </p:sp>
+      <p:sp>
+        <p:nvSpPr>
+          <p:cNvPr id="3" name="备注占位符 2"/>
+          <p:cNvSpPr>
+            <a:spLocks noGrp="1"/>
+          </p:cNvSpPr>
+          <p:nvPr>
+            <p:ph type="body" idx="1"/>
+          </p:nvPr>
+        </p:nvSpPr>
+        <p:spPr/>
+        <p:txBody>
+          <a:bodyPr/>
+          <a:lstStyle/>
+          <a:p>
+            <a:pPr marL="0" marR="0" lvl="0" indent="0" algn="l" defTabSz="914400" rtl="0" eaLnBrk="1" fontAlgn="auto" latinLnBrk="0" hangingPunct="1">
+              <a:lnSpc>
+                <a:spcPct val="100000"/>
+              </a:lnSpc>
+              <a:spcBef>
+                <a:spcPts val="0"/>
+              </a:spcBef>
+              <a:spcAft>
+                <a:spcPts val="0"/>
+              </a:spcAft>
+              <a:buClrTx/>
+              <a:buSzTx/>
+              <a:buFontTx/>
+              <a:buNone/>
+              <a:tabLst/>
+              <a:defRPr/>
+            </a:pPr>
+            <a:endParaRPr lang="zh-CN" altLang="en-US" dirty="0"/>
+          </a:p>
+        </p:txBody>
+      </p:sp>
+      <p:sp>
+        <p:nvSpPr>
+          <p:cNvPr id="4" name="灯片编号占位符 3"/>
+          <p:cNvSpPr>
+            <a:spLocks noGrp="1"/>
+          </p:cNvSpPr>
+          <p:nvPr>
+            <p:ph type="sldNum" sz="quarter" idx="5"/>
+          </p:nvPr>
+        </p:nvSpPr>
+        <p:spPr/>
+        <p:txBody>
+          <a:bodyPr/>
+          <a:lstStyle/>
+          <a:p>
+            <a:fld id="{0111EF2A-CA54-46BA-9D19-E4C580B41F03}" type="slidenum">
+              <a:rPr lang="zh-CN" altLang="en-US" smtClean="0"/>
+              <a:t>29</a:t>
+            </a:fld>
+            <a:endParaRPr lang="zh-CN" altLang="en-US"/>
+          </a:p>
+        </p:txBody>
+      </p:sp>
+    </p:spTree>
+    <p:extLst>
+      <p:ext uri="{BB962C8B-B14F-4D97-AF65-F5344CB8AC3E}">
+        <p14:creationId xmlns:p14="http://schemas.microsoft.com/office/powerpoint/2010/main" val="1469756787"/>
+      </p:ext>
+    </p:extLst>
+  </p:cSld>
+  <p:clrMapOvr>
+    <a:masterClrMapping/>
+  </p:clrMapOvr>
+</p:notes>
+</file>
+
+<file path=ppt/notesSlides/notesSlide23.xml><?xml version="1.0" encoding="utf-8"?>
+<p:notes xmlns:a="http://schemas.openxmlformats.org/drawingml/2006/main" xmlns:r="http://schemas.openxmlformats.org/officeDocument/2006/relationships" xmlns:p="http://schemas.openxmlformats.org/presentationml/2006/main">
+  <p:cSld>
+    <p:spTree>
+      <p:nvGrpSpPr>
+        <p:cNvPr id="1" name=""/>
+        <p:cNvGrpSpPr/>
+        <p:nvPr/>
+      </p:nvGrpSpPr>
+      <p:grpSpPr>
+        <a:xfrm>
+          <a:off x="0" y="0"/>
+          <a:ext cx="0" cy="0"/>
+          <a:chOff x="0" y="0"/>
+          <a:chExt cx="0" cy="0"/>
+        </a:xfrm>
+      </p:grpSpPr>
+      <p:sp>
+        <p:nvSpPr>
+          <p:cNvPr id="2" name="幻灯片图像占位符 1"/>
+          <p:cNvSpPr>
+            <a:spLocks noGrp="1" noRot="1" noChangeAspect="1"/>
+          </p:cNvSpPr>
+          <p:nvPr>
+            <p:ph type="sldImg"/>
+          </p:nvPr>
+        </p:nvSpPr>
+        <p:spPr/>
+      </p:sp>
+      <p:sp>
+        <p:nvSpPr>
+          <p:cNvPr id="3" name="备注占位符 2"/>
+          <p:cNvSpPr>
+            <a:spLocks noGrp="1"/>
+          </p:cNvSpPr>
+          <p:nvPr>
+            <p:ph type="body" idx="1"/>
+          </p:nvPr>
+        </p:nvSpPr>
+        <p:spPr/>
+        <p:txBody>
+          <a:bodyPr/>
+          <a:lstStyle/>
+          <a:p>
+            <a:pPr marL="0" marR="0" lvl="0" indent="0" algn="l" defTabSz="914400" rtl="0" eaLnBrk="1" fontAlgn="auto" latinLnBrk="0" hangingPunct="1">
+              <a:lnSpc>
+                <a:spcPct val="100000"/>
+              </a:lnSpc>
+              <a:spcBef>
+                <a:spcPts val="0"/>
+              </a:spcBef>
+              <a:spcAft>
+                <a:spcPts val="0"/>
+              </a:spcAft>
+              <a:buClrTx/>
+              <a:buSzTx/>
+              <a:buFontTx/>
+              <a:buNone/>
+              <a:tabLst/>
+              <a:defRPr/>
+            </a:pPr>
+            <a:endParaRPr lang="zh-CN" altLang="en-US" dirty="0"/>
+          </a:p>
+        </p:txBody>
+      </p:sp>
+      <p:sp>
+        <p:nvSpPr>
+          <p:cNvPr id="4" name="灯片编号占位符 3"/>
+          <p:cNvSpPr>
+            <a:spLocks noGrp="1"/>
+          </p:cNvSpPr>
+          <p:nvPr>
+            <p:ph type="sldNum" sz="quarter" idx="5"/>
+          </p:nvPr>
+        </p:nvSpPr>
+        <p:spPr/>
+        <p:txBody>
+          <a:bodyPr/>
+          <a:lstStyle/>
+          <a:p>
+            <a:fld id="{0111EF2A-CA54-46BA-9D19-E4C580B41F03}" type="slidenum">
+              <a:rPr lang="zh-CN" altLang="en-US" smtClean="0"/>
+              <a:t>30</a:t>
+            </a:fld>
+            <a:endParaRPr lang="zh-CN" altLang="en-US"/>
+          </a:p>
+        </p:txBody>
+      </p:sp>
+    </p:spTree>
+    <p:extLst>
+      <p:ext uri="{BB962C8B-B14F-4D97-AF65-F5344CB8AC3E}">
+        <p14:creationId xmlns:p14="http://schemas.microsoft.com/office/powerpoint/2010/main" val="3319629375"/>
       </p:ext>
     </p:extLst>
   </p:cSld>
@@ -2374,7 +3113,7 @@
           <a:p>
             <a:fld id="{0111EF2A-CA54-46BA-9D19-E4C580B41F03}" type="slidenum">
               <a:rPr lang="zh-CN" altLang="en-US" smtClean="0"/>
-              <a:t>5</a:t>
+              <a:t>6</a:t>
             </a:fld>
             <a:endParaRPr lang="zh-CN" altLang="en-US"/>
           </a:p>
@@ -2485,7 +3224,7 @@
           <a:p>
             <a:fld id="{0111EF2A-CA54-46BA-9D19-E4C580B41F03}" type="slidenum">
               <a:rPr lang="zh-CN" altLang="en-US" smtClean="0"/>
-              <a:t>6</a:t>
+              <a:t>7</a:t>
             </a:fld>
             <a:endParaRPr lang="zh-CN" altLang="en-US"/>
           </a:p>
@@ -2576,7 +3315,7 @@
           <a:p>
             <a:fld id="{0111EF2A-CA54-46BA-9D19-E4C580B41F03}" type="slidenum">
               <a:rPr lang="zh-CN" altLang="en-US" smtClean="0"/>
-              <a:t>7</a:t>
+              <a:t>8</a:t>
             </a:fld>
             <a:endParaRPr lang="zh-CN" altLang="en-US"/>
           </a:p>
@@ -2779,7 +3518,7 @@
           <a:p>
             <a:fld id="{0111EF2A-CA54-46BA-9D19-E4C580B41F03}" type="slidenum">
               <a:rPr lang="zh-CN" altLang="en-US" smtClean="0"/>
-              <a:t>8</a:t>
+              <a:t>9</a:t>
             </a:fld>
             <a:endParaRPr lang="zh-CN" altLang="en-US"/>
           </a:p>
@@ -2958,7 +3697,7 @@
           <a:p>
             <a:fld id="{0111EF2A-CA54-46BA-9D19-E4C580B41F03}" type="slidenum">
               <a:rPr lang="zh-CN" altLang="en-US" smtClean="0"/>
-              <a:t>9</a:t>
+              <a:t>10</a:t>
             </a:fld>
             <a:endParaRPr lang="zh-CN" altLang="en-US"/>
           </a:p>
@@ -3178,7 +3917,7 @@
           <a:p>
             <a:fld id="{0111EF2A-CA54-46BA-9D19-E4C580B41F03}" type="slidenum">
               <a:rPr lang="zh-CN" altLang="en-US" smtClean="0"/>
-              <a:t>10</a:t>
+              <a:t>11</a:t>
             </a:fld>
             <a:endParaRPr lang="zh-CN" altLang="en-US"/>
           </a:p>
@@ -3363,7 +4102,7 @@
           <a:p>
             <a:fld id="{0111EF2A-CA54-46BA-9D19-E4C580B41F03}" type="slidenum">
               <a:rPr lang="zh-CN" altLang="en-US" smtClean="0"/>
-              <a:t>11</a:t>
+              <a:t>12</a:t>
             </a:fld>
             <a:endParaRPr lang="zh-CN" altLang="en-US"/>
           </a:p>
@@ -3529,7 +4268,7 @@
           <a:p>
             <a:fld id="{5A1740DE-654B-48BB-A6EB-4DD86D9E78E3}" type="datetimeFigureOut">
               <a:rPr lang="zh-CN" altLang="en-US" smtClean="0"/>
-              <a:t>2023/12/12</a:t>
+              <a:t>2023/12/13</a:t>
             </a:fld>
             <a:endParaRPr lang="zh-CN" altLang="en-US"/>
           </a:p>
@@ -3727,7 +4466,7 @@
           <a:p>
             <a:fld id="{5A1740DE-654B-48BB-A6EB-4DD86D9E78E3}" type="datetimeFigureOut">
               <a:rPr lang="zh-CN" altLang="en-US" smtClean="0"/>
-              <a:t>2023/12/12</a:t>
+              <a:t>2023/12/13</a:t>
             </a:fld>
             <a:endParaRPr lang="zh-CN" altLang="en-US"/>
           </a:p>
@@ -3935,7 +4674,7 @@
           <a:p>
             <a:fld id="{5A1740DE-654B-48BB-A6EB-4DD86D9E78E3}" type="datetimeFigureOut">
               <a:rPr lang="zh-CN" altLang="en-US" smtClean="0"/>
-              <a:t>2023/12/12</a:t>
+              <a:t>2023/12/13</a:t>
             </a:fld>
             <a:endParaRPr lang="zh-CN" altLang="en-US"/>
           </a:p>
@@ -4133,7 +4872,7 @@
           <a:p>
             <a:fld id="{5A1740DE-654B-48BB-A6EB-4DD86D9E78E3}" type="datetimeFigureOut">
               <a:rPr lang="zh-CN" altLang="en-US" smtClean="0"/>
-              <a:t>2023/12/12</a:t>
+              <a:t>2023/12/13</a:t>
             </a:fld>
             <a:endParaRPr lang="zh-CN" altLang="en-US"/>
           </a:p>
@@ -4408,7 +5147,7 @@
           <a:p>
             <a:fld id="{5A1740DE-654B-48BB-A6EB-4DD86D9E78E3}" type="datetimeFigureOut">
               <a:rPr lang="zh-CN" altLang="en-US" smtClean="0"/>
-              <a:t>2023/12/12</a:t>
+              <a:t>2023/12/13</a:t>
             </a:fld>
             <a:endParaRPr lang="zh-CN" altLang="en-US"/>
           </a:p>
@@ -4673,7 +5412,7 @@
           <a:p>
             <a:fld id="{5A1740DE-654B-48BB-A6EB-4DD86D9E78E3}" type="datetimeFigureOut">
               <a:rPr lang="zh-CN" altLang="en-US" smtClean="0"/>
-              <a:t>2023/12/12</a:t>
+              <a:t>2023/12/13</a:t>
             </a:fld>
             <a:endParaRPr lang="zh-CN" altLang="en-US"/>
           </a:p>
@@ -5085,7 +5824,7 @@
           <a:p>
             <a:fld id="{5A1740DE-654B-48BB-A6EB-4DD86D9E78E3}" type="datetimeFigureOut">
               <a:rPr lang="zh-CN" altLang="en-US" smtClean="0"/>
-              <a:t>2023/12/12</a:t>
+              <a:t>2023/12/13</a:t>
             </a:fld>
             <a:endParaRPr lang="zh-CN" altLang="en-US"/>
           </a:p>
@@ -5226,7 +5965,7 @@
           <a:p>
             <a:fld id="{5A1740DE-654B-48BB-A6EB-4DD86D9E78E3}" type="datetimeFigureOut">
               <a:rPr lang="zh-CN" altLang="en-US" smtClean="0"/>
-              <a:t>2023/12/12</a:t>
+              <a:t>2023/12/13</a:t>
             </a:fld>
             <a:endParaRPr lang="zh-CN" altLang="en-US"/>
           </a:p>
@@ -5339,7 +6078,7 @@
           <a:p>
             <a:fld id="{5A1740DE-654B-48BB-A6EB-4DD86D9E78E3}" type="datetimeFigureOut">
               <a:rPr lang="zh-CN" altLang="en-US" smtClean="0"/>
-              <a:t>2023/12/12</a:t>
+              <a:t>2023/12/13</a:t>
             </a:fld>
             <a:endParaRPr lang="zh-CN" altLang="en-US"/>
           </a:p>
@@ -5650,7 +6389,7 @@
           <a:p>
             <a:fld id="{5A1740DE-654B-48BB-A6EB-4DD86D9E78E3}" type="datetimeFigureOut">
               <a:rPr lang="zh-CN" altLang="en-US" smtClean="0"/>
-              <a:t>2023/12/12</a:t>
+              <a:t>2023/12/13</a:t>
             </a:fld>
             <a:endParaRPr lang="zh-CN" altLang="en-US"/>
           </a:p>
@@ -5938,7 +6677,7 @@
           <a:p>
             <a:fld id="{5A1740DE-654B-48BB-A6EB-4DD86D9E78E3}" type="datetimeFigureOut">
               <a:rPr lang="zh-CN" altLang="en-US" smtClean="0"/>
-              <a:t>2023/12/12</a:t>
+              <a:t>2023/12/13</a:t>
             </a:fld>
             <a:endParaRPr lang="zh-CN" altLang="en-US"/>
           </a:p>
@@ -6179,7 +6918,7 @@
           <a:p>
             <a:fld id="{5A1740DE-654B-48BB-A6EB-4DD86D9E78E3}" type="datetimeFigureOut">
               <a:rPr lang="zh-CN" altLang="en-US" smtClean="0"/>
-              <a:t>2023/12/12</a:t>
+              <a:t>2023/12/13</a:t>
             </a:fld>
             <a:endParaRPr lang="zh-CN" altLang="en-US"/>
           </a:p>
@@ -6824,13 +7563,13 @@
               <a:rPr lang="en-US" altLang="zh-CN" sz="7200" b="1" dirty="0">
                 <a:latin typeface="+mn-ea"/>
               </a:rPr>
-              <a:t>exercise8:</a:t>
+              <a:t>exercise7:</a:t>
             </a:r>
             <a:r>
               <a:rPr lang="zh-CN" altLang="en-US" sz="7200" b="1" dirty="0">
                 <a:latin typeface="+mn-ea"/>
               </a:rPr>
-              <a:t>指针</a:t>
+              <a:t>引用的定义</a:t>
             </a:r>
           </a:p>
         </p:txBody>
@@ -6849,8 +7588,8 @@
         </p:nvSpPr>
         <p:spPr>
           <a:xfrm>
-            <a:off x="5168900" y="2400299"/>
-            <a:ext cx="5143500" cy="2554545"/>
+            <a:off x="5029200" y="1946463"/>
+            <a:ext cx="5143500" cy="3539430"/>
           </a:xfrm>
           <a:prstGeom prst="rect">
             <a:avLst/>
@@ -6865,38 +7604,50 @@
           <a:p>
             <a:r>
               <a:rPr lang="zh-CN" altLang="en-US" sz="3200" dirty="0"/>
-              <a:t>假设 </a:t>
-            </a:r>
+              <a:t>下面的哪个定义是不合法的？为什么？</a:t>
+            </a:r>
+          </a:p>
+          <a:p>
+            <a:endParaRPr lang="zh-CN" altLang="en-US" sz="3200" dirty="0"/>
+          </a:p>
+          <a:p>
             <a:r>
               <a:rPr lang="en-US" altLang="zh-CN" sz="3200" dirty="0"/>
-              <a:t>p </a:t>
-            </a:r>
-            <a:r>
-              <a:rPr lang="zh-CN" altLang="en-US" sz="3200" dirty="0"/>
-              <a:t>是一个 </a:t>
+              <a:t>(a) int </a:t>
+            </a:r>
+            <a:r>
+              <a:rPr lang="en-US" altLang="zh-CN" sz="3200" dirty="0" err="1"/>
+              <a:t>ival</a:t>
             </a:r>
             <a:r>
               <a:rPr lang="en-US" altLang="zh-CN" sz="3200" dirty="0"/>
-              <a:t>int </a:t>
-            </a:r>
-            <a:r>
-              <a:rPr lang="zh-CN" altLang="en-US" sz="3200" dirty="0"/>
-              <a:t>型指针，请说明下述代码的含义。</a:t>
-            </a:r>
-          </a:p>
-          <a:p>
-            <a:endParaRPr lang="zh-CN" altLang="en-US" sz="3200" dirty="0"/>
-          </a:p>
-          <a:p>
-            <a:r>
-              <a:rPr lang="en-US" altLang="zh-CN" sz="3200" b="1" dirty="0"/>
-              <a:t>if (p) // ...</a:t>
+              <a:t> = 1.01;</a:t>
             </a:r>
           </a:p>
           <a:p>
             <a:r>
               <a:rPr lang="en-US" altLang="zh-CN" sz="3200" dirty="0"/>
-              <a:t>if (*p) // ...</a:t>
+              <a:t>(b) int &amp;rval1 = 1.01;</a:t>
+            </a:r>
+          </a:p>
+          <a:p>
+            <a:r>
+              <a:rPr lang="en-US" altLang="zh-CN" sz="3200" dirty="0"/>
+              <a:t>(c) int &amp;rval2 = </a:t>
+            </a:r>
+            <a:r>
+              <a:rPr lang="en-US" altLang="zh-CN" sz="3200" dirty="0" err="1"/>
+              <a:t>ival</a:t>
+            </a:r>
+            <a:r>
+              <a:rPr lang="en-US" altLang="zh-CN" sz="3200" dirty="0"/>
+              <a:t>;</a:t>
+            </a:r>
+          </a:p>
+          <a:p>
+            <a:r>
+              <a:rPr lang="en-US" altLang="zh-CN" sz="3200" dirty="0"/>
+              <a:t>(d) int &amp;rval3;</a:t>
             </a:r>
             <a:endParaRPr lang="zh-CN" altLang="en-US" sz="3200" dirty="0"/>
           </a:p>
@@ -6905,7 +7656,7 @@
     </p:spTree>
     <p:extLst>
       <p:ext uri="{BB962C8B-B14F-4D97-AF65-F5344CB8AC3E}">
-        <p14:creationId xmlns:p14="http://schemas.microsoft.com/office/powerpoint/2010/main" val="2997419110"/>
+        <p14:creationId xmlns:p14="http://schemas.microsoft.com/office/powerpoint/2010/main" val="1778427870"/>
       </p:ext>
     </p:extLst>
   </p:cSld>
@@ -7000,11 +7751,14 @@
               <a:rPr lang="en-US" altLang="zh-CN" sz="7200" b="1" dirty="0">
                 <a:latin typeface="+mn-ea"/>
               </a:rPr>
-              <a:t>exercise9:const</a:t>
-            </a:r>
-            <a:endParaRPr lang="zh-CN" altLang="en-US" sz="7200" b="1" dirty="0">
-              <a:latin typeface="+mn-ea"/>
-            </a:endParaRPr>
+              <a:t>exercise8:</a:t>
+            </a:r>
+            <a:r>
+              <a:rPr lang="zh-CN" altLang="en-US" sz="7200" b="1" dirty="0">
+                <a:latin typeface="+mn-ea"/>
+              </a:rPr>
+              <a:t>指针</a:t>
+            </a:r>
           </a:p>
         </p:txBody>
       </p:sp>
@@ -7022,8 +7776,8 @@
         </p:nvSpPr>
         <p:spPr>
           <a:xfrm>
-            <a:off x="3911600" y="2192685"/>
-            <a:ext cx="7696200" cy="3539430"/>
+            <a:off x="5168900" y="2400299"/>
+            <a:ext cx="5143500" cy="2554545"/>
           </a:xfrm>
           <a:prstGeom prst="rect">
             <a:avLst/>
@@ -7038,90 +7792,38 @@
           <a:p>
             <a:r>
               <a:rPr lang="zh-CN" altLang="en-US" sz="3200" dirty="0"/>
-              <a:t>下面哪些语句是合法的？如果不合法，请说明为什么？</a:t>
-            </a:r>
-          </a:p>
-          <a:p>
-            <a:endParaRPr lang="zh-CN" altLang="en-US" sz="3200" dirty="0"/>
-          </a:p>
-          <a:p>
+              <a:t>假设 </a:t>
+            </a:r>
             <a:r>
               <a:rPr lang="en-US" altLang="zh-CN" sz="3200" dirty="0"/>
-              <a:t>const int </a:t>
-            </a:r>
-            <a:r>
-              <a:rPr lang="en-US" altLang="zh-CN" sz="3200" dirty="0" err="1"/>
-              <a:t>buf</a:t>
-            </a:r>
-            <a:r>
-              <a:rPr lang="en-US" altLang="zh-CN" sz="3200" dirty="0"/>
-              <a:t>;    //const</a:t>
+              <a:t>p </a:t>
             </a:r>
             <a:r>
               <a:rPr lang="zh-CN" altLang="en-US" sz="3200" dirty="0"/>
-              <a:t>对象必须初始化</a:t>
-            </a:r>
-            <a:r>
-              <a:rPr lang="en-US" altLang="zh-CN" sz="3200" dirty="0"/>
-              <a:t>  </a:t>
-            </a:r>
-          </a:p>
-          <a:p>
+              <a:t>是一个 </a:t>
+            </a:r>
             <a:r>
               <a:rPr lang="en-US" altLang="zh-CN" sz="3200" dirty="0"/>
               <a:t>int </a:t>
             </a:r>
             <a:r>
-              <a:rPr lang="en-US" altLang="zh-CN" sz="3200" dirty="0" err="1"/>
-              <a:t>cnt</a:t>
-            </a:r>
+              <a:rPr lang="zh-CN" altLang="en-US" sz="3200" dirty="0"/>
+              <a:t>型指针，请说明下述代码的含义。</a:t>
+            </a:r>
+          </a:p>
+          <a:p>
+            <a:endParaRPr lang="zh-CN" altLang="en-US" sz="3200" dirty="0"/>
+          </a:p>
+          <a:p>
+            <a:r>
+              <a:rPr lang="en-US" altLang="zh-CN" sz="3200" b="1" dirty="0"/>
+              <a:t>if (p) // ...</a:t>
+            </a:r>
+          </a:p>
+          <a:p>
             <a:r>
               <a:rPr lang="en-US" altLang="zh-CN" sz="3200" dirty="0"/>
-              <a:t> = 0;        </a:t>
-            </a:r>
-          </a:p>
-          <a:p>
-            <a:r>
-              <a:rPr lang="en-US" altLang="zh-CN" sz="3200" dirty="0"/>
-              <a:t>const int </a:t>
-            </a:r>
-            <a:r>
-              <a:rPr lang="en-US" altLang="zh-CN" sz="3200" dirty="0" err="1"/>
-              <a:t>sz</a:t>
-            </a:r>
-            <a:r>
-              <a:rPr lang="en-US" altLang="zh-CN" sz="3200" dirty="0"/>
-              <a:t> = </a:t>
-            </a:r>
-            <a:r>
-              <a:rPr lang="en-US" altLang="zh-CN" sz="3200" dirty="0" err="1"/>
-              <a:t>cnt</a:t>
-            </a:r>
-            <a:r>
-              <a:rPr lang="en-US" altLang="zh-CN" sz="3200" dirty="0"/>
-              <a:t>; </a:t>
-            </a:r>
-          </a:p>
-          <a:p>
-            <a:r>
-              <a:rPr lang="en-US" altLang="zh-CN" sz="3200" dirty="0"/>
-              <a:t>++</a:t>
-            </a:r>
-            <a:r>
-              <a:rPr lang="en-US" altLang="zh-CN" sz="3200" dirty="0" err="1"/>
-              <a:t>cnt</a:t>
-            </a:r>
-            <a:r>
-              <a:rPr lang="en-US" altLang="zh-CN" sz="3200" dirty="0"/>
-              <a:t>; ++</a:t>
-            </a:r>
-            <a:r>
-              <a:rPr lang="en-US" altLang="zh-CN" sz="3200" dirty="0" err="1"/>
-              <a:t>sz</a:t>
-            </a:r>
-            <a:r>
-              <a:rPr lang="en-US" altLang="zh-CN" sz="3200" dirty="0"/>
-              <a:t>; </a:t>
+              <a:t>if (*p) // ...</a:t>
             </a:r>
             <a:endParaRPr lang="zh-CN" altLang="en-US" sz="3200" dirty="0"/>
           </a:p>
@@ -7130,7 +7832,7 @@
     </p:spTree>
     <p:extLst>
       <p:ext uri="{BB962C8B-B14F-4D97-AF65-F5344CB8AC3E}">
-        <p14:creationId xmlns:p14="http://schemas.microsoft.com/office/powerpoint/2010/main" val="205302054"/>
+        <p14:creationId xmlns:p14="http://schemas.microsoft.com/office/powerpoint/2010/main" val="2997419110"/>
       </p:ext>
     </p:extLst>
   </p:cSld>
@@ -7207,8 +7909,8 @@
         </p:nvSpPr>
         <p:spPr>
           <a:xfrm>
-            <a:off x="518175" y="466545"/>
-            <a:ext cx="12673949" cy="923330"/>
+            <a:off x="518176" y="466545"/>
+            <a:ext cx="9654524" cy="1200329"/>
           </a:xfrm>
           <a:prstGeom prst="rect">
             <a:avLst/>
@@ -7222,36 +7924,12 @@
           <a:lstStyle/>
           <a:p>
             <a:r>
-              <a:rPr lang="en-US" altLang="zh-CN" sz="5400" b="1" dirty="0">
+              <a:rPr lang="en-US" altLang="zh-CN" sz="7200" b="1" dirty="0">
                 <a:latin typeface="+mn-ea"/>
               </a:rPr>
-              <a:t>exercise10:</a:t>
-            </a:r>
-            <a:r>
-              <a:rPr lang="zh-CN" altLang="en-US" sz="5400" b="1" dirty="0">
-                <a:latin typeface="+mn-ea"/>
-              </a:rPr>
-              <a:t>顶层</a:t>
-            </a:r>
-            <a:r>
-              <a:rPr lang="en-US" altLang="zh-CN" sz="5400" b="1" dirty="0">
-                <a:latin typeface="+mn-ea"/>
-              </a:rPr>
-              <a:t>const</a:t>
-            </a:r>
-            <a:r>
-              <a:rPr lang="zh-CN" altLang="en-US" sz="5400" b="1" dirty="0">
-                <a:latin typeface="+mn-ea"/>
-              </a:rPr>
-              <a:t>和底层</a:t>
-            </a:r>
-            <a:r>
-              <a:rPr lang="en-US" altLang="zh-CN" sz="5400" b="1" dirty="0">
-                <a:latin typeface="+mn-ea"/>
-              </a:rPr>
-              <a:t>const</a:t>
-            </a:r>
-            <a:endParaRPr lang="zh-CN" altLang="en-US" sz="5400" b="1" dirty="0">
+              <a:t>exercise9:const</a:t>
+            </a:r>
+            <a:endParaRPr lang="zh-CN" altLang="en-US" sz="7200" b="1" dirty="0">
               <a:latin typeface="+mn-ea"/>
             </a:endParaRPr>
           </a:p>
@@ -7271,8 +7949,8 @@
         </p:nvSpPr>
         <p:spPr>
           <a:xfrm>
-            <a:off x="3801533" y="2065685"/>
-            <a:ext cx="7696200" cy="4524315"/>
+            <a:off x="3911600" y="2192685"/>
+            <a:ext cx="7696200" cy="3539430"/>
           </a:xfrm>
           <a:prstGeom prst="rect">
             <a:avLst/>
@@ -7287,77 +7965,99 @@
           <a:p>
             <a:r>
               <a:rPr lang="zh-CN" altLang="en-US" sz="3200" dirty="0"/>
-              <a:t>对于下面的这些语句，请说明对象被声明成了顶层</a:t>
-            </a:r>
+              <a:t>下面哪些语句是合法的？如果不合法，请说明为什么？</a:t>
+            </a:r>
+          </a:p>
+          <a:p>
+            <a:endParaRPr lang="zh-CN" altLang="en-US" sz="3200" dirty="0"/>
+          </a:p>
+          <a:p>
             <a:r>
               <a:rPr lang="en-US" altLang="zh-CN" sz="3200" dirty="0"/>
-              <a:t>const</a:t>
+              <a:t>const int </a:t>
+            </a:r>
+            <a:r>
+              <a:rPr lang="en-US" altLang="zh-CN" sz="3200" dirty="0" err="1"/>
+              <a:t>buf</a:t>
+            </a:r>
+            <a:r>
+              <a:rPr lang="en-US" altLang="zh-CN" sz="3200" dirty="0"/>
+              <a:t>;    //const</a:t>
             </a:r>
             <a:r>
               <a:rPr lang="zh-CN" altLang="en-US" sz="3200" dirty="0"/>
-              <a:t>还是底层</a:t>
+              <a:t>对象必须初始化</a:t>
             </a:r>
             <a:r>
               <a:rPr lang="en-US" altLang="zh-CN" sz="3200" dirty="0"/>
-              <a:t>const</a:t>
-            </a:r>
-            <a:r>
-              <a:rPr lang="zh-CN" altLang="en-US" sz="3200" dirty="0"/>
-              <a:t>？</a:t>
-            </a:r>
-            <a:endParaRPr lang="en-US" altLang="zh-CN" sz="3200" dirty="0"/>
+              <a:t>  </a:t>
+            </a:r>
           </a:p>
           <a:p>
             <a:r>
               <a:rPr lang="en-US" altLang="zh-CN" sz="3200" dirty="0"/>
-              <a:t>//</a:t>
-            </a:r>
-            <a:r>
-              <a:rPr lang="zh-CN" altLang="en-US" sz="3200" dirty="0"/>
-              <a:t>只针对复合类型而言（指针和引用）</a:t>
-            </a:r>
-          </a:p>
-          <a:p>
+              <a:t>int </a:t>
+            </a:r>
+            <a:r>
+              <a:rPr lang="en-US" altLang="zh-CN" sz="3200" dirty="0" err="1"/>
+              <a:t>cnt</a:t>
+            </a:r>
+            <a:r>
+              <a:rPr lang="en-US" altLang="zh-CN" sz="3200" dirty="0"/>
+              <a:t> = 0;        </a:t>
+            </a:r>
+          </a:p>
+          <a:p>
+            <a:r>
+              <a:rPr lang="en-US" altLang="zh-CN" sz="3200" dirty="0"/>
+              <a:t>const int </a:t>
+            </a:r>
+            <a:r>
+              <a:rPr lang="en-US" altLang="zh-CN" sz="3200" dirty="0" err="1"/>
+              <a:t>sz</a:t>
+            </a:r>
+            <a:r>
+              <a:rPr lang="en-US" altLang="zh-CN" sz="3200" dirty="0"/>
+              <a:t> = </a:t>
+            </a:r>
+            <a:r>
+              <a:rPr lang="en-US" altLang="zh-CN" sz="3200" dirty="0" err="1"/>
+              <a:t>cnt</a:t>
+            </a:r>
+            <a:r>
+              <a:rPr lang="en-US" altLang="zh-CN" sz="3200" dirty="0"/>
+              <a:t>; </a:t>
+            </a:r>
+          </a:p>
+          <a:p>
+            <a:r>
+              <a:rPr lang="en-US" altLang="zh-CN" sz="3200" dirty="0"/>
+              <a:t>++</a:t>
+            </a:r>
+            <a:r>
+              <a:rPr lang="en-US" altLang="zh-CN" sz="3200" dirty="0" err="1"/>
+              <a:t>cnt</a:t>
+            </a:r>
+            <a:r>
+              <a:rPr lang="en-US" altLang="zh-CN" sz="3200" dirty="0"/>
+              <a:t>; ++</a:t>
+            </a:r>
+            <a:r>
+              <a:rPr lang="en-US" altLang="zh-CN" sz="3200" dirty="0" err="1"/>
+              <a:t>sz</a:t>
+            </a:r>
+            <a:r>
+              <a:rPr lang="en-US" altLang="zh-CN" sz="3200" dirty="0"/>
+              <a:t>; </a:t>
+            </a:r>
             <a:endParaRPr lang="zh-CN" altLang="en-US" sz="3200" dirty="0"/>
-          </a:p>
-          <a:p>
-            <a:r>
-              <a:rPr lang="en-US" altLang="zh-CN" sz="3200" dirty="0"/>
-              <a:t>const int v2 = 0; </a:t>
-            </a:r>
-          </a:p>
-          <a:p>
-            <a:r>
-              <a:rPr lang="en-US" altLang="zh-CN" sz="3200" dirty="0"/>
-              <a:t>int v1 = v2;</a:t>
-            </a:r>
-          </a:p>
-          <a:p>
-            <a:r>
-              <a:rPr lang="en-US" altLang="zh-CN" sz="3200" dirty="0"/>
-              <a:t>int *p1 = &amp;v1, &amp;r1 = v1;</a:t>
-            </a:r>
-          </a:p>
-          <a:p>
-            <a:r>
-              <a:rPr lang="en-US" altLang="zh-CN" sz="3200" dirty="0"/>
-              <a:t>const int *p2 = &amp;v2, *const p3 = &amp;</a:t>
-            </a:r>
-            <a:r>
-              <a:rPr lang="en-US" altLang="zh-CN" sz="3200" dirty="0" err="1"/>
-              <a:t>i</a:t>
-            </a:r>
-            <a:r>
-              <a:rPr lang="en-US" altLang="zh-CN" sz="3200" dirty="0"/>
-              <a:t>, &amp;r2 = v2;</a:t>
-            </a:r>
           </a:p>
         </p:txBody>
       </p:sp>
     </p:spTree>
     <p:extLst>
       <p:ext uri="{BB962C8B-B14F-4D97-AF65-F5344CB8AC3E}">
-        <p14:creationId xmlns:p14="http://schemas.microsoft.com/office/powerpoint/2010/main" val="1221082278"/>
+        <p14:creationId xmlns:p14="http://schemas.microsoft.com/office/powerpoint/2010/main" val="205302054"/>
       </p:ext>
     </p:extLst>
   </p:cSld>
@@ -7434,8 +8134,8 @@
         </p:nvSpPr>
         <p:spPr>
           <a:xfrm>
-            <a:off x="518176" y="466545"/>
-            <a:ext cx="9654524" cy="1200329"/>
+            <a:off x="518175" y="466545"/>
+            <a:ext cx="12673949" cy="923330"/>
           </a:xfrm>
           <a:prstGeom prst="rect">
             <a:avLst/>
@@ -7449,17 +8149,38 @@
           <a:lstStyle/>
           <a:p>
             <a:r>
-              <a:rPr lang="en-US" altLang="zh-CN" sz="7200" b="1" dirty="0">
+              <a:rPr lang="en-US" altLang="zh-CN" sz="5400" b="1" dirty="0">
                 <a:latin typeface="+mn-ea"/>
               </a:rPr>
-              <a:t>exercise11:	auto</a:t>
-            </a:r>
-            <a:r>
-              <a:rPr lang="zh-CN" altLang="en-US" sz="7200" b="1" dirty="0">
+              <a:t>exercise10:</a:t>
+            </a:r>
+            <a:r>
+              <a:rPr lang="zh-CN" altLang="en-US" sz="5400" b="1" dirty="0">
                 <a:latin typeface="+mn-ea"/>
               </a:rPr>
-              <a:t>推断</a:t>
-            </a:r>
+              <a:t>顶层</a:t>
+            </a:r>
+            <a:r>
+              <a:rPr lang="en-US" altLang="zh-CN" sz="5400" b="1" dirty="0">
+                <a:latin typeface="+mn-ea"/>
+              </a:rPr>
+              <a:t>const</a:t>
+            </a:r>
+            <a:r>
+              <a:rPr lang="zh-CN" altLang="en-US" sz="5400" b="1" dirty="0">
+                <a:latin typeface="+mn-ea"/>
+              </a:rPr>
+              <a:t>和底层</a:t>
+            </a:r>
+            <a:r>
+              <a:rPr lang="en-US" altLang="zh-CN" sz="5400" b="1" dirty="0">
+                <a:latin typeface="+mn-ea"/>
+              </a:rPr>
+              <a:t>const</a:t>
+            </a:r>
+            <a:endParaRPr lang="zh-CN" altLang="en-US" sz="5400" b="1" dirty="0">
+              <a:latin typeface="+mn-ea"/>
+            </a:endParaRPr>
           </a:p>
         </p:txBody>
       </p:sp>
@@ -7477,8 +8198,8 @@
         </p:nvSpPr>
         <p:spPr>
           <a:xfrm>
-            <a:off x="3911600" y="2192685"/>
-            <a:ext cx="7696200" cy="4031873"/>
+            <a:off x="3801533" y="2065685"/>
+            <a:ext cx="7696200" cy="4524315"/>
           </a:xfrm>
           <a:prstGeom prst="rect">
             <a:avLst/>
@@ -7493,7 +8214,34 @@
           <a:p>
             <a:r>
               <a:rPr lang="zh-CN" altLang="en-US" sz="3200" dirty="0"/>
-              <a:t>判断下列定义推断出的类型是什么，然后编写程序进行验证。</a:t>
+              <a:t>对于下面的这些语句，请说明对象被声明成了顶层</a:t>
+            </a:r>
+            <a:r>
+              <a:rPr lang="en-US" altLang="zh-CN" sz="3200" dirty="0"/>
+              <a:t>const</a:t>
+            </a:r>
+            <a:r>
+              <a:rPr lang="zh-CN" altLang="en-US" sz="3200" dirty="0"/>
+              <a:t>还是底层</a:t>
+            </a:r>
+            <a:r>
+              <a:rPr lang="en-US" altLang="zh-CN" sz="3200" dirty="0"/>
+              <a:t>const</a:t>
+            </a:r>
+            <a:r>
+              <a:rPr lang="zh-CN" altLang="en-US" sz="3200" dirty="0"/>
+              <a:t>？</a:t>
+            </a:r>
+            <a:endParaRPr lang="en-US" altLang="zh-CN" sz="3200" dirty="0"/>
+          </a:p>
+          <a:p>
+            <a:r>
+              <a:rPr lang="en-US" altLang="zh-CN" sz="3200" dirty="0"/>
+              <a:t>//</a:t>
+            </a:r>
+            <a:r>
+              <a:rPr lang="zh-CN" altLang="en-US" sz="3200" dirty="0"/>
+              <a:t>只针对复合类型而言（指针和引用）</a:t>
             </a:r>
           </a:p>
           <a:p>
@@ -7502,7 +8250,25 @@
           <a:p>
             <a:r>
               <a:rPr lang="en-US" altLang="zh-CN" sz="3200" dirty="0"/>
-              <a:t>const int </a:t>
+              <a:t>const int v2 = 0; </a:t>
+            </a:r>
+          </a:p>
+          <a:p>
+            <a:r>
+              <a:rPr lang="en-US" altLang="zh-CN" sz="3200" dirty="0"/>
+              <a:t>int v1 = v2;</a:t>
+            </a:r>
+          </a:p>
+          <a:p>
+            <a:r>
+              <a:rPr lang="en-US" altLang="zh-CN" sz="3200" dirty="0"/>
+              <a:t>int *p1 = &amp;v1, &amp;r1 = v1;</a:t>
+            </a:r>
+          </a:p>
+          <a:p>
+            <a:r>
+              <a:rPr lang="en-US" altLang="zh-CN" sz="3200" dirty="0"/>
+              <a:t>const int *p2 = &amp;v2, *const p3 = &amp;</a:t>
             </a:r>
             <a:r>
               <a:rPr lang="en-US" altLang="zh-CN" sz="3200" dirty="0" err="1"/>
@@ -7510,85 +8276,15 @@
             </a:r>
             <a:r>
               <a:rPr lang="en-US" altLang="zh-CN" sz="3200" dirty="0"/>
-              <a:t> = 42;</a:t>
-            </a:r>
-          </a:p>
-          <a:p>
-            <a:r>
-              <a:rPr lang="en-US" altLang="zh-CN" sz="3200" dirty="0"/>
-              <a:t>auto j = </a:t>
-            </a:r>
-            <a:r>
-              <a:rPr lang="en-US" altLang="zh-CN" sz="3200" dirty="0" err="1"/>
-              <a:t>i</a:t>
-            </a:r>
-            <a:r>
-              <a:rPr lang="en-US" altLang="zh-CN" sz="3200" dirty="0"/>
-              <a:t>;</a:t>
-            </a:r>
-          </a:p>
-          <a:p>
-            <a:r>
-              <a:rPr lang="en-US" altLang="zh-CN" sz="3200" dirty="0"/>
-              <a:t>const auto &amp;k = </a:t>
-            </a:r>
-            <a:r>
-              <a:rPr lang="en-US" altLang="zh-CN" sz="3200" dirty="0" err="1"/>
-              <a:t>i</a:t>
-            </a:r>
-            <a:r>
-              <a:rPr lang="en-US" altLang="zh-CN" sz="3200" dirty="0"/>
-              <a:t>;</a:t>
-            </a:r>
-          </a:p>
-          <a:p>
-            <a:r>
-              <a:rPr lang="en-US" altLang="zh-CN" sz="3200" dirty="0"/>
-              <a:t>auto *p = &amp;</a:t>
-            </a:r>
-            <a:r>
-              <a:rPr lang="en-US" altLang="zh-CN" sz="3200" dirty="0" err="1"/>
-              <a:t>i</a:t>
-            </a:r>
-            <a:r>
-              <a:rPr lang="en-US" altLang="zh-CN" sz="3200" dirty="0"/>
-              <a:t>;  //</a:t>
-            </a:r>
-            <a:r>
-              <a:rPr lang="zh-CN" altLang="en-US" sz="3200"/>
-              <a:t>待定</a:t>
-            </a:r>
-            <a:endParaRPr lang="en-US" altLang="zh-CN" sz="3200" dirty="0"/>
-          </a:p>
-          <a:p>
-            <a:r>
-              <a:rPr lang="en-US" altLang="zh-CN" sz="3200" dirty="0"/>
-              <a:t>const auto j2 = </a:t>
-            </a:r>
-            <a:r>
-              <a:rPr lang="en-US" altLang="zh-CN" sz="3200" dirty="0" err="1"/>
-              <a:t>i</a:t>
-            </a:r>
-            <a:r>
-              <a:rPr lang="en-US" altLang="zh-CN" sz="3200" dirty="0"/>
-              <a:t>, &amp;k2 = </a:t>
-            </a:r>
-            <a:r>
-              <a:rPr lang="en-US" altLang="zh-CN" sz="3200" dirty="0" err="1"/>
-              <a:t>i</a:t>
-            </a:r>
-            <a:r>
-              <a:rPr lang="en-US" altLang="zh-CN" sz="3200" dirty="0"/>
-              <a:t>;</a:t>
-            </a:r>
-            <a:endParaRPr lang="zh-CN" altLang="en-US" sz="3200" dirty="0"/>
+              <a:t>, &amp;r2 = v2;</a:t>
+            </a:r>
           </a:p>
         </p:txBody>
       </p:sp>
     </p:spTree>
     <p:extLst>
       <p:ext uri="{BB962C8B-B14F-4D97-AF65-F5344CB8AC3E}">
-        <p14:creationId xmlns:p14="http://schemas.microsoft.com/office/powerpoint/2010/main" val="842146943"/>
+        <p14:creationId xmlns:p14="http://schemas.microsoft.com/office/powerpoint/2010/main" val="1221082278"/>
       </p:ext>
     </p:extLst>
   </p:cSld>
@@ -7665,8 +8361,8 @@
         </p:nvSpPr>
         <p:spPr>
           <a:xfrm>
-            <a:off x="518175" y="466545"/>
-            <a:ext cx="11169000" cy="1200329"/>
+            <a:off x="518176" y="466545"/>
+            <a:ext cx="9654524" cy="1200329"/>
           </a:xfrm>
           <a:prstGeom prst="rect">
             <a:avLst/>
@@ -7683,13 +8379,13 @@
               <a:rPr lang="en-US" altLang="zh-CN" sz="7200" b="1" dirty="0">
                 <a:latin typeface="+mn-ea"/>
               </a:rPr>
-              <a:t>exercise12:</a:t>
+              <a:t>exercise11:	auto</a:t>
             </a:r>
             <a:r>
               <a:rPr lang="zh-CN" altLang="en-US" sz="7200" b="1" dirty="0">
                 <a:latin typeface="+mn-ea"/>
               </a:rPr>
-              <a:t>头文件保护符</a:t>
+              <a:t>推断</a:t>
             </a:r>
           </a:p>
         </p:txBody>
@@ -7709,7 +8405,7 @@
         <p:spPr>
           <a:xfrm>
             <a:off x="3911600" y="2192685"/>
-            <a:ext cx="7696200" cy="584775"/>
+            <a:ext cx="7696200" cy="4031873"/>
           </a:xfrm>
           <a:prstGeom prst="rect">
             <a:avLst/>
@@ -7724,43 +8420,102 @@
           <a:p>
             <a:r>
               <a:rPr lang="zh-CN" altLang="en-US" sz="3200" dirty="0"/>
-              <a:t>说说</a:t>
-            </a:r>
+              <a:t>判断下列定义推断出的类型是什么，然后编写程序进行验证。</a:t>
+            </a:r>
+          </a:p>
+          <a:p>
+            <a:endParaRPr lang="zh-CN" altLang="en-US" sz="3200" dirty="0"/>
+          </a:p>
+          <a:p>
             <a:r>
               <a:rPr lang="en-US" altLang="zh-CN" sz="3200" dirty="0"/>
-              <a:t>#</a:t>
-            </a:r>
-            <a:r>
-              <a:rPr lang="en-US" altLang="zh-CN" sz="3200" b="1" dirty="0" err="1"/>
-              <a:t>ifndef</a:t>
+              <a:t>const int </a:t>
+            </a:r>
+            <a:r>
+              <a:rPr lang="en-US" altLang="zh-CN" sz="3200" dirty="0" err="1"/>
+              <a:t>i</a:t>
             </a:r>
             <a:r>
               <a:rPr lang="en-US" altLang="zh-CN" sz="3200" dirty="0"/>
-              <a:t> </a:t>
+              <a:t> = 42;</a:t>
+            </a:r>
+          </a:p>
+          <a:p>
+            <a:r>
+              <a:rPr lang="en-US" altLang="zh-CN" sz="3200" dirty="0"/>
+              <a:t>auto j = </a:t>
+            </a:r>
+            <a:r>
+              <a:rPr lang="en-US" altLang="zh-CN" sz="3200" dirty="0" err="1"/>
+              <a:t>i</a:t>
+            </a:r>
+            <a:r>
+              <a:rPr lang="en-US" altLang="zh-CN" sz="3200" dirty="0"/>
+              <a:t>;</a:t>
+            </a:r>
+          </a:p>
+          <a:p>
+            <a:r>
+              <a:rPr lang="en-US" altLang="zh-CN" sz="3200" dirty="0"/>
+              <a:t>const auto &amp;k = </a:t>
+            </a:r>
+            <a:r>
+              <a:rPr lang="en-US" altLang="zh-CN" sz="3200" dirty="0" err="1"/>
+              <a:t>i</a:t>
+            </a:r>
+            <a:r>
+              <a:rPr lang="en-US" altLang="zh-CN" sz="3200" dirty="0"/>
+              <a:t>;</a:t>
+            </a:r>
+          </a:p>
+          <a:p>
+            <a:r>
+              <a:rPr lang="en-US" altLang="zh-CN" sz="3200" dirty="0"/>
+              <a:t>auto *p = &amp;</a:t>
+            </a:r>
+            <a:r>
+              <a:rPr lang="en-US" altLang="zh-CN" sz="3200" dirty="0" err="1"/>
+              <a:t>i</a:t>
+            </a:r>
+            <a:r>
+              <a:rPr lang="en-US" altLang="zh-CN" sz="3200" dirty="0"/>
+              <a:t>;  //</a:t>
             </a:r>
             <a:r>
               <a:rPr lang="zh-CN" altLang="en-US" sz="3200" dirty="0"/>
-              <a:t>和</a:t>
-            </a:r>
+              <a:t>待定</a:t>
+            </a:r>
+            <a:endParaRPr lang="en-US" altLang="zh-CN" sz="3200" dirty="0"/>
+          </a:p>
+          <a:p>
             <a:r>
               <a:rPr lang="en-US" altLang="zh-CN" sz="3200" dirty="0"/>
-              <a:t>#</a:t>
-            </a:r>
-            <a:r>
-              <a:rPr lang="en-US" altLang="zh-CN" sz="3200" b="1" dirty="0"/>
-              <a:t>pragma once</a:t>
-            </a:r>
-            <a:r>
-              <a:rPr lang="zh-CN" altLang="en-US" sz="3200" dirty="0"/>
-              <a:t>的区别</a:t>
-            </a:r>
+              <a:t>const auto j2 = </a:t>
+            </a:r>
+            <a:r>
+              <a:rPr lang="en-US" altLang="zh-CN" sz="3200" dirty="0" err="1"/>
+              <a:t>i</a:t>
+            </a:r>
+            <a:r>
+              <a:rPr lang="en-US" altLang="zh-CN" sz="3200" dirty="0"/>
+              <a:t>, &amp;k2 = </a:t>
+            </a:r>
+            <a:r>
+              <a:rPr lang="en-US" altLang="zh-CN" sz="3200" dirty="0" err="1"/>
+              <a:t>i</a:t>
+            </a:r>
+            <a:r>
+              <a:rPr lang="en-US" altLang="zh-CN" sz="3200" dirty="0"/>
+              <a:t>;</a:t>
+            </a:r>
+            <a:endParaRPr lang="zh-CN" altLang="en-US" sz="3200" dirty="0"/>
           </a:p>
         </p:txBody>
       </p:sp>
     </p:spTree>
     <p:extLst>
       <p:ext uri="{BB962C8B-B14F-4D97-AF65-F5344CB8AC3E}">
-        <p14:creationId xmlns:p14="http://schemas.microsoft.com/office/powerpoint/2010/main" val="4158320457"/>
+        <p14:creationId xmlns:p14="http://schemas.microsoft.com/office/powerpoint/2010/main" val="842146943"/>
       </p:ext>
     </p:extLst>
   </p:cSld>
@@ -7787,69 +8542,152 @@
           <a:chExt cx="0" cy="0"/>
         </a:xfrm>
       </p:grpSpPr>
-      <p:sp>
-        <p:nvSpPr>
-          <p:cNvPr id="9" name="矩形 8">
-            <a:extLst>
-              <a:ext uri="{FF2B5EF4-FFF2-40B4-BE49-F238E27FC236}">
-                <a16:creationId xmlns:a16="http://schemas.microsoft.com/office/drawing/2014/main" id="{905E8B6D-950F-4396-9DBF-B652B1E45801}"/>
-              </a:ext>
-            </a:extLst>
-          </p:cNvPr>
-          <p:cNvSpPr/>
+      <p:pic>
+        <p:nvPicPr>
+          <p:cNvPr id="3" name="图片 2">
+            <a:extLst>
+              <a:ext uri="{FF2B5EF4-FFF2-40B4-BE49-F238E27FC236}">
+                <a16:creationId xmlns:a16="http://schemas.microsoft.com/office/drawing/2014/main" id="{807372C6-A1CB-43EA-A384-B8443A72444E}"/>
+              </a:ext>
+            </a:extLst>
+          </p:cNvPr>
+          <p:cNvPicPr>
+            <a:picLocks noChangeAspect="1"/>
+          </p:cNvPicPr>
           <p:nvPr/>
-        </p:nvSpPr>
+        </p:nvPicPr>
+        <p:blipFill>
+          <a:blip r:embed="rId3">
+            <a:extLst>
+              <a:ext uri="{28A0092B-C50C-407E-A947-70E740481C1C}">
+                <a14:useLocalDpi xmlns:a14="http://schemas.microsoft.com/office/drawing/2010/main" val="0"/>
+              </a:ext>
+            </a:extLst>
+          </a:blip>
+          <a:stretch>
+            <a:fillRect/>
+          </a:stretch>
+        </p:blipFill>
         <p:spPr>
           <a:xfrm>
-            <a:off x="288268" y="288399"/>
-            <a:ext cx="3397084" cy="584775"/>
+            <a:off x="209544" y="2400299"/>
+            <a:ext cx="3124203" cy="3124203"/>
           </a:xfrm>
           <a:prstGeom prst="rect">
             <a:avLst/>
           </a:prstGeom>
         </p:spPr>
-        <p:txBody>
-          <a:bodyPr wrap="none">
+      </p:pic>
+      <p:sp>
+        <p:nvSpPr>
+          <p:cNvPr id="8" name="文本框 7">
+            <a:extLst>
+              <a:ext uri="{FF2B5EF4-FFF2-40B4-BE49-F238E27FC236}">
+                <a16:creationId xmlns:a16="http://schemas.microsoft.com/office/drawing/2014/main" id="{173B5B89-5235-4C07-99A2-AC5672E77337}"/>
+              </a:ext>
+            </a:extLst>
+          </p:cNvPr>
+          <p:cNvSpPr txBox="1"/>
+          <p:nvPr/>
+        </p:nvSpPr>
+        <p:spPr>
+          <a:xfrm>
+            <a:off x="518175" y="466545"/>
+            <a:ext cx="11169000" cy="1200329"/>
+          </a:xfrm>
+          <a:prstGeom prst="rect">
+            <a:avLst/>
+          </a:prstGeom>
+          <a:noFill/>
+        </p:spPr>
+        <p:txBody>
+          <a:bodyPr wrap="square" rtlCol="0">
             <a:spAutoFit/>
           </a:bodyPr>
           <a:lstStyle/>
           <a:p>
-            <a:pPr lvl="0" fontAlgn="base">
-              <a:spcBef>
-                <a:spcPct val="0"/>
-              </a:spcBef>
-              <a:spcAft>
-                <a:spcPct val="0"/>
-              </a:spcAft>
-            </a:pPr>
-            <a:r>
-              <a:rPr lang="zh-CN" altLang="zh-CN" sz="3200" b="1" dirty="0">
+            <a:r>
+              <a:rPr lang="en-US" altLang="zh-CN" sz="7200" b="1" dirty="0">
                 <a:latin typeface="+mn-ea"/>
               </a:rPr>
-              <a:t>2</a:t>
-            </a:r>
-            <a:r>
-              <a:rPr lang="en-US" altLang="zh-CN" sz="3200" b="1" dirty="0">
+              <a:t>exercise12:</a:t>
+            </a:r>
+            <a:r>
+              <a:rPr lang="zh-CN" altLang="en-US" sz="7200" b="1" dirty="0">
                 <a:latin typeface="+mn-ea"/>
               </a:rPr>
+              <a:t>头文件保护符</a:t>
+            </a:r>
+          </a:p>
+        </p:txBody>
+      </p:sp>
+      <p:sp>
+        <p:nvSpPr>
+          <p:cNvPr id="4" name="文本框 3">
+            <a:extLst>
+              <a:ext uri="{FF2B5EF4-FFF2-40B4-BE49-F238E27FC236}">
+                <a16:creationId xmlns:a16="http://schemas.microsoft.com/office/drawing/2014/main" id="{FF061744-ECCD-4F85-BBEE-D7B712F42667}"/>
+              </a:ext>
+            </a:extLst>
+          </p:cNvPr>
+          <p:cNvSpPr txBox="1"/>
+          <p:nvPr/>
+        </p:nvSpPr>
+        <p:spPr>
+          <a:xfrm>
+            <a:off x="3911600" y="2192685"/>
+            <a:ext cx="7696200" cy="584775"/>
+          </a:xfrm>
+          <a:prstGeom prst="rect">
+            <a:avLst/>
+          </a:prstGeom>
+          <a:noFill/>
+        </p:spPr>
+        <p:txBody>
+          <a:bodyPr wrap="square" rtlCol="0">
+            <a:spAutoFit/>
+          </a:bodyPr>
+          <a:lstStyle/>
+          <a:p>
+            <a:r>
+              <a:rPr lang="zh-CN" altLang="en-US" sz="3200" dirty="0"/>
+              <a:t>说说</a:t>
+            </a:r>
+            <a:r>
+              <a:rPr lang="en-US" altLang="zh-CN" sz="3200" dirty="0"/>
+              <a:t>#</a:t>
+            </a:r>
+            <a:r>
+              <a:rPr lang="en-US" altLang="zh-CN" sz="3200" b="1" dirty="0" err="1"/>
+              <a:t>ifndef</a:t>
+            </a:r>
+            <a:r>
+              <a:rPr lang="en-US" altLang="zh-CN" sz="3200" dirty="0"/>
               <a:t> </a:t>
             </a:r>
             <a:r>
-              <a:rPr lang="zh-CN" altLang="en-US" sz="3200" b="1" dirty="0">
-                <a:latin typeface="+mn-ea"/>
-              </a:rPr>
-              <a:t>基本类型和变量</a:t>
-            </a:r>
-            <a:endParaRPr lang="zh-CN" altLang="zh-CN" sz="3200" b="1" dirty="0">
-              <a:latin typeface="+mn-ea"/>
-            </a:endParaRPr>
+              <a:rPr lang="zh-CN" altLang="en-US" sz="3200" dirty="0"/>
+              <a:t>和</a:t>
+            </a:r>
+            <a:r>
+              <a:rPr lang="en-US" altLang="zh-CN" sz="3200" dirty="0"/>
+              <a:t>#</a:t>
+            </a:r>
+            <a:r>
+              <a:rPr lang="en-US" altLang="zh-CN" sz="3200" b="1" dirty="0"/>
+              <a:t>pragma once</a:t>
+            </a:r>
+            <a:r>
+              <a:rPr lang="zh-CN" altLang="en-US" sz="3200" dirty="0"/>
+              <a:t>的区别</a:t>
+            </a:r>
           </a:p>
         </p:txBody>
       </p:sp>
     </p:spTree>
     <p:extLst>
       <p:ext uri="{BB962C8B-B14F-4D97-AF65-F5344CB8AC3E}">
-        <p14:creationId xmlns:p14="http://schemas.microsoft.com/office/powerpoint/2010/main" val="2064899679"/>
+        <p14:creationId xmlns:p14="http://schemas.microsoft.com/office/powerpoint/2010/main" val="4158320457"/>
       </p:ext>
     </p:extLst>
   </p:cSld>
@@ -7878,257 +8716,10 @@
       </p:grpSpPr>
       <p:sp>
         <p:nvSpPr>
-          <p:cNvPr id="4" name="Rectangle 2">
-            <a:extLst>
-              <a:ext uri="{FF2B5EF4-FFF2-40B4-BE49-F238E27FC236}">
-                <a16:creationId xmlns:a16="http://schemas.microsoft.com/office/drawing/2014/main" id="{941FE186-B41E-45A3-82FB-DC3E102AE008}"/>
-              </a:ext>
-            </a:extLst>
-          </p:cNvPr>
-          <p:cNvSpPr>
-            <a:spLocks noChangeArrowheads="1"/>
-          </p:cNvSpPr>
-          <p:nvPr/>
-        </p:nvSpPr>
-        <p:spPr bwMode="auto">
-          <a:xfrm>
-            <a:off x="1317057" y="1436683"/>
-            <a:ext cx="8401050" cy="1200329"/>
-          </a:xfrm>
-          <a:prstGeom prst="rect">
-            <a:avLst/>
-          </a:prstGeom>
-          <a:noFill/>
-          <a:ln>
-            <a:noFill/>
-          </a:ln>
-          <a:effectLst/>
-          <a:extLst>
-            <a:ext uri="{909E8E84-426E-40DD-AFC4-6F175D3DCCD1}">
-              <a14:hiddenFill xmlns:a14="http://schemas.microsoft.com/office/drawing/2010/main">
-                <a:solidFill>
-                  <a:schemeClr val="accent1"/>
-                </a:solidFill>
-              </a14:hiddenFill>
-            </a:ext>
-            <a:ext uri="{91240B29-F687-4F45-9708-019B960494DF}">
-              <a14:hiddenLine xmlns:a14="http://schemas.microsoft.com/office/drawing/2010/main" w="9525">
-                <a:solidFill>
-                  <a:schemeClr val="tx1"/>
-                </a:solidFill>
-                <a:miter lim="800000"/>
-                <a:headEnd/>
-                <a:tailEnd/>
-              </a14:hiddenLine>
-            </a:ext>
-            <a:ext uri="{AF507438-7753-43E0-B8FC-AC1667EBCBE1}">
-              <a14:hiddenEffects xmlns:a14="http://schemas.microsoft.com/office/drawing/2010/main">
-                <a:effectLst>
-                  <a:outerShdw dist="35921" dir="2700000" algn="ctr" rotWithShape="0">
-                    <a:schemeClr val="bg2"/>
-                  </a:outerShdw>
-                </a:effectLst>
-              </a14:hiddenEffects>
-            </a:ext>
-          </a:extLst>
-        </p:spPr>
-        <p:txBody>
-          <a:bodyPr vert="horz" wrap="square" lIns="91440" tIns="45720" rIns="91440" bIns="45720" numCol="1" anchor="ctr" anchorCtr="0" compatLnSpc="1">
-            <a:prstTxWarp prst="textNoShape">
-              <a:avLst/>
-            </a:prstTxWarp>
-            <a:spAutoFit/>
-          </a:bodyPr>
-          <a:lstStyle>
-            <a:lvl1pPr eaLnBrk="0" fontAlgn="base" hangingPunct="0">
-              <a:spcBef>
-                <a:spcPct val="0"/>
-              </a:spcBef>
-              <a:spcAft>
-                <a:spcPct val="0"/>
-              </a:spcAft>
-              <a:defRPr>
-                <a:solidFill>
-                  <a:schemeClr val="tx1"/>
-                </a:solidFill>
-                <a:latin typeface="Arial" panose="020B0604020202020204" pitchFamily="34" charset="0"/>
-              </a:defRPr>
-            </a:lvl1pPr>
-            <a:lvl2pPr eaLnBrk="0" fontAlgn="base" hangingPunct="0">
-              <a:spcBef>
-                <a:spcPct val="0"/>
-              </a:spcBef>
-              <a:spcAft>
-                <a:spcPct val="0"/>
-              </a:spcAft>
-              <a:defRPr>
-                <a:solidFill>
-                  <a:schemeClr val="tx1"/>
-                </a:solidFill>
-                <a:latin typeface="Arial" panose="020B0604020202020204" pitchFamily="34" charset="0"/>
-              </a:defRPr>
-            </a:lvl2pPr>
-            <a:lvl3pPr eaLnBrk="0" fontAlgn="base" hangingPunct="0">
-              <a:spcBef>
-                <a:spcPct val="0"/>
-              </a:spcBef>
-              <a:spcAft>
-                <a:spcPct val="0"/>
-              </a:spcAft>
-              <a:defRPr>
-                <a:solidFill>
-                  <a:schemeClr val="tx1"/>
-                </a:solidFill>
-                <a:latin typeface="Arial" panose="020B0604020202020204" pitchFamily="34" charset="0"/>
-              </a:defRPr>
-            </a:lvl3pPr>
-            <a:lvl4pPr eaLnBrk="0" fontAlgn="base" hangingPunct="0">
-              <a:spcBef>
-                <a:spcPct val="0"/>
-              </a:spcBef>
-              <a:spcAft>
-                <a:spcPct val="0"/>
-              </a:spcAft>
-              <a:defRPr>
-                <a:solidFill>
-                  <a:schemeClr val="tx1"/>
-                </a:solidFill>
-                <a:latin typeface="Arial" panose="020B0604020202020204" pitchFamily="34" charset="0"/>
-              </a:defRPr>
-            </a:lvl4pPr>
-            <a:lvl5pPr eaLnBrk="0" fontAlgn="base" hangingPunct="0">
-              <a:spcBef>
-                <a:spcPct val="0"/>
-              </a:spcBef>
-              <a:spcAft>
-                <a:spcPct val="0"/>
-              </a:spcAft>
-              <a:defRPr>
-                <a:solidFill>
-                  <a:schemeClr val="tx1"/>
-                </a:solidFill>
-                <a:latin typeface="Arial" panose="020B0604020202020204" pitchFamily="34" charset="0"/>
-              </a:defRPr>
-            </a:lvl5pPr>
-            <a:lvl6pPr eaLnBrk="0" fontAlgn="base" hangingPunct="0">
-              <a:spcBef>
-                <a:spcPct val="0"/>
-              </a:spcBef>
-              <a:spcAft>
-                <a:spcPct val="0"/>
-              </a:spcAft>
-              <a:defRPr>
-                <a:solidFill>
-                  <a:schemeClr val="tx1"/>
-                </a:solidFill>
-                <a:latin typeface="Arial" panose="020B0604020202020204" pitchFamily="34" charset="0"/>
-              </a:defRPr>
-            </a:lvl6pPr>
-            <a:lvl7pPr eaLnBrk="0" fontAlgn="base" hangingPunct="0">
-              <a:spcBef>
-                <a:spcPct val="0"/>
-              </a:spcBef>
-              <a:spcAft>
-                <a:spcPct val="0"/>
-              </a:spcAft>
-              <a:defRPr>
-                <a:solidFill>
-                  <a:schemeClr val="tx1"/>
-                </a:solidFill>
-                <a:latin typeface="Arial" panose="020B0604020202020204" pitchFamily="34" charset="0"/>
-              </a:defRPr>
-            </a:lvl7pPr>
-            <a:lvl8pPr eaLnBrk="0" fontAlgn="base" hangingPunct="0">
-              <a:spcBef>
-                <a:spcPct val="0"/>
-              </a:spcBef>
-              <a:spcAft>
-                <a:spcPct val="0"/>
-              </a:spcAft>
-              <a:defRPr>
-                <a:solidFill>
-                  <a:schemeClr val="tx1"/>
-                </a:solidFill>
-                <a:latin typeface="Arial" panose="020B0604020202020204" pitchFamily="34" charset="0"/>
-              </a:defRPr>
-            </a:lvl8pPr>
-            <a:lvl9pPr eaLnBrk="0" fontAlgn="base" hangingPunct="0">
-              <a:spcBef>
-                <a:spcPct val="0"/>
-              </a:spcBef>
-              <a:spcAft>
-                <a:spcPct val="0"/>
-              </a:spcAft>
-              <a:defRPr>
-                <a:solidFill>
-                  <a:schemeClr val="tx1"/>
-                </a:solidFill>
-                <a:latin typeface="Arial" panose="020B0604020202020204" pitchFamily="34" charset="0"/>
-              </a:defRPr>
-            </a:lvl9pPr>
-          </a:lstStyle>
-          <a:p>
-            <a:pPr marR="0" indent="0" eaLnBrk="1" hangingPunct="1">
-              <a:lnSpc>
-                <a:spcPct val="100000"/>
-              </a:lnSpc>
-              <a:buClrTx/>
-              <a:buSzTx/>
-              <a:buFontTx/>
-              <a:buNone/>
-              <a:tabLst/>
-            </a:pPr>
-            <a:r>
-              <a:rPr lang="zh-CN" altLang="zh-CN" sz="2400" b="1" dirty="0">
-                <a:latin typeface="+mn-ea"/>
-              </a:rPr>
-              <a:t>基本内置类型=算数类型+空类型</a:t>
-            </a:r>
-            <a:endParaRPr lang="en-US" altLang="zh-CN" sz="2400" b="1" dirty="0">
-              <a:latin typeface="+mn-ea"/>
-            </a:endParaRPr>
-          </a:p>
-          <a:p>
-            <a:pPr marR="0" indent="0" eaLnBrk="1" hangingPunct="1">
-              <a:lnSpc>
-                <a:spcPct val="100000"/>
-              </a:lnSpc>
-              <a:buClrTx/>
-              <a:buSzTx/>
-              <a:buFontTx/>
-              <a:buNone/>
-              <a:tabLst/>
-            </a:pPr>
-            <a:endParaRPr lang="zh-CN" altLang="zh-CN" sz="2400" b="1" dirty="0">
-              <a:latin typeface="+mn-ea"/>
-            </a:endParaRPr>
-          </a:p>
-          <a:p>
-            <a:pPr marR="0" indent="0" eaLnBrk="1" hangingPunct="1">
-              <a:lnSpc>
-                <a:spcPct val="100000"/>
-              </a:lnSpc>
-              <a:buClrTx/>
-              <a:buSzTx/>
-              <a:buFontTx/>
-              <a:buNone/>
-              <a:tabLst/>
-            </a:pPr>
-            <a:r>
-              <a:rPr lang="zh-CN" altLang="zh-CN" sz="2400" b="1" dirty="0">
-                <a:latin typeface="+mn-ea"/>
-              </a:rPr>
-              <a:t>算术类型=字符类型+整数型+布尔值+浮点数</a:t>
-            </a:r>
-          </a:p>
-        </p:txBody>
-      </p:sp>
-      <p:sp>
-        <p:nvSpPr>
-          <p:cNvPr id="5" name="矩形 4">
-            <a:extLst>
-              <a:ext uri="{FF2B5EF4-FFF2-40B4-BE49-F238E27FC236}">
-                <a16:creationId xmlns:a16="http://schemas.microsoft.com/office/drawing/2014/main" id="{CCA14CC4-DCDF-4B98-885D-AE39794D0326}"/>
+          <p:cNvPr id="9" name="矩形 8">
+            <a:extLst>
+              <a:ext uri="{FF2B5EF4-FFF2-40B4-BE49-F238E27FC236}">
+                <a16:creationId xmlns:a16="http://schemas.microsoft.com/office/drawing/2014/main" id="{905E8B6D-950F-4396-9DBF-B652B1E45801}"/>
               </a:ext>
             </a:extLst>
           </p:cNvPr>
@@ -8138,7 +8729,7 @@
         <p:spPr>
           <a:xfrm>
             <a:off x="288268" y="288399"/>
-            <a:ext cx="2492990" cy="584775"/>
+            <a:ext cx="4810932" cy="584775"/>
           </a:xfrm>
           <a:prstGeom prst="rect">
             <a:avLst/>
@@ -8159,148 +8750,21 @@
               </a:spcAft>
             </a:pPr>
             <a:r>
-              <a:rPr lang="en-US" altLang="zh-CN" sz="3200" b="1" dirty="0">
+              <a:rPr lang="zh-CN" altLang="en-US" sz="3200" b="1" dirty="0">
                 <a:latin typeface="+mn-ea"/>
               </a:rPr>
-              <a:t>2.1 </a:t>
-            </a:r>
-            <a:r>
-              <a:rPr lang="zh-CN" altLang="zh-CN" sz="3200" b="1" dirty="0">
-                <a:latin typeface="+mn-ea"/>
-              </a:rPr>
-              <a:t>基本类型</a:t>
-            </a:r>
-          </a:p>
-        </p:txBody>
-      </p:sp>
-      <p:sp>
-        <p:nvSpPr>
-          <p:cNvPr id="11" name="矩形 10">
-            <a:extLst>
-              <a:ext uri="{FF2B5EF4-FFF2-40B4-BE49-F238E27FC236}">
-                <a16:creationId xmlns:a16="http://schemas.microsoft.com/office/drawing/2014/main" id="{062F1B84-2816-41AC-94CF-C1DDDF5BE2A5}"/>
-              </a:ext>
-            </a:extLst>
-          </p:cNvPr>
-          <p:cNvSpPr/>
-          <p:nvPr/>
-        </p:nvSpPr>
-        <p:spPr>
-          <a:xfrm>
-            <a:off x="7667625" y="3245613"/>
-            <a:ext cx="3219450" cy="2031325"/>
-          </a:xfrm>
-          <a:prstGeom prst="rect">
-            <a:avLst/>
-          </a:prstGeom>
-        </p:spPr>
-        <p:txBody>
-          <a:bodyPr wrap="square">
-            <a:spAutoFit/>
-          </a:bodyPr>
-          <a:lstStyle/>
-          <a:p>
-            <a:r>
-              <a:rPr lang="zh-CN" altLang="en-US" b="1" dirty="0"/>
-              <a:t>char ：1个字节</a:t>
-            </a:r>
-          </a:p>
-          <a:p>
-            <a:r>
-              <a:rPr lang="zh-CN" altLang="en-US" b="1" dirty="0"/>
-              <a:t>wchar_t：2个字节</a:t>
-            </a:r>
-            <a:endParaRPr lang="en-US" altLang="zh-CN" b="1" dirty="0"/>
-          </a:p>
-          <a:p>
-            <a:r>
-              <a:rPr lang="en-US" altLang="zh-CN" b="1" dirty="0"/>
-              <a:t>void</a:t>
-            </a:r>
-            <a:r>
-              <a:rPr lang="zh-CN" altLang="en-US" b="1" dirty="0"/>
-              <a:t>*(指针变量): 8个字节</a:t>
-            </a:r>
-          </a:p>
-          <a:p>
-            <a:r>
-              <a:rPr lang="zh-CN" altLang="en-US" b="1" dirty="0"/>
-              <a:t>int： 4个字节</a:t>
-            </a:r>
-          </a:p>
-          <a:p>
-            <a:r>
-              <a:rPr lang="zh-CN" altLang="en-US" b="1" dirty="0"/>
-              <a:t>unsigned int : 4个字节</a:t>
-            </a:r>
-          </a:p>
-          <a:p>
-            <a:r>
-              <a:rPr lang="zh-CN" altLang="en-US" b="1" dirty="0"/>
-              <a:t>float: 4个字节</a:t>
-            </a:r>
-          </a:p>
-          <a:p>
-            <a:r>
-              <a:rPr lang="zh-CN" altLang="en-US" b="1" dirty="0"/>
-              <a:t>double:  8个字节</a:t>
-            </a:r>
-          </a:p>
-        </p:txBody>
-      </p:sp>
-      <p:sp>
-        <p:nvSpPr>
-          <p:cNvPr id="12" name="文本框 11">
-            <a:extLst>
-              <a:ext uri="{FF2B5EF4-FFF2-40B4-BE49-F238E27FC236}">
-                <a16:creationId xmlns:a16="http://schemas.microsoft.com/office/drawing/2014/main" id="{AB60CE66-EF70-49BE-A02F-102AB6C27324}"/>
-              </a:ext>
-            </a:extLst>
-          </p:cNvPr>
-          <p:cNvSpPr txBox="1"/>
-          <p:nvPr/>
-        </p:nvSpPr>
-        <p:spPr>
-          <a:xfrm>
-            <a:off x="803925" y="3647895"/>
-            <a:ext cx="5130149" cy="1015663"/>
-          </a:xfrm>
-          <a:prstGeom prst="rect">
-            <a:avLst/>
-          </a:prstGeom>
-          <a:noFill/>
-        </p:spPr>
-        <p:txBody>
-          <a:bodyPr wrap="square" rtlCol="0">
-            <a:spAutoFit/>
-          </a:bodyPr>
-          <a:lstStyle/>
-          <a:p>
-            <a:r>
-              <a:rPr lang="zh-CN" altLang="en-US" sz="6000" b="1" dirty="0">
-                <a:latin typeface="+mn-ea"/>
-              </a:rPr>
-              <a:t>在</a:t>
-            </a:r>
-            <a:r>
-              <a:rPr lang="en-US" altLang="zh-CN" sz="6000" b="1" dirty="0">
-                <a:latin typeface="+mn-ea"/>
-              </a:rPr>
-              <a:t>64</a:t>
-            </a:r>
-            <a:r>
-              <a:rPr lang="zh-CN" altLang="en-US" sz="6000" b="1" dirty="0">
-                <a:latin typeface="+mn-ea"/>
-              </a:rPr>
-              <a:t>位机器上</a:t>
-            </a:r>
+              <a:t>第三章 字符串向量和数组</a:t>
+            </a:r>
+            <a:endParaRPr lang="zh-CN" altLang="zh-CN" sz="3200" b="1" dirty="0">
+              <a:latin typeface="+mn-ea"/>
+            </a:endParaRPr>
           </a:p>
         </p:txBody>
       </p:sp>
     </p:spTree>
     <p:extLst>
       <p:ext uri="{BB962C8B-B14F-4D97-AF65-F5344CB8AC3E}">
-        <p14:creationId xmlns:p14="http://schemas.microsoft.com/office/powerpoint/2010/main" val="1367368557"/>
+        <p14:creationId xmlns:p14="http://schemas.microsoft.com/office/powerpoint/2010/main" val="2279972843"/>
       </p:ext>
     </p:extLst>
   </p:cSld>
@@ -8329,10 +8793,10 @@
       </p:grpSpPr>
       <p:sp>
         <p:nvSpPr>
-          <p:cNvPr id="6" name="文本框 5">
-            <a:extLst>
-              <a:ext uri="{FF2B5EF4-FFF2-40B4-BE49-F238E27FC236}">
-                <a16:creationId xmlns:a16="http://schemas.microsoft.com/office/drawing/2014/main" id="{A8746E2C-B96B-4186-B0EC-BE8E9F365025}"/>
+          <p:cNvPr id="8" name="文本框 7">
+            <a:extLst>
+              <a:ext uri="{FF2B5EF4-FFF2-40B4-BE49-F238E27FC236}">
+                <a16:creationId xmlns:a16="http://schemas.microsoft.com/office/drawing/2014/main" id="{173B5B89-5235-4C07-99A2-AC5672E77337}"/>
               </a:ext>
             </a:extLst>
           </p:cNvPr>
@@ -8341,8 +8805,8 @@
         </p:nvSpPr>
         <p:spPr>
           <a:xfrm>
-            <a:off x="518176" y="466545"/>
-            <a:ext cx="5130149" cy="1015663"/>
+            <a:off x="518175" y="466545"/>
+            <a:ext cx="11169000" cy="1200329"/>
           </a:xfrm>
           <a:prstGeom prst="rect">
             <a:avLst/>
@@ -8356,23 +8820,65 @@
           <a:lstStyle/>
           <a:p>
             <a:r>
-              <a:rPr lang="zh-CN" altLang="en-US" sz="6000" b="1" dirty="0">
-                <a:highlight>
-                  <a:srgbClr val="C0C0C0"/>
-                </a:highlight>
+              <a:rPr lang="en-US" altLang="zh-CN" sz="7200" b="1" dirty="0">
                 <a:latin typeface="+mn-ea"/>
               </a:rPr>
-              <a:t>类型转换</a:t>
-            </a:r>
-          </a:p>
-        </p:txBody>
-      </p:sp>
-      <p:sp>
-        <p:nvSpPr>
-          <p:cNvPr id="48" name="文本框 47">
-            <a:extLst>
-              <a:ext uri="{FF2B5EF4-FFF2-40B4-BE49-F238E27FC236}">
-                <a16:creationId xmlns:a16="http://schemas.microsoft.com/office/drawing/2014/main" id="{D7BA841E-2C3E-4048-89EC-59FC62187BA3}"/>
+              <a:t>exercise3.1: std::</a:t>
+            </a:r>
+            <a:r>
+              <a:rPr lang="en-US" altLang="zh-CN" sz="7200" b="1" dirty="0" err="1">
+                <a:latin typeface="+mn-ea"/>
+              </a:rPr>
+              <a:t>cin</a:t>
+            </a:r>
+            <a:endParaRPr lang="zh-CN" altLang="en-US" sz="7200" b="1" dirty="0">
+              <a:latin typeface="+mn-ea"/>
+            </a:endParaRPr>
+          </a:p>
+        </p:txBody>
+      </p:sp>
+      <p:pic>
+        <p:nvPicPr>
+          <p:cNvPr id="2" name="图片 1">
+            <a:extLst>
+              <a:ext uri="{FF2B5EF4-FFF2-40B4-BE49-F238E27FC236}">
+                <a16:creationId xmlns:a16="http://schemas.microsoft.com/office/drawing/2014/main" id="{CFA805A8-C94C-4542-B01C-8F47DC851D38}"/>
+              </a:ext>
+            </a:extLst>
+          </p:cNvPr>
+          <p:cNvPicPr>
+            <a:picLocks noChangeAspect="1"/>
+          </p:cNvPicPr>
+          <p:nvPr/>
+        </p:nvPicPr>
+        <p:blipFill>
+          <a:blip r:embed="rId3">
+            <a:extLst>
+              <a:ext uri="{28A0092B-C50C-407E-A947-70E740481C1C}">
+                <a14:useLocalDpi xmlns:a14="http://schemas.microsoft.com/office/drawing/2010/main" val="0"/>
+              </a:ext>
+            </a:extLst>
+          </a:blip>
+          <a:stretch>
+            <a:fillRect/>
+          </a:stretch>
+        </p:blipFill>
+        <p:spPr>
+          <a:xfrm>
+            <a:off x="518175" y="2600326"/>
+            <a:ext cx="3207315" cy="2094143"/>
+          </a:xfrm>
+          <a:prstGeom prst="rect">
+            <a:avLst/>
+          </a:prstGeom>
+        </p:spPr>
+      </p:pic>
+      <p:sp>
+        <p:nvSpPr>
+          <p:cNvPr id="6" name="文本框 5">
+            <a:extLst>
+              <a:ext uri="{FF2B5EF4-FFF2-40B4-BE49-F238E27FC236}">
+                <a16:creationId xmlns:a16="http://schemas.microsoft.com/office/drawing/2014/main" id="{2D4F4C79-08EF-5BD3-BF52-34ECCD733770}"/>
               </a:ext>
             </a:extLst>
           </p:cNvPr>
@@ -8381,8 +8887,8 @@
         </p:nvSpPr>
         <p:spPr>
           <a:xfrm>
-            <a:off x="3618563" y="2207954"/>
-            <a:ext cx="3739499" cy="1015663"/>
+            <a:off x="4175522" y="2255829"/>
+            <a:ext cx="7511653" cy="1494576"/>
           </a:xfrm>
           <a:prstGeom prst="rect">
             <a:avLst/>
@@ -8390,64 +8896,31 @@
           <a:noFill/>
         </p:spPr>
         <p:txBody>
-          <a:bodyPr wrap="square" rtlCol="0">
+          <a:bodyPr wrap="square">
             <a:spAutoFit/>
           </a:bodyPr>
           <a:lstStyle/>
           <a:p>
-            <a:r>
-              <a:rPr lang="zh-CN" altLang="en-US" sz="6000" b="1" dirty="0">
-                <a:latin typeface="+mn-ea"/>
-              </a:rPr>
-              <a:t>向上转型</a:t>
-            </a:r>
-          </a:p>
-        </p:txBody>
-      </p:sp>
-      <p:sp>
-        <p:nvSpPr>
-          <p:cNvPr id="4" name="文本框 3">
-            <a:extLst>
-              <a:ext uri="{FF2B5EF4-FFF2-40B4-BE49-F238E27FC236}">
-                <a16:creationId xmlns:a16="http://schemas.microsoft.com/office/drawing/2014/main" id="{19E09A80-AF93-4F4C-844F-9A1A143FB3E3}"/>
-              </a:ext>
-            </a:extLst>
-          </p:cNvPr>
-          <p:cNvSpPr txBox="1"/>
-          <p:nvPr/>
-        </p:nvSpPr>
-        <p:spPr>
-          <a:xfrm>
-            <a:off x="994426" y="4101763"/>
-            <a:ext cx="10511774" cy="830997"/>
-          </a:xfrm>
-          <a:prstGeom prst="rect">
-            <a:avLst/>
-          </a:prstGeom>
-          <a:noFill/>
-        </p:spPr>
-        <p:txBody>
-          <a:bodyPr wrap="square" rtlCol="0">
-            <a:spAutoFit/>
-          </a:bodyPr>
-          <a:lstStyle/>
-          <a:p>
-            <a:r>
-              <a:rPr lang="en-US" altLang="zh-CN" sz="4800" b="1" dirty="0">
-                <a:latin typeface="+mn-ea"/>
-              </a:rPr>
-              <a:t>bool-&gt;int-&gt;long-&gt;float-&gt;double</a:t>
-            </a:r>
-            <a:endParaRPr lang="zh-CN" altLang="en-US" sz="4800" b="1" dirty="0">
-              <a:latin typeface="+mn-ea"/>
-            </a:endParaRPr>
+            <a:pPr>
+              <a:lnSpc>
+                <a:spcPct val="150000"/>
+              </a:lnSpc>
+            </a:pPr>
+            <a:r>
+              <a:rPr lang="zh-CN" altLang="en-US" sz="3200" b="0" i="0" dirty="0">
+                <a:effectLst/>
+                <a:latin typeface="-apple-system"/>
+              </a:rPr>
+              <a:t>编写一段程序从标准输入中一次读入一行，然后修改该程序使其一次读入一个词。</a:t>
+            </a:r>
+            <a:endParaRPr lang="zh-CN" altLang="en-US" sz="3200" dirty="0"/>
           </a:p>
         </p:txBody>
       </p:sp>
     </p:spTree>
     <p:extLst>
       <p:ext uri="{BB962C8B-B14F-4D97-AF65-F5344CB8AC3E}">
-        <p14:creationId xmlns:p14="http://schemas.microsoft.com/office/powerpoint/2010/main" val="1378984394"/>
+        <p14:creationId xmlns:p14="http://schemas.microsoft.com/office/powerpoint/2010/main" val="3993047744"/>
       </p:ext>
     </p:extLst>
   </p:cSld>
@@ -8476,10 +8949,10 @@
       </p:grpSpPr>
       <p:sp>
         <p:nvSpPr>
-          <p:cNvPr id="6" name="文本框 5">
-            <a:extLst>
-              <a:ext uri="{FF2B5EF4-FFF2-40B4-BE49-F238E27FC236}">
-                <a16:creationId xmlns:a16="http://schemas.microsoft.com/office/drawing/2014/main" id="{A8746E2C-B96B-4186-B0EC-BE8E9F365025}"/>
+          <p:cNvPr id="8" name="文本框 7">
+            <a:extLst>
+              <a:ext uri="{FF2B5EF4-FFF2-40B4-BE49-F238E27FC236}">
+                <a16:creationId xmlns:a16="http://schemas.microsoft.com/office/drawing/2014/main" id="{173B5B89-5235-4C07-99A2-AC5672E77337}"/>
               </a:ext>
             </a:extLst>
           </p:cNvPr>
@@ -8488,8 +8961,8 @@
         </p:nvSpPr>
         <p:spPr>
           <a:xfrm>
-            <a:off x="518176" y="466545"/>
-            <a:ext cx="5130149" cy="1015663"/>
+            <a:off x="518175" y="466545"/>
+            <a:ext cx="11169000" cy="1200329"/>
           </a:xfrm>
           <a:prstGeom prst="rect">
             <a:avLst/>
@@ -8503,613 +8976,212 @@
           <a:lstStyle/>
           <a:p>
             <a:r>
-              <a:rPr lang="zh-CN" altLang="en-US" sz="6000" b="1" dirty="0">
-                <a:highlight>
-                  <a:srgbClr val="C0C0C0"/>
-                </a:highlight>
+              <a:rPr lang="en-US" altLang="zh-CN" sz="7200" b="1" dirty="0">
                 <a:latin typeface="+mn-ea"/>
               </a:rPr>
-              <a:t>字面值常量</a:t>
-            </a:r>
-          </a:p>
-        </p:txBody>
-      </p:sp>
-      <p:sp>
-        <p:nvSpPr>
-          <p:cNvPr id="3" name="Rectangle 2">
-            <a:extLst>
-              <a:ext uri="{FF2B5EF4-FFF2-40B4-BE49-F238E27FC236}">
-                <a16:creationId xmlns:a16="http://schemas.microsoft.com/office/drawing/2014/main" id="{237D703A-A18F-4474-ACDF-623FBE3F0982}"/>
-              </a:ext>
-            </a:extLst>
-          </p:cNvPr>
-          <p:cNvSpPr>
-            <a:spLocks noChangeArrowheads="1"/>
-          </p:cNvSpPr>
+              <a:t>exercise3.1: std::vector</a:t>
+            </a:r>
+            <a:endParaRPr lang="zh-CN" altLang="en-US" sz="7200" b="1" dirty="0">
+              <a:latin typeface="+mn-ea"/>
+            </a:endParaRPr>
+          </a:p>
+        </p:txBody>
+      </p:sp>
+      <p:pic>
+        <p:nvPicPr>
+          <p:cNvPr id="2" name="图片 1">
+            <a:extLst>
+              <a:ext uri="{FF2B5EF4-FFF2-40B4-BE49-F238E27FC236}">
+                <a16:creationId xmlns:a16="http://schemas.microsoft.com/office/drawing/2014/main" id="{CFA805A8-C94C-4542-B01C-8F47DC851D38}"/>
+              </a:ext>
+            </a:extLst>
+          </p:cNvPr>
+          <p:cNvPicPr>
+            <a:picLocks noChangeAspect="1"/>
+          </p:cNvPicPr>
           <p:nvPr/>
-        </p:nvSpPr>
-        <p:spPr bwMode="auto">
-          <a:xfrm>
-            <a:off x="828675" y="2895942"/>
-            <a:ext cx="1562100" cy="323165"/>
-          </a:xfrm>
-          <a:prstGeom prst="rect">
-            <a:avLst/>
-          </a:prstGeom>
-          <a:solidFill>
-            <a:srgbClr val="363B40"/>
-          </a:solidFill>
-          <a:ln>
-            <a:noFill/>
-          </a:ln>
-          <a:effectLst/>
-          <a:extLst>
-            <a:ext uri="{91240B29-F687-4F45-9708-019B960494DF}">
-              <a14:hiddenLine xmlns:a14="http://schemas.microsoft.com/office/drawing/2010/main" w="9525">
-                <a:solidFill>
-                  <a:schemeClr val="tx1"/>
-                </a:solidFill>
-                <a:miter lim="800000"/>
-                <a:headEnd/>
-                <a:tailEnd/>
-              </a14:hiddenLine>
-            </a:ext>
-            <a:ext uri="{AF507438-7753-43E0-B8FC-AC1667EBCBE1}">
-              <a14:hiddenEffects xmlns:a14="http://schemas.microsoft.com/office/drawing/2010/main">
-                <a:effectLst>
-                  <a:outerShdw dist="35921" dir="2700000" algn="ctr" rotWithShape="0">
-                    <a:schemeClr val="bg2"/>
-                  </a:outerShdw>
-                </a:effectLst>
-              </a14:hiddenEffects>
-            </a:ext>
-          </a:extLst>
-        </p:spPr>
-        <p:txBody>
-          <a:bodyPr vert="horz" wrap="square" lIns="91440" tIns="45720" rIns="91440" bIns="45720" numCol="1" anchor="ctr" anchorCtr="0" compatLnSpc="1">
-            <a:prstTxWarp prst="textNoShape">
-              <a:avLst/>
-            </a:prstTxWarp>
-            <a:spAutoFit/>
-          </a:bodyPr>
-          <a:lstStyle/>
-          <a:p>
-            <a:pPr marL="0" marR="0" lvl="0" indent="0" algn="l" defTabSz="914400" rtl="0" eaLnBrk="0" fontAlgn="base" latinLnBrk="0" hangingPunct="0">
-              <a:lnSpc>
-                <a:spcPct val="100000"/>
-              </a:lnSpc>
-              <a:spcBef>
-                <a:spcPct val="0"/>
-              </a:spcBef>
-              <a:spcAft>
-                <a:spcPct val="0"/>
-              </a:spcAft>
-              <a:buClrTx/>
-              <a:buSzTx/>
-              <a:buFontTx/>
-              <a:buNone/>
-              <a:tabLst/>
-            </a:pPr>
-            <a:r>
-              <a:rPr kumimoji="0" lang="zh-CN" altLang="zh-CN" sz="1500" b="1" i="0" u="none" strike="noStrike" cap="none" normalizeH="0" baseline="0">
-                <a:ln>
-                  <a:noFill/>
-                </a:ln>
-                <a:solidFill>
-                  <a:srgbClr val="DEDEDE"/>
-                </a:solidFill>
-                <a:effectLst/>
-                <a:latin typeface="Arial" panose="020B0604020202020204" pitchFamily="34" charset="0"/>
-                <a:ea typeface="Helvetica Neue"/>
-              </a:rPr>
-              <a:t>浮点型字面值</a:t>
-            </a:r>
-            <a:r>
-              <a:rPr kumimoji="0" lang="zh-CN" altLang="zh-CN" sz="700" b="0" i="0" u="none" strike="noStrike" cap="none" normalizeH="0" baseline="0">
-                <a:ln>
-                  <a:noFill/>
-                </a:ln>
-                <a:solidFill>
-                  <a:schemeClr val="tx1"/>
-                </a:solidFill>
-                <a:effectLst/>
-                <a:latin typeface="Arial" panose="020B0604020202020204" pitchFamily="34" charset="0"/>
-              </a:rPr>
-              <a:t> </a:t>
-            </a:r>
-            <a:endParaRPr kumimoji="0" lang="zh-CN" altLang="zh-CN" sz="1800" b="0" i="0" u="none" strike="noStrike" cap="none" normalizeH="0" baseline="0">
-              <a:ln>
-                <a:noFill/>
-              </a:ln>
-              <a:solidFill>
-                <a:schemeClr val="tx1"/>
-              </a:solidFill>
-              <a:effectLst/>
-              <a:latin typeface="Arial" panose="020B0604020202020204" pitchFamily="34" charset="0"/>
-            </a:endParaRPr>
-          </a:p>
-        </p:txBody>
-      </p:sp>
-      <p:sp>
-        <p:nvSpPr>
-          <p:cNvPr id="5" name="矩形 4">
-            <a:extLst>
-              <a:ext uri="{FF2B5EF4-FFF2-40B4-BE49-F238E27FC236}">
-                <a16:creationId xmlns:a16="http://schemas.microsoft.com/office/drawing/2014/main" id="{860D3C96-BD25-4972-8FEE-AFA3EE2E93EA}"/>
-              </a:ext>
-            </a:extLst>
-          </p:cNvPr>
-          <p:cNvSpPr/>
-          <p:nvPr/>
-        </p:nvSpPr>
+        </p:nvPicPr>
+        <p:blipFill>
+          <a:blip r:embed="rId3">
+            <a:extLst>
+              <a:ext uri="{28A0092B-C50C-407E-A947-70E740481C1C}">
+                <a14:useLocalDpi xmlns:a14="http://schemas.microsoft.com/office/drawing/2010/main" val="0"/>
+              </a:ext>
+            </a:extLst>
+          </a:blip>
+          <a:stretch>
+            <a:fillRect/>
+          </a:stretch>
+        </p:blipFill>
         <p:spPr>
           <a:xfrm>
-            <a:off x="828675" y="3329077"/>
-            <a:ext cx="3339465" cy="1754326"/>
+            <a:off x="518175" y="2600326"/>
+            <a:ext cx="3207315" cy="2094143"/>
           </a:xfrm>
           <a:prstGeom prst="rect">
             <a:avLst/>
           </a:prstGeom>
         </p:spPr>
-        <p:txBody>
-          <a:bodyPr wrap="square">
-            <a:spAutoFit/>
-          </a:bodyPr>
-          <a:lstStyle/>
-          <a:p>
-            <a:r>
-              <a:rPr lang="zh-CN" altLang="en-US" dirty="0"/>
-              <a:t>3.14159</a:t>
-            </a:r>
-          </a:p>
-          <a:p>
-            <a:r>
-              <a:rPr lang="zh-CN" altLang="en-US" dirty="0"/>
-              <a:t>3.14159E0</a:t>
-            </a:r>
-          </a:p>
-          <a:p>
-            <a:r>
-              <a:rPr lang="zh-CN" altLang="en-US" dirty="0"/>
-              <a:t>0.</a:t>
-            </a:r>
-          </a:p>
-          <a:p>
-            <a:r>
-              <a:rPr lang="zh-CN" altLang="en-US" dirty="0"/>
-              <a:t>0e0</a:t>
-            </a:r>
-          </a:p>
-          <a:p>
-            <a:r>
-              <a:rPr lang="zh-CN" altLang="en-US" dirty="0"/>
-              <a:t>.001</a:t>
-            </a:r>
-          </a:p>
-          <a:p>
-            <a:r>
-              <a:rPr lang="zh-CN" altLang="en-US" dirty="0"/>
-              <a:t>//默认为double类型</a:t>
-            </a:r>
-          </a:p>
-        </p:txBody>
-      </p:sp>
-      <p:sp>
-        <p:nvSpPr>
-          <p:cNvPr id="8" name="Rectangle 2">
-            <a:extLst>
-              <a:ext uri="{FF2B5EF4-FFF2-40B4-BE49-F238E27FC236}">
-                <a16:creationId xmlns:a16="http://schemas.microsoft.com/office/drawing/2014/main" id="{E0CFF027-9906-4CC8-B9DE-3FF10090C3FA}"/>
-              </a:ext>
-            </a:extLst>
-          </p:cNvPr>
-          <p:cNvSpPr>
-            <a:spLocks noChangeArrowheads="1"/>
-          </p:cNvSpPr>
+      </p:pic>
+      <p:sp>
+        <p:nvSpPr>
+          <p:cNvPr id="6" name="文本框 5">
+            <a:extLst>
+              <a:ext uri="{FF2B5EF4-FFF2-40B4-BE49-F238E27FC236}">
+                <a16:creationId xmlns:a16="http://schemas.microsoft.com/office/drawing/2014/main" id="{2D4F4C79-08EF-5BD3-BF52-34ECCD733770}"/>
+              </a:ext>
+            </a:extLst>
+          </p:cNvPr>
+          <p:cNvSpPr txBox="1"/>
           <p:nvPr/>
         </p:nvSpPr>
-        <p:spPr bwMode="auto">
+        <p:spPr>
           <a:xfrm>
-            <a:off x="3180397" y="2885055"/>
-            <a:ext cx="1975485" cy="323165"/>
+            <a:off x="4162172" y="1943048"/>
+            <a:ext cx="7511653" cy="3914020"/>
           </a:xfrm>
           <a:prstGeom prst="rect">
             <a:avLst/>
           </a:prstGeom>
-          <a:solidFill>
-            <a:srgbClr val="363B40"/>
-          </a:solidFill>
-          <a:ln>
-            <a:noFill/>
-          </a:ln>
-          <a:effectLst/>
-          <a:extLst>
-            <a:ext uri="{91240B29-F687-4F45-9708-019B960494DF}">
-              <a14:hiddenLine xmlns:a14="http://schemas.microsoft.com/office/drawing/2010/main" w="9525">
-                <a:solidFill>
-                  <a:schemeClr val="tx1"/>
-                </a:solidFill>
-                <a:miter lim="800000"/>
-                <a:headEnd/>
-                <a:tailEnd/>
-              </a14:hiddenLine>
-            </a:ext>
-            <a:ext uri="{AF507438-7753-43E0-B8FC-AC1667EBCBE1}">
-              <a14:hiddenEffects xmlns:a14="http://schemas.microsoft.com/office/drawing/2010/main">
-                <a:effectLst>
-                  <a:outerShdw dist="35921" dir="2700000" algn="ctr" rotWithShape="0">
-                    <a:schemeClr val="bg2"/>
-                  </a:outerShdw>
-                </a:effectLst>
-              </a14:hiddenEffects>
-            </a:ext>
-          </a:extLst>
+          <a:noFill/>
         </p:spPr>
         <p:txBody>
-          <a:bodyPr vert="horz" wrap="square" lIns="91440" tIns="45720" rIns="91440" bIns="45720" numCol="1" anchor="ctr" anchorCtr="0" compatLnSpc="1">
-            <a:prstTxWarp prst="textNoShape">
-              <a:avLst/>
-            </a:prstTxWarp>
+          <a:bodyPr wrap="square">
             <a:spAutoFit/>
           </a:bodyPr>
           <a:lstStyle/>
           <a:p>
-            <a:pPr lvl="0" eaLnBrk="0" fontAlgn="base" hangingPunct="0">
-              <a:spcBef>
-                <a:spcPct val="0"/>
-              </a:spcBef>
-              <a:spcAft>
-                <a:spcPct val="0"/>
-              </a:spcAft>
+            <a:pPr>
+              <a:lnSpc>
+                <a:spcPct val="150000"/>
+              </a:lnSpc>
             </a:pPr>
             <a:r>
-              <a:rPr lang="zh-CN" altLang="en-US" sz="1500" b="1" dirty="0">
-                <a:solidFill>
-                  <a:srgbClr val="DEDEDE"/>
-                </a:solidFill>
-                <a:latin typeface="Arial" panose="020B0604020202020204" pitchFamily="34" charset="0"/>
-                <a:ea typeface="Helvetica Neue"/>
-              </a:rPr>
-              <a:t>字符和字符串字面值</a:t>
-            </a:r>
-            <a:endParaRPr kumimoji="0" lang="zh-CN" altLang="zh-CN" sz="1800" b="0" i="0" u="none" strike="noStrike" cap="none" normalizeH="0" baseline="0" dirty="0">
-              <a:ln>
-                <a:noFill/>
-              </a:ln>
-              <a:solidFill>
-                <a:schemeClr val="tx1"/>
-              </a:solidFill>
+              <a:rPr lang="zh-CN" altLang="en-US" sz="2400" b="0" i="0" dirty="0">
+                <a:effectLst/>
+                <a:latin typeface="+mn-ea"/>
+              </a:rPr>
+              <a:t>下列</a:t>
+            </a:r>
+            <a:r>
+              <a:rPr lang="en-US" altLang="zh-CN" sz="2400" b="0" i="0" dirty="0">
+                <a:effectLst/>
+                <a:latin typeface="+mn-ea"/>
+              </a:rPr>
+              <a:t>vector</a:t>
+            </a:r>
+            <a:r>
+              <a:rPr lang="zh-CN" altLang="en-US" sz="2400" b="0" i="0" dirty="0">
+                <a:effectLst/>
+                <a:latin typeface="+mn-ea"/>
+              </a:rPr>
+              <a:t>对象的定义有不正确的吗？如果有，请指出来。对于正确的，描述其执行结果；对于不正确的，说明其错误的原因</a:t>
+            </a:r>
+            <a:endParaRPr lang="en-US" altLang="zh-CN" sz="2400" b="0" i="0" dirty="0">
               <a:effectLst/>
-              <a:latin typeface="Arial" panose="020B0604020202020204" pitchFamily="34" charset="0"/>
+              <a:latin typeface="+mn-ea"/>
             </a:endParaRPr>
           </a:p>
-        </p:txBody>
-      </p:sp>
-      <p:sp>
-        <p:nvSpPr>
-          <p:cNvPr id="7" name="矩形 6">
-            <a:extLst>
-              <a:ext uri="{FF2B5EF4-FFF2-40B4-BE49-F238E27FC236}">
-                <a16:creationId xmlns:a16="http://schemas.microsoft.com/office/drawing/2014/main" id="{73B3BFEE-4029-47E9-982C-185A42780D5F}"/>
-              </a:ext>
-            </a:extLst>
-          </p:cNvPr>
-          <p:cNvSpPr/>
-          <p:nvPr/>
-        </p:nvSpPr>
-        <p:spPr>
-          <a:xfrm>
-            <a:off x="3180397" y="3332928"/>
-            <a:ext cx="2866490" cy="369332"/>
-          </a:xfrm>
-          <a:prstGeom prst="rect">
-            <a:avLst/>
-          </a:prstGeom>
-        </p:spPr>
-        <p:txBody>
-          <a:bodyPr wrap="none">
-            <a:spAutoFit/>
-          </a:bodyPr>
-          <a:lstStyle/>
-          <a:p>
-            <a:r>
-              <a:rPr lang="zh-CN" altLang="en-US" dirty="0"/>
-              <a:t>'a'  //字符字面值  char类型</a:t>
-            </a:r>
-          </a:p>
-        </p:txBody>
-      </p:sp>
-      <p:sp>
-        <p:nvSpPr>
-          <p:cNvPr id="9" name="矩形 8">
-            <a:extLst>
-              <a:ext uri="{FF2B5EF4-FFF2-40B4-BE49-F238E27FC236}">
-                <a16:creationId xmlns:a16="http://schemas.microsoft.com/office/drawing/2014/main" id="{D0DA86C9-0040-41D1-9480-FA32EAF930E7}"/>
-              </a:ext>
-            </a:extLst>
-          </p:cNvPr>
-          <p:cNvSpPr/>
-          <p:nvPr/>
-        </p:nvSpPr>
-        <p:spPr>
-          <a:xfrm>
-            <a:off x="3180397" y="3833390"/>
-            <a:ext cx="4296369" cy="369332"/>
-          </a:xfrm>
-          <a:prstGeom prst="rect">
-            <a:avLst/>
-          </a:prstGeom>
-        </p:spPr>
-        <p:txBody>
-          <a:bodyPr wrap="none">
-            <a:spAutoFit/>
-          </a:bodyPr>
-          <a:lstStyle/>
-          <a:p>
-            <a:r>
-              <a:rPr lang="zh-CN" altLang="en-US" dirty="0"/>
-              <a:t>"Hello World!"  //字符串字面值  char数组</a:t>
-            </a:r>
-          </a:p>
-        </p:txBody>
-      </p:sp>
-      <p:sp>
-        <p:nvSpPr>
-          <p:cNvPr id="13" name="矩形 12">
-            <a:extLst>
-              <a:ext uri="{FF2B5EF4-FFF2-40B4-BE49-F238E27FC236}">
-                <a16:creationId xmlns:a16="http://schemas.microsoft.com/office/drawing/2014/main" id="{BCB9D634-9BB7-4F6A-AFEA-4A8525E56846}"/>
-              </a:ext>
-            </a:extLst>
-          </p:cNvPr>
-          <p:cNvSpPr/>
-          <p:nvPr/>
-        </p:nvSpPr>
-        <p:spPr>
-          <a:xfrm>
-            <a:off x="7226015" y="3362876"/>
-            <a:ext cx="1091966" cy="369332"/>
-          </a:xfrm>
-          <a:prstGeom prst="rect">
-            <a:avLst/>
-          </a:prstGeom>
-        </p:spPr>
-        <p:txBody>
-          <a:bodyPr wrap="none">
-            <a:spAutoFit/>
-          </a:bodyPr>
-          <a:lstStyle/>
-          <a:p>
-            <a:r>
-              <a:rPr lang="en-US" altLang="zh-CN" dirty="0"/>
-              <a:t>true false</a:t>
-            </a:r>
-            <a:endParaRPr lang="zh-CN" altLang="en-US" dirty="0"/>
-          </a:p>
-        </p:txBody>
-      </p:sp>
-      <p:sp>
-        <p:nvSpPr>
-          <p:cNvPr id="14" name="Rectangle 2">
-            <a:extLst>
-              <a:ext uri="{FF2B5EF4-FFF2-40B4-BE49-F238E27FC236}">
-                <a16:creationId xmlns:a16="http://schemas.microsoft.com/office/drawing/2014/main" id="{0C54A5F0-66CD-4369-B67E-03F38AAADC35}"/>
-              </a:ext>
-            </a:extLst>
-          </p:cNvPr>
-          <p:cNvSpPr>
-            <a:spLocks noChangeArrowheads="1"/>
-          </p:cNvSpPr>
-          <p:nvPr/>
-        </p:nvSpPr>
-        <p:spPr bwMode="auto">
-          <a:xfrm>
-            <a:off x="7226015" y="2863027"/>
-            <a:ext cx="1975485" cy="323165"/>
-          </a:xfrm>
-          <a:prstGeom prst="rect">
-            <a:avLst/>
-          </a:prstGeom>
-          <a:solidFill>
-            <a:srgbClr val="363B40"/>
-          </a:solidFill>
-          <a:ln>
-            <a:noFill/>
-          </a:ln>
-          <a:effectLst/>
-          <a:extLst>
-            <a:ext uri="{91240B29-F687-4F45-9708-019B960494DF}">
-              <a14:hiddenLine xmlns:a14="http://schemas.microsoft.com/office/drawing/2010/main" w="9525">
-                <a:solidFill>
-                  <a:schemeClr val="tx1"/>
-                </a:solidFill>
-                <a:miter lim="800000"/>
-                <a:headEnd/>
-                <a:tailEnd/>
-              </a14:hiddenLine>
-            </a:ext>
-            <a:ext uri="{AF507438-7753-43E0-B8FC-AC1667EBCBE1}">
-              <a14:hiddenEffects xmlns:a14="http://schemas.microsoft.com/office/drawing/2010/main">
-                <a:effectLst>
-                  <a:outerShdw dist="35921" dir="2700000" algn="ctr" rotWithShape="0">
-                    <a:schemeClr val="bg2"/>
-                  </a:outerShdw>
-                </a:effectLst>
-              </a14:hiddenEffects>
-            </a:ext>
-          </a:extLst>
-        </p:spPr>
-        <p:txBody>
-          <a:bodyPr vert="horz" wrap="square" lIns="91440" tIns="45720" rIns="91440" bIns="45720" numCol="1" anchor="ctr" anchorCtr="0" compatLnSpc="1">
-            <a:prstTxWarp prst="textNoShape">
-              <a:avLst/>
-            </a:prstTxWarp>
-            <a:spAutoFit/>
-          </a:bodyPr>
-          <a:lstStyle/>
-          <a:p>
-            <a:pPr lvl="0" eaLnBrk="0" fontAlgn="base" hangingPunct="0">
-              <a:spcBef>
-                <a:spcPct val="0"/>
-              </a:spcBef>
-              <a:spcAft>
-                <a:spcPct val="0"/>
-              </a:spcAft>
+          <a:p>
+            <a:pPr>
+              <a:lnSpc>
+                <a:spcPct val="150000"/>
+              </a:lnSpc>
             </a:pPr>
-            <a:r>
-              <a:rPr lang="en-US" altLang="zh-CN" sz="1500" b="1" dirty="0">
-                <a:solidFill>
-                  <a:srgbClr val="DEDEDE"/>
-                </a:solidFill>
-                <a:latin typeface="Arial" panose="020B0604020202020204" pitchFamily="34" charset="0"/>
-                <a:ea typeface="Helvetica Neue"/>
-              </a:rPr>
-              <a:t>bool</a:t>
-            </a:r>
-            <a:r>
-              <a:rPr lang="zh-CN" altLang="en-US" sz="1500" b="1" dirty="0">
-                <a:solidFill>
-                  <a:srgbClr val="DEDEDE"/>
-                </a:solidFill>
-                <a:latin typeface="Arial" panose="020B0604020202020204" pitchFamily="34" charset="0"/>
-                <a:ea typeface="Helvetica Neue"/>
-              </a:rPr>
-              <a:t>字面值</a:t>
-            </a:r>
-            <a:endParaRPr kumimoji="0" lang="zh-CN" altLang="zh-CN" sz="1800" b="0" i="0" u="none" strike="noStrike" cap="none" normalizeH="0" baseline="0" dirty="0">
-              <a:ln>
-                <a:noFill/>
-              </a:ln>
-              <a:solidFill>
-                <a:schemeClr val="tx1"/>
-              </a:solidFill>
+            <a:endParaRPr lang="en-US" altLang="zh-CN" sz="2400" dirty="0">
+              <a:latin typeface="+mn-ea"/>
+            </a:endParaRPr>
+          </a:p>
+          <a:p>
+            <a:pPr>
+              <a:lnSpc>
+                <a:spcPct val="150000"/>
+              </a:lnSpc>
+            </a:pPr>
+            <a:r>
+              <a:rPr lang="en-US" altLang="zh-CN" sz="2400" b="0" i="0" dirty="0">
+                <a:effectLst/>
+                <a:latin typeface="+mn-ea"/>
+              </a:rPr>
+              <a:t>vector&lt;vector&lt;int&gt;&gt; </a:t>
+            </a:r>
+            <a:r>
+              <a:rPr lang="en-US" altLang="zh-CN" sz="2400" b="0" i="0" dirty="0" err="1">
+                <a:effectLst/>
+                <a:latin typeface="+mn-ea"/>
+              </a:rPr>
+              <a:t>ivec</a:t>
+            </a:r>
+            <a:endParaRPr lang="zh-CN" altLang="en-US" sz="2400" b="0" i="0" dirty="0">
               <a:effectLst/>
-              <a:latin typeface="Arial" panose="020B0604020202020204" pitchFamily="34" charset="0"/>
+              <a:latin typeface="+mn-ea"/>
             </a:endParaRPr>
           </a:p>
-        </p:txBody>
-      </p:sp>
-      <p:sp>
-        <p:nvSpPr>
-          <p:cNvPr id="15" name="Rectangle 2">
-            <a:extLst>
-              <a:ext uri="{FF2B5EF4-FFF2-40B4-BE49-F238E27FC236}">
-                <a16:creationId xmlns:a16="http://schemas.microsoft.com/office/drawing/2014/main" id="{B5E63A3F-8050-43F5-97A8-026045CBFBA4}"/>
-              </a:ext>
-            </a:extLst>
-          </p:cNvPr>
-          <p:cNvSpPr>
-            <a:spLocks noChangeArrowheads="1"/>
-          </p:cNvSpPr>
-          <p:nvPr/>
-        </p:nvSpPr>
-        <p:spPr bwMode="auto">
-          <a:xfrm>
-            <a:off x="9991122" y="2895941"/>
-            <a:ext cx="1975485" cy="323165"/>
-          </a:xfrm>
-          <a:prstGeom prst="rect">
-            <a:avLst/>
-          </a:prstGeom>
-          <a:solidFill>
-            <a:srgbClr val="363B40"/>
-          </a:solidFill>
-          <a:ln>
-            <a:noFill/>
-          </a:ln>
-          <a:effectLst/>
-          <a:extLst>
-            <a:ext uri="{91240B29-F687-4F45-9708-019B960494DF}">
-              <a14:hiddenLine xmlns:a14="http://schemas.microsoft.com/office/drawing/2010/main" w="9525">
-                <a:solidFill>
-                  <a:schemeClr val="tx1"/>
-                </a:solidFill>
-                <a:miter lim="800000"/>
-                <a:headEnd/>
-                <a:tailEnd/>
-              </a14:hiddenLine>
-            </a:ext>
-            <a:ext uri="{AF507438-7753-43E0-B8FC-AC1667EBCBE1}">
-              <a14:hiddenEffects xmlns:a14="http://schemas.microsoft.com/office/drawing/2010/main">
-                <a:effectLst>
-                  <a:outerShdw dist="35921" dir="2700000" algn="ctr" rotWithShape="0">
-                    <a:schemeClr val="bg2"/>
-                  </a:outerShdw>
-                </a:effectLst>
-              </a14:hiddenEffects>
-            </a:ext>
-          </a:extLst>
-        </p:spPr>
-        <p:txBody>
-          <a:bodyPr vert="horz" wrap="square" lIns="91440" tIns="45720" rIns="91440" bIns="45720" numCol="1" anchor="ctr" anchorCtr="0" compatLnSpc="1">
-            <a:prstTxWarp prst="textNoShape">
-              <a:avLst/>
-            </a:prstTxWarp>
-            <a:spAutoFit/>
-          </a:bodyPr>
-          <a:lstStyle/>
-          <a:p>
-            <a:pPr lvl="0" eaLnBrk="0" fontAlgn="base" hangingPunct="0">
-              <a:spcBef>
-                <a:spcPct val="0"/>
-              </a:spcBef>
-              <a:spcAft>
-                <a:spcPct val="0"/>
-              </a:spcAft>
+          <a:p>
+            <a:pPr>
+              <a:lnSpc>
+                <a:spcPct val="150000"/>
+              </a:lnSpc>
             </a:pPr>
             <a:r>
-              <a:rPr lang="zh-CN" altLang="en-US" sz="1500" b="1" dirty="0">
-                <a:solidFill>
-                  <a:srgbClr val="DEDEDE"/>
-                </a:solidFill>
-                <a:latin typeface="Arial" panose="020B0604020202020204" pitchFamily="34" charset="0"/>
-                <a:ea typeface="Helvetica Neue"/>
-              </a:rPr>
-              <a:t>指针字面值</a:t>
-            </a:r>
-            <a:endParaRPr kumimoji="0" lang="zh-CN" altLang="zh-CN" sz="1800" b="0" i="0" u="none" strike="noStrike" cap="none" normalizeH="0" baseline="0" dirty="0">
-              <a:ln>
-                <a:noFill/>
-              </a:ln>
-              <a:solidFill>
-                <a:schemeClr val="tx1"/>
-              </a:solidFill>
+              <a:rPr lang="en-US" altLang="zh-CN" sz="2400" b="0" i="0" dirty="0">
+                <a:effectLst/>
+                <a:latin typeface="+mn-ea"/>
+              </a:rPr>
+              <a:t>vector&lt;string&gt; </a:t>
+            </a:r>
+            <a:r>
+              <a:rPr lang="en-US" altLang="zh-CN" sz="2400" b="0" i="0" dirty="0" err="1">
+                <a:effectLst/>
+                <a:latin typeface="+mn-ea"/>
+              </a:rPr>
+              <a:t>svec</a:t>
+            </a:r>
+            <a:r>
+              <a:rPr lang="en-US" altLang="zh-CN" sz="2400" b="0" i="0" dirty="0">
+                <a:effectLst/>
+                <a:latin typeface="+mn-ea"/>
+              </a:rPr>
+              <a:t> = </a:t>
+            </a:r>
+            <a:r>
+              <a:rPr lang="en-US" altLang="zh-CN" sz="2400" b="0" i="0" dirty="0" err="1">
+                <a:effectLst/>
+                <a:latin typeface="+mn-ea"/>
+              </a:rPr>
+              <a:t>ivec</a:t>
+            </a:r>
+            <a:endParaRPr lang="zh-CN" altLang="en-US" sz="2400" b="0" i="0" dirty="0">
               <a:effectLst/>
-              <a:latin typeface="Arial" panose="020B0604020202020204" pitchFamily="34" charset="0"/>
+              <a:latin typeface="+mn-ea"/>
             </a:endParaRPr>
           </a:p>
-        </p:txBody>
-      </p:sp>
-      <p:sp>
-        <p:nvSpPr>
-          <p:cNvPr id="12" name="矩形 11">
-            <a:extLst>
-              <a:ext uri="{FF2B5EF4-FFF2-40B4-BE49-F238E27FC236}">
-                <a16:creationId xmlns:a16="http://schemas.microsoft.com/office/drawing/2014/main" id="{67A7B83C-367F-484A-8977-63203348F9D1}"/>
-              </a:ext>
-            </a:extLst>
-          </p:cNvPr>
-          <p:cNvSpPr/>
-          <p:nvPr/>
-        </p:nvSpPr>
-        <p:spPr>
-          <a:xfrm>
-            <a:off x="9991122" y="3314095"/>
-            <a:ext cx="825867" cy="369332"/>
-          </a:xfrm>
-          <a:prstGeom prst="rect">
-            <a:avLst/>
-          </a:prstGeom>
-        </p:spPr>
-        <p:txBody>
-          <a:bodyPr wrap="none">
-            <a:spAutoFit/>
-          </a:bodyPr>
-          <a:lstStyle/>
-          <a:p>
-            <a:r>
-              <a:rPr lang="zh-CN" altLang="en-US" dirty="0"/>
-              <a:t>nullptr</a:t>
+          <a:p>
+            <a:pPr>
+              <a:lnSpc>
+                <a:spcPct val="150000"/>
+              </a:lnSpc>
+            </a:pPr>
+            <a:r>
+              <a:rPr lang="en-US" altLang="zh-CN" sz="2400" b="0" i="0" dirty="0">
+                <a:effectLst/>
+                <a:latin typeface="+mn-ea"/>
+              </a:rPr>
+              <a:t>vector&lt;string&gt; </a:t>
+            </a:r>
+            <a:r>
+              <a:rPr lang="en-US" altLang="zh-CN" sz="2400" b="0" i="0" dirty="0" err="1">
+                <a:effectLst/>
+                <a:latin typeface="+mn-ea"/>
+              </a:rPr>
+              <a:t>svec</a:t>
+            </a:r>
+            <a:r>
+              <a:rPr lang="en-US" altLang="zh-CN" sz="2400" b="0" i="0" dirty="0">
+                <a:effectLst/>
+                <a:latin typeface="+mn-ea"/>
+              </a:rPr>
+              <a:t>(10, "null");  </a:t>
             </a:r>
           </a:p>
         </p:txBody>
@@ -9117,7 +9189,7 @@
     </p:spTree>
     <p:extLst>
       <p:ext uri="{BB962C8B-B14F-4D97-AF65-F5344CB8AC3E}">
-        <p14:creationId xmlns:p14="http://schemas.microsoft.com/office/powerpoint/2010/main" val="2226071004"/>
+        <p14:creationId xmlns:p14="http://schemas.microsoft.com/office/powerpoint/2010/main" val="3158190950"/>
       </p:ext>
     </p:extLst>
   </p:cSld>
@@ -9146,10 +9218,10 @@
       </p:grpSpPr>
       <p:sp>
         <p:nvSpPr>
-          <p:cNvPr id="6" name="文本框 5">
-            <a:extLst>
-              <a:ext uri="{FF2B5EF4-FFF2-40B4-BE49-F238E27FC236}">
-                <a16:creationId xmlns:a16="http://schemas.microsoft.com/office/drawing/2014/main" id="{A8746E2C-B96B-4186-B0EC-BE8E9F365025}"/>
+          <p:cNvPr id="8" name="文本框 7">
+            <a:extLst>
+              <a:ext uri="{FF2B5EF4-FFF2-40B4-BE49-F238E27FC236}">
+                <a16:creationId xmlns:a16="http://schemas.microsoft.com/office/drawing/2014/main" id="{173B5B89-5235-4C07-99A2-AC5672E77337}"/>
               </a:ext>
             </a:extLst>
           </p:cNvPr>
@@ -9158,8 +9230,8 @@
         </p:nvSpPr>
         <p:spPr>
           <a:xfrm>
-            <a:off x="518176" y="466545"/>
-            <a:ext cx="7393790" cy="1015663"/>
+            <a:off x="215448" y="169110"/>
+            <a:ext cx="11169000" cy="1200329"/>
           </a:xfrm>
           <a:prstGeom prst="rect">
             <a:avLst/>
@@ -9173,78 +9245,23 @@
           <a:lstStyle/>
           <a:p>
             <a:r>
-              <a:rPr lang="en-US" altLang="zh-CN" sz="6000" b="1" dirty="0">
-                <a:highlight>
-                  <a:srgbClr val="C0C0C0"/>
-                </a:highlight>
+              <a:rPr lang="en-US" altLang="zh-CN" sz="7200" b="1" dirty="0">
                 <a:latin typeface="+mn-ea"/>
               </a:rPr>
-              <a:t>2.</a:t>
-            </a:r>
-            <a:r>
-              <a:rPr lang="zh-CN" altLang="en-US" sz="6000" b="1" dirty="0">
-                <a:highlight>
-                  <a:srgbClr val="C0C0C0"/>
-                </a:highlight>
-                <a:latin typeface="+mn-ea"/>
-              </a:rPr>
-              <a:t>变量的声明和定义</a:t>
-            </a:r>
-          </a:p>
-        </p:txBody>
-      </p:sp>
-      <p:sp>
-        <p:nvSpPr>
-          <p:cNvPr id="2" name="矩形 1">
-            <a:extLst>
-              <a:ext uri="{FF2B5EF4-FFF2-40B4-BE49-F238E27FC236}">
-                <a16:creationId xmlns:a16="http://schemas.microsoft.com/office/drawing/2014/main" id="{86AB9C32-E7ED-4D7B-ACE4-AB285AA1EDEF}"/>
-              </a:ext>
-            </a:extLst>
-          </p:cNvPr>
-          <p:cNvSpPr/>
-          <p:nvPr/>
-        </p:nvSpPr>
-        <p:spPr>
-          <a:xfrm>
-            <a:off x="3047999" y="2828836"/>
-            <a:ext cx="8309811" cy="1200329"/>
-          </a:xfrm>
-          <a:prstGeom prst="rect">
-            <a:avLst/>
-          </a:prstGeom>
-        </p:spPr>
-        <p:txBody>
-          <a:bodyPr wrap="square">
-            <a:spAutoFit/>
-          </a:bodyPr>
-          <a:lstStyle/>
-          <a:p>
-            <a:r>
-              <a:rPr lang="zh-CN" altLang="en-US" sz="2400" dirty="0"/>
-              <a:t>extern int i; //声明</a:t>
-            </a:r>
-          </a:p>
-          <a:p>
-            <a:r>
-              <a:rPr lang="zh-CN" altLang="en-US" sz="2400" dirty="0"/>
-              <a:t>extern int i=1; //定义  加了extern之后并初始化，则为定义</a:t>
-            </a:r>
-          </a:p>
-          <a:p>
-            <a:r>
-              <a:rPr lang="zh-CN" altLang="en-US" sz="2400" dirty="0"/>
-              <a:t>int j;  //声明并定义</a:t>
-            </a:r>
+              <a:t>exercise3.2: std::vector</a:t>
+            </a:r>
+            <a:endParaRPr lang="zh-CN" altLang="en-US" sz="7200" b="1" dirty="0">
+              <a:latin typeface="+mn-ea"/>
+            </a:endParaRPr>
           </a:p>
         </p:txBody>
       </p:sp>
       <p:pic>
         <p:nvPicPr>
-          <p:cNvPr id="4" name="图片 3">
-            <a:extLst>
-              <a:ext uri="{FF2B5EF4-FFF2-40B4-BE49-F238E27FC236}">
-                <a16:creationId xmlns:a16="http://schemas.microsoft.com/office/drawing/2014/main" id="{ACDD6ED8-5B3E-4C2D-929E-D17EE56DBD33}"/>
+          <p:cNvPr id="2" name="图片 1">
+            <a:extLst>
+              <a:ext uri="{FF2B5EF4-FFF2-40B4-BE49-F238E27FC236}">
+                <a16:creationId xmlns:a16="http://schemas.microsoft.com/office/drawing/2014/main" id="{CFA805A8-C94C-4542-B01C-8F47DC851D38}"/>
               </a:ext>
             </a:extLst>
           </p:cNvPr>
@@ -9267,18 +9284,173 @@
         </p:blipFill>
         <p:spPr>
           <a:xfrm>
-            <a:off x="294874" y="2421656"/>
-            <a:ext cx="2381250" cy="2457450"/>
+            <a:off x="518175" y="2600326"/>
+            <a:ext cx="3207315" cy="2094143"/>
           </a:xfrm>
           <a:prstGeom prst="rect">
             <a:avLst/>
           </a:prstGeom>
         </p:spPr>
       </p:pic>
+      <p:sp>
+        <p:nvSpPr>
+          <p:cNvPr id="6" name="文本框 5">
+            <a:extLst>
+              <a:ext uri="{FF2B5EF4-FFF2-40B4-BE49-F238E27FC236}">
+                <a16:creationId xmlns:a16="http://schemas.microsoft.com/office/drawing/2014/main" id="{2D4F4C79-08EF-5BD3-BF52-34ECCD733770}"/>
+              </a:ext>
+            </a:extLst>
+          </p:cNvPr>
+          <p:cNvSpPr txBox="1"/>
+          <p:nvPr/>
+        </p:nvSpPr>
+        <p:spPr>
+          <a:xfrm>
+            <a:off x="4334270" y="1432592"/>
+            <a:ext cx="7511653" cy="5022016"/>
+          </a:xfrm>
+          <a:prstGeom prst="rect">
+            <a:avLst/>
+          </a:prstGeom>
+          <a:noFill/>
+        </p:spPr>
+        <p:txBody>
+          <a:bodyPr wrap="square">
+            <a:spAutoFit/>
+          </a:bodyPr>
+          <a:lstStyle/>
+          <a:p>
+            <a:pPr>
+              <a:lnSpc>
+                <a:spcPct val="150000"/>
+              </a:lnSpc>
+            </a:pPr>
+            <a:r>
+              <a:rPr lang="zh-CN" altLang="en-US" sz="2400" b="0" i="0" dirty="0">
+                <a:effectLst/>
+                <a:latin typeface="+mn-ea"/>
+              </a:rPr>
+              <a:t>下列的</a:t>
+            </a:r>
+            <a:r>
+              <a:rPr lang="en-US" altLang="zh-CN" sz="2400" b="0" i="0" dirty="0">
+                <a:effectLst/>
+                <a:latin typeface="+mn-ea"/>
+              </a:rPr>
+              <a:t>vector</a:t>
+            </a:r>
+            <a:r>
+              <a:rPr lang="zh-CN" altLang="en-US" sz="2400" b="0" i="0" dirty="0">
+                <a:effectLst/>
+                <a:latin typeface="+mn-ea"/>
+              </a:rPr>
+              <a:t>对象各包含多少个元素？这些元素的值分别是多少？	</a:t>
+            </a:r>
+          </a:p>
+          <a:p>
+            <a:pPr>
+              <a:lnSpc>
+                <a:spcPct val="150000"/>
+              </a:lnSpc>
+            </a:pPr>
+            <a:r>
+              <a:rPr lang="en-US" altLang="zh-CN" sz="2400" b="0" i="0" dirty="0">
+                <a:effectLst/>
+                <a:latin typeface="+mn-ea"/>
+              </a:rPr>
+              <a:t>vector&lt;int&gt; v1;         		</a:t>
+            </a:r>
+          </a:p>
+          <a:p>
+            <a:pPr>
+              <a:lnSpc>
+                <a:spcPct val="150000"/>
+              </a:lnSpc>
+            </a:pPr>
+            <a:r>
+              <a:rPr lang="en-US" altLang="zh-CN" sz="2400" b="0" i="0" dirty="0">
+                <a:effectLst/>
+                <a:latin typeface="+mn-ea"/>
+              </a:rPr>
+              <a:t>vector&lt;int&gt; v2(10);     		</a:t>
+            </a:r>
+          </a:p>
+          <a:p>
+            <a:pPr>
+              <a:lnSpc>
+                <a:spcPct val="150000"/>
+              </a:lnSpc>
+            </a:pPr>
+            <a:r>
+              <a:rPr lang="en-US" altLang="zh-CN" sz="2400" b="0" i="0" dirty="0">
+                <a:effectLst/>
+                <a:latin typeface="+mn-ea"/>
+              </a:rPr>
+              <a:t>vector&lt;int&gt; v3(10, 42); 		</a:t>
+            </a:r>
+          </a:p>
+          <a:p>
+            <a:pPr>
+              <a:lnSpc>
+                <a:spcPct val="150000"/>
+              </a:lnSpc>
+            </a:pPr>
+            <a:r>
+              <a:rPr lang="en-US" altLang="zh-CN" sz="2400" b="0" i="0" dirty="0">
+                <a:effectLst/>
+                <a:latin typeface="+mn-ea"/>
+              </a:rPr>
+              <a:t>vector&lt;int&gt; v4{ 10 };     		</a:t>
+            </a:r>
+          </a:p>
+          <a:p>
+            <a:pPr>
+              <a:lnSpc>
+                <a:spcPct val="150000"/>
+              </a:lnSpc>
+            </a:pPr>
+            <a:r>
+              <a:rPr lang="en-US" altLang="zh-CN" sz="2400" b="0" i="0" dirty="0">
+                <a:effectLst/>
+                <a:latin typeface="+mn-ea"/>
+              </a:rPr>
+              <a:t>vector&lt;int&gt; v5{ 10, 42 }; 		</a:t>
+            </a:r>
+          </a:p>
+          <a:p>
+            <a:pPr>
+              <a:lnSpc>
+                <a:spcPct val="150000"/>
+              </a:lnSpc>
+            </a:pPr>
+            <a:r>
+              <a:rPr lang="en-US" altLang="zh-CN" sz="2400" b="0" i="0" dirty="0">
+                <a:effectLst/>
+                <a:latin typeface="+mn-ea"/>
+              </a:rPr>
+              <a:t>vector&lt;string&gt; v6{ 10 }; 		</a:t>
+            </a:r>
+          </a:p>
+          <a:p>
+            <a:pPr>
+              <a:lnSpc>
+                <a:spcPct val="150000"/>
+              </a:lnSpc>
+            </a:pPr>
+            <a:r>
+              <a:rPr lang="en-US" altLang="zh-CN" sz="2400" b="0" i="0" dirty="0">
+                <a:effectLst/>
+                <a:latin typeface="+mn-ea"/>
+              </a:rPr>
+              <a:t>vector&lt;string&gt; v7{ 10, "hi" }; </a:t>
+            </a:r>
+          </a:p>
+        </p:txBody>
+      </p:sp>
     </p:spTree>
     <p:extLst>
       <p:ext uri="{BB962C8B-B14F-4D97-AF65-F5344CB8AC3E}">
-        <p14:creationId xmlns:p14="http://schemas.microsoft.com/office/powerpoint/2010/main" val="3320371402"/>
+        <p14:creationId xmlns:p14="http://schemas.microsoft.com/office/powerpoint/2010/main" val="944608848"/>
       </p:ext>
     </p:extLst>
   </p:cSld>
@@ -9465,453 +9637,58 @@
       </p:grpSpPr>
       <p:sp>
         <p:nvSpPr>
-          <p:cNvPr id="6" name="文本框 5">
-            <a:extLst>
-              <a:ext uri="{FF2B5EF4-FFF2-40B4-BE49-F238E27FC236}">
-                <a16:creationId xmlns:a16="http://schemas.microsoft.com/office/drawing/2014/main" id="{A8746E2C-B96B-4186-B0EC-BE8E9F365025}"/>
-              </a:ext>
-            </a:extLst>
-          </p:cNvPr>
-          <p:cNvSpPr txBox="1"/>
+          <p:cNvPr id="9" name="矩形 8">
+            <a:extLst>
+              <a:ext uri="{FF2B5EF4-FFF2-40B4-BE49-F238E27FC236}">
+                <a16:creationId xmlns:a16="http://schemas.microsoft.com/office/drawing/2014/main" id="{905E8B6D-950F-4396-9DBF-B652B1E45801}"/>
+              </a:ext>
+            </a:extLst>
+          </p:cNvPr>
+          <p:cNvSpPr/>
           <p:nvPr/>
         </p:nvSpPr>
         <p:spPr>
           <a:xfrm>
-            <a:off x="518176" y="466545"/>
-            <a:ext cx="4663424" cy="1015663"/>
+            <a:off x="288268" y="288399"/>
+            <a:ext cx="3397084" cy="584775"/>
           </a:xfrm>
           <a:prstGeom prst="rect">
             <a:avLst/>
           </a:prstGeom>
-          <a:solidFill>
-            <a:schemeClr val="bg2"/>
-          </a:solidFill>
         </p:spPr>
         <p:txBody>
-          <a:bodyPr wrap="square" rtlCol="0">
+          <a:bodyPr wrap="none">
             <a:spAutoFit/>
           </a:bodyPr>
           <a:lstStyle/>
           <a:p>
-            <a:r>
-              <a:rPr lang="zh-CN" altLang="en-US" sz="6000" b="1" dirty="0">
-                <a:latin typeface="+mn-ea"/>
-              </a:rPr>
-              <a:t>变量的名称</a:t>
-            </a:r>
-          </a:p>
-        </p:txBody>
-      </p:sp>
-      <p:sp>
-        <p:nvSpPr>
-          <p:cNvPr id="11" name="Rectangle 6">
-            <a:extLst>
-              <a:ext uri="{FF2B5EF4-FFF2-40B4-BE49-F238E27FC236}">
-                <a16:creationId xmlns:a16="http://schemas.microsoft.com/office/drawing/2014/main" id="{EF58FCE9-6830-40A7-9AAA-B3B2BBDB12B2}"/>
-              </a:ext>
-            </a:extLst>
-          </p:cNvPr>
-          <p:cNvSpPr>
-            <a:spLocks noChangeArrowheads="1"/>
-          </p:cNvSpPr>
-          <p:nvPr/>
-        </p:nvSpPr>
-        <p:spPr bwMode="auto">
-          <a:xfrm>
-            <a:off x="4466322" y="1913306"/>
-            <a:ext cx="6891288" cy="4478149"/>
-          </a:xfrm>
-          <a:prstGeom prst="rect">
-            <a:avLst/>
-          </a:prstGeom>
-          <a:noFill/>
-          <a:ln>
-            <a:noFill/>
-          </a:ln>
-          <a:effectLst/>
-          <a:extLst>
-            <a:ext uri="{909E8E84-426E-40DD-AFC4-6F175D3DCCD1}">
-              <a14:hiddenFill xmlns:a14="http://schemas.microsoft.com/office/drawing/2010/main">
-                <a:solidFill>
-                  <a:schemeClr val="accent1"/>
-                </a:solidFill>
-              </a14:hiddenFill>
-            </a:ext>
-            <a:ext uri="{91240B29-F687-4F45-9708-019B960494DF}">
-              <a14:hiddenLine xmlns:a14="http://schemas.microsoft.com/office/drawing/2010/main" w="9525">
-                <a:solidFill>
-                  <a:schemeClr val="tx1"/>
-                </a:solidFill>
-                <a:miter lim="800000"/>
-                <a:headEnd/>
-                <a:tailEnd/>
-              </a14:hiddenLine>
-            </a:ext>
-            <a:ext uri="{AF507438-7753-43E0-B8FC-AC1667EBCBE1}">
-              <a14:hiddenEffects xmlns:a14="http://schemas.microsoft.com/office/drawing/2010/main">
-                <a:effectLst>
-                  <a:outerShdw dist="35921" dir="2700000" algn="ctr" rotWithShape="0">
-                    <a:schemeClr val="bg2"/>
-                  </a:outerShdw>
-                </a:effectLst>
-              </a14:hiddenEffects>
-            </a:ext>
-          </a:extLst>
-        </p:spPr>
-        <p:txBody>
-          <a:bodyPr vert="horz" wrap="square" lIns="91440" tIns="0" rIns="91440" bIns="45720" numCol="1" anchor="ctr" anchorCtr="0" compatLnSpc="1">
-            <a:prstTxWarp prst="textNoShape">
-              <a:avLst/>
-            </a:prstTxWarp>
-            <a:spAutoFit/>
-          </a:bodyPr>
-          <a:lstStyle/>
-          <a:p>
-            <a:pPr marL="0" marR="0" lvl="0" indent="0" algn="l" defTabSz="914400" rtl="0" eaLnBrk="0" fontAlgn="base" latinLnBrk="0" hangingPunct="0">
-              <a:lnSpc>
-                <a:spcPct val="100000"/>
-              </a:lnSpc>
+            <a:pPr lvl="0" fontAlgn="base">
               <a:spcBef>
                 <a:spcPct val="0"/>
               </a:spcBef>
               <a:spcAft>
                 <a:spcPct val="0"/>
               </a:spcAft>
-              <a:buClrTx/>
-              <a:buSzTx/>
-              <a:buFontTx/>
-              <a:buNone/>
-              <a:tabLst/>
             </a:pPr>
             <a:r>
-              <a:rPr kumimoji="0" lang="zh-CN" altLang="zh-CN" sz="2400" b="0" i="0" u="none" strike="noStrike" cap="none" normalizeH="0" baseline="0" dirty="0">
-                <a:ln>
-                  <a:noFill/>
-                </a:ln>
-                <a:effectLst/>
+              <a:rPr lang="zh-CN" altLang="zh-CN" sz="3200" b="1" dirty="0">
                 <a:latin typeface="+mn-ea"/>
               </a:rPr>
-              <a:t>变量的名字，由数字、字母、下划线组成</a:t>
-            </a:r>
-            <a:endParaRPr kumimoji="0" lang="en-US" altLang="zh-CN" sz="2400" b="0" i="0" u="none" strike="noStrike" cap="none" normalizeH="0" baseline="0" dirty="0">
-              <a:ln>
-                <a:noFill/>
-              </a:ln>
-              <a:effectLst/>
-              <a:latin typeface="+mn-ea"/>
-            </a:endParaRPr>
-          </a:p>
-          <a:p>
-            <a:pPr marL="0" marR="0" lvl="0" indent="0" algn="l" defTabSz="914400" rtl="0" eaLnBrk="0" fontAlgn="base" latinLnBrk="0" hangingPunct="0">
-              <a:lnSpc>
-                <a:spcPct val="100000"/>
-              </a:lnSpc>
-              <a:spcBef>
-                <a:spcPct val="0"/>
-              </a:spcBef>
-              <a:spcAft>
-                <a:spcPct val="0"/>
-              </a:spcAft>
-              <a:buClrTx/>
-              <a:buSzTx/>
-              <a:buFontTx/>
-              <a:buNone/>
-              <a:tabLst/>
-            </a:pPr>
-            <a:endParaRPr kumimoji="0" lang="zh-CN" altLang="zh-CN" sz="2400" b="0" i="0" u="none" strike="noStrike" cap="none" normalizeH="0" baseline="0" dirty="0">
-              <a:ln>
-                <a:noFill/>
-              </a:ln>
-              <a:effectLst/>
-              <a:latin typeface="+mn-ea"/>
-            </a:endParaRPr>
-          </a:p>
-          <a:p>
-            <a:pPr marL="0" marR="0" lvl="0" indent="0" algn="l" defTabSz="914400" rtl="0" eaLnBrk="0" fontAlgn="base" latinLnBrk="0" hangingPunct="0">
-              <a:lnSpc>
-                <a:spcPct val="100000"/>
-              </a:lnSpc>
-              <a:spcBef>
-                <a:spcPct val="0"/>
-              </a:spcBef>
-              <a:spcAft>
-                <a:spcPct val="0"/>
-              </a:spcAft>
-              <a:buClrTx/>
-              <a:buSzTx/>
-              <a:buFontTx/>
-              <a:buChar char="•"/>
-              <a:tabLst/>
-            </a:pPr>
-            <a:r>
-              <a:rPr kumimoji="0" lang="zh-CN" altLang="zh-CN" sz="2400" b="0" i="0" u="none" strike="noStrike" cap="none" normalizeH="0" baseline="0" dirty="0">
-                <a:ln>
-                  <a:noFill/>
-                </a:ln>
-                <a:effectLst/>
+              <a:t>2</a:t>
+            </a:r>
+            <a:r>
+              <a:rPr lang="en-US" altLang="zh-CN" sz="3200" b="1" dirty="0">
                 <a:latin typeface="+mn-ea"/>
               </a:rPr>
-              <a:t>不能连续出现两个下划线</a:t>
-            </a:r>
-            <a:endParaRPr kumimoji="0" lang="en-US" altLang="zh-CN" sz="2400" b="0" i="0" u="none" strike="noStrike" cap="none" normalizeH="0" baseline="0" dirty="0">
-              <a:ln>
-                <a:noFill/>
-              </a:ln>
-              <a:effectLst/>
-              <a:latin typeface="+mn-ea"/>
-            </a:endParaRPr>
-          </a:p>
-          <a:p>
-            <a:pPr marL="0" marR="0" lvl="0" indent="0" algn="l" defTabSz="914400" rtl="0" eaLnBrk="0" fontAlgn="base" latinLnBrk="0" hangingPunct="0">
-              <a:lnSpc>
-                <a:spcPct val="100000"/>
-              </a:lnSpc>
-              <a:spcBef>
-                <a:spcPct val="0"/>
-              </a:spcBef>
-              <a:spcAft>
-                <a:spcPct val="0"/>
-              </a:spcAft>
-              <a:buClrTx/>
-              <a:buSzTx/>
-              <a:buFontTx/>
-              <a:buChar char="•"/>
-              <a:tabLst/>
-            </a:pPr>
-            <a:endParaRPr kumimoji="0" lang="zh-CN" altLang="zh-CN" sz="2400" b="0" i="0" u="none" strike="noStrike" cap="none" normalizeH="0" baseline="0" dirty="0">
-              <a:ln>
-                <a:noFill/>
-              </a:ln>
-              <a:effectLst/>
-              <a:latin typeface="+mn-ea"/>
-            </a:endParaRPr>
-          </a:p>
-          <a:p>
-            <a:pPr marL="0" marR="0" lvl="0" indent="0" algn="l" defTabSz="914400" rtl="0" eaLnBrk="0" fontAlgn="base" latinLnBrk="0" hangingPunct="0">
-              <a:lnSpc>
-                <a:spcPct val="100000"/>
-              </a:lnSpc>
-              <a:spcBef>
-                <a:spcPct val="0"/>
-              </a:spcBef>
-              <a:spcAft>
-                <a:spcPct val="0"/>
-              </a:spcAft>
-              <a:buClrTx/>
-              <a:buSzTx/>
-              <a:buFontTx/>
-              <a:buChar char="•"/>
-              <a:tabLst/>
-            </a:pPr>
-            <a:r>
-              <a:rPr kumimoji="0" lang="zh-CN" altLang="zh-CN" sz="2400" b="0" i="0" u="none" strike="noStrike" cap="none" normalizeH="0" baseline="0" dirty="0">
-                <a:ln>
-                  <a:noFill/>
-                </a:ln>
-                <a:effectLst/>
+              <a:t> </a:t>
+            </a:r>
+            <a:r>
+              <a:rPr lang="zh-CN" altLang="en-US" sz="3200" b="1" dirty="0">
                 <a:latin typeface="+mn-ea"/>
               </a:rPr>
-              <a:t>不能下划线紧连大写字母开头</a:t>
-            </a:r>
-            <a:endParaRPr kumimoji="0" lang="en-US" altLang="zh-CN" sz="2400" b="0" i="0" u="none" strike="noStrike" cap="none" normalizeH="0" baseline="0" dirty="0">
-              <a:ln>
-                <a:noFill/>
-              </a:ln>
-              <a:effectLst/>
-              <a:latin typeface="+mn-ea"/>
-            </a:endParaRPr>
-          </a:p>
-          <a:p>
-            <a:pPr marL="0" marR="0" lvl="0" indent="0" algn="l" defTabSz="914400" rtl="0" eaLnBrk="0" fontAlgn="base" latinLnBrk="0" hangingPunct="0">
-              <a:lnSpc>
-                <a:spcPct val="100000"/>
-              </a:lnSpc>
-              <a:spcBef>
-                <a:spcPct val="0"/>
-              </a:spcBef>
-              <a:spcAft>
-                <a:spcPct val="0"/>
-              </a:spcAft>
-              <a:buClrTx/>
-              <a:buSzTx/>
-              <a:buFontTx/>
-              <a:buChar char="•"/>
-              <a:tabLst/>
-            </a:pPr>
-            <a:endParaRPr kumimoji="0" lang="zh-CN" altLang="zh-CN" sz="2400" b="0" i="0" u="none" strike="noStrike" cap="none" normalizeH="0" baseline="0" dirty="0">
-              <a:ln>
-                <a:noFill/>
-              </a:ln>
-              <a:effectLst/>
-              <a:latin typeface="+mn-ea"/>
-            </a:endParaRPr>
-          </a:p>
-          <a:p>
-            <a:pPr marL="0" marR="0" lvl="0" indent="0" algn="l" defTabSz="914400" rtl="0" eaLnBrk="0" fontAlgn="base" latinLnBrk="0" hangingPunct="0">
-              <a:lnSpc>
-                <a:spcPct val="100000"/>
-              </a:lnSpc>
-              <a:spcBef>
-                <a:spcPct val="0"/>
-              </a:spcBef>
-              <a:spcAft>
-                <a:spcPct val="0"/>
-              </a:spcAft>
-              <a:buClrTx/>
-              <a:buSzTx/>
-              <a:buFontTx/>
-              <a:buChar char="•"/>
-              <a:tabLst/>
-            </a:pPr>
-            <a:r>
-              <a:rPr kumimoji="0" lang="zh-CN" altLang="zh-CN" sz="2400" b="0" i="0" u="none" strike="noStrike" cap="none" normalizeH="0" baseline="0" dirty="0">
-                <a:ln>
-                  <a:noFill/>
-                </a:ln>
-                <a:effectLst/>
-                <a:latin typeface="+mn-ea"/>
-              </a:rPr>
-              <a:t>定义在函数体外的标识符不能以下划线开头</a:t>
-            </a:r>
-            <a:endParaRPr kumimoji="0" lang="en-US" altLang="zh-CN" sz="2400" b="0" i="0" u="none" strike="noStrike" cap="none" normalizeH="0" baseline="0" dirty="0">
-              <a:ln>
-                <a:noFill/>
-              </a:ln>
-              <a:effectLst/>
-              <a:latin typeface="+mn-ea"/>
-            </a:endParaRPr>
-          </a:p>
-          <a:p>
-            <a:pPr marL="0" marR="0" lvl="0" indent="0" algn="l" defTabSz="914400" rtl="0" eaLnBrk="0" fontAlgn="base" latinLnBrk="0" hangingPunct="0">
-              <a:lnSpc>
-                <a:spcPct val="100000"/>
-              </a:lnSpc>
-              <a:spcBef>
-                <a:spcPct val="0"/>
-              </a:spcBef>
-              <a:spcAft>
-                <a:spcPct val="0"/>
-              </a:spcAft>
-              <a:buClrTx/>
-              <a:buSzTx/>
-              <a:buFontTx/>
-              <a:buChar char="•"/>
-              <a:tabLst/>
-            </a:pPr>
-            <a:endParaRPr lang="en-US" altLang="zh-CN" sz="2400" dirty="0">
-              <a:latin typeface="+mn-ea"/>
-            </a:endParaRPr>
-          </a:p>
-          <a:p>
-            <a:pPr marL="0" marR="0" lvl="0" indent="0" algn="l" defTabSz="914400" rtl="0" eaLnBrk="0" fontAlgn="base" latinLnBrk="0" hangingPunct="0">
-              <a:lnSpc>
-                <a:spcPct val="100000"/>
-              </a:lnSpc>
-              <a:spcBef>
-                <a:spcPct val="0"/>
-              </a:spcBef>
-              <a:spcAft>
-                <a:spcPct val="0"/>
-              </a:spcAft>
-              <a:buClrTx/>
-              <a:buSzTx/>
-              <a:buFontTx/>
-              <a:buChar char="•"/>
-              <a:tabLst/>
-            </a:pPr>
-            <a:r>
-              <a:rPr kumimoji="0" lang="zh-CN" altLang="zh-CN" sz="2400" b="0" i="0" u="none" strike="noStrike" cap="none" normalizeH="0" baseline="0" dirty="0">
-                <a:ln>
-                  <a:noFill/>
-                </a:ln>
-                <a:effectLst/>
-                <a:latin typeface="+mn-ea"/>
-              </a:rPr>
-              <a:t>区分大小写</a:t>
-            </a:r>
-            <a:endParaRPr kumimoji="0" lang="en-US" altLang="zh-CN" sz="2400" b="0" i="0" u="none" strike="noStrike" cap="none" normalizeH="0" baseline="0" dirty="0">
-              <a:ln>
-                <a:noFill/>
-              </a:ln>
-              <a:effectLst/>
-              <a:latin typeface="+mn-ea"/>
-            </a:endParaRPr>
-          </a:p>
-          <a:p>
-            <a:pPr marL="0" marR="0" lvl="0" indent="0" algn="l" defTabSz="914400" rtl="0" eaLnBrk="0" fontAlgn="base" latinLnBrk="0" hangingPunct="0">
-              <a:lnSpc>
-                <a:spcPct val="100000"/>
-              </a:lnSpc>
-              <a:spcBef>
-                <a:spcPct val="0"/>
-              </a:spcBef>
-              <a:spcAft>
-                <a:spcPct val="0"/>
-              </a:spcAft>
-              <a:buClrTx/>
-              <a:buSzTx/>
-              <a:buFontTx/>
-              <a:buChar char="•"/>
-              <a:tabLst/>
-            </a:pPr>
-            <a:endParaRPr kumimoji="0" lang="zh-CN" altLang="zh-CN" sz="2400" b="0" i="0" u="none" strike="noStrike" cap="none" normalizeH="0" baseline="0" dirty="0">
-              <a:ln>
-                <a:noFill/>
-              </a:ln>
-              <a:effectLst/>
-              <a:latin typeface="+mn-ea"/>
-            </a:endParaRPr>
-          </a:p>
-          <a:p>
-            <a:pPr marL="0" marR="0" lvl="0" indent="0" algn="l" defTabSz="914400" rtl="0" eaLnBrk="0" fontAlgn="base" latinLnBrk="0" hangingPunct="0">
-              <a:lnSpc>
-                <a:spcPct val="100000"/>
-              </a:lnSpc>
-              <a:spcBef>
-                <a:spcPct val="0"/>
-              </a:spcBef>
-              <a:spcAft>
-                <a:spcPct val="0"/>
-              </a:spcAft>
-              <a:buClrTx/>
-              <a:buSzTx/>
-              <a:buFontTx/>
-              <a:buChar char="•"/>
-              <a:tabLst/>
-            </a:pPr>
-            <a:r>
-              <a:rPr kumimoji="0" lang="zh-CN" altLang="zh-CN" sz="2400" b="0" i="0" u="none" strike="noStrike" cap="none" normalizeH="0" baseline="0" dirty="0">
-                <a:ln>
-                  <a:noFill/>
-                </a:ln>
-                <a:effectLst/>
-                <a:latin typeface="+mn-ea"/>
-              </a:rPr>
-              <a:t>不能与关键字重复</a:t>
-            </a:r>
-          </a:p>
-          <a:p>
-            <a:pPr marL="0" marR="0" lvl="0" indent="0" algn="l" defTabSz="914400" rtl="0" eaLnBrk="0" fontAlgn="base" latinLnBrk="0" hangingPunct="0">
-              <a:lnSpc>
-                <a:spcPct val="100000"/>
-              </a:lnSpc>
-              <a:spcBef>
-                <a:spcPct val="0"/>
-              </a:spcBef>
-              <a:spcAft>
-                <a:spcPct val="0"/>
-              </a:spcAft>
-              <a:buClrTx/>
-              <a:buSzTx/>
-              <a:buFontTx/>
-              <a:buNone/>
-              <a:tabLst/>
-            </a:pPr>
-            <a:endParaRPr kumimoji="0" lang="zh-CN" altLang="zh-CN" sz="2400" b="0" i="0" u="none" strike="noStrike" cap="none" normalizeH="0" baseline="0" dirty="0">
-              <a:ln>
-                <a:noFill/>
-              </a:ln>
-              <a:effectLst/>
+              <a:t>基本类型和变量</a:t>
+            </a:r>
+            <a:endParaRPr lang="zh-CN" altLang="zh-CN" sz="3200" b="1" dirty="0">
               <a:latin typeface="+mn-ea"/>
             </a:endParaRPr>
           </a:p>
@@ -9920,7 +9697,7 @@
     </p:spTree>
     <p:extLst>
       <p:ext uri="{BB962C8B-B14F-4D97-AF65-F5344CB8AC3E}">
-        <p14:creationId xmlns:p14="http://schemas.microsoft.com/office/powerpoint/2010/main" val="1783377144"/>
+        <p14:creationId xmlns:p14="http://schemas.microsoft.com/office/powerpoint/2010/main" val="2064899679"/>
       </p:ext>
     </p:extLst>
   </p:cSld>
@@ -9949,47 +9726,10 @@
       </p:grpSpPr>
       <p:sp>
         <p:nvSpPr>
-          <p:cNvPr id="6" name="文本框 5">
-            <a:extLst>
-              <a:ext uri="{FF2B5EF4-FFF2-40B4-BE49-F238E27FC236}">
-                <a16:creationId xmlns:a16="http://schemas.microsoft.com/office/drawing/2014/main" id="{A8746E2C-B96B-4186-B0EC-BE8E9F365025}"/>
-              </a:ext>
-            </a:extLst>
-          </p:cNvPr>
-          <p:cNvSpPr txBox="1"/>
-          <p:nvPr/>
-        </p:nvSpPr>
-        <p:spPr>
-          <a:xfrm>
-            <a:off x="0" y="434061"/>
-            <a:ext cx="7393790" cy="1015663"/>
-          </a:xfrm>
-          <a:prstGeom prst="rect">
-            <a:avLst/>
-          </a:prstGeom>
-          <a:noFill/>
-        </p:spPr>
-        <p:txBody>
-          <a:bodyPr wrap="square" rtlCol="0">
-            <a:spAutoFit/>
-          </a:bodyPr>
-          <a:lstStyle/>
-          <a:p>
-            <a:r>
-              <a:rPr lang="zh-CN" altLang="en-US" sz="6000" b="1" dirty="0">
-                <a:latin typeface="+mn-ea"/>
-              </a:rPr>
-              <a:t>作用域</a:t>
-            </a:r>
-          </a:p>
-        </p:txBody>
-      </p:sp>
-      <p:sp>
-        <p:nvSpPr>
           <p:cNvPr id="4" name="Rectangle 2">
             <a:extLst>
               <a:ext uri="{FF2B5EF4-FFF2-40B4-BE49-F238E27FC236}">
-                <a16:creationId xmlns:a16="http://schemas.microsoft.com/office/drawing/2014/main" id="{1E65920D-EAC9-4974-B4B7-287EA1B37CEE}"/>
+                <a16:creationId xmlns:a16="http://schemas.microsoft.com/office/drawing/2014/main" id="{941FE186-B41E-45A3-82FB-DC3E102AE008}"/>
               </a:ext>
             </a:extLst>
           </p:cNvPr>
@@ -10000,8 +9740,8 @@
         </p:nvSpPr>
         <p:spPr bwMode="auto">
           <a:xfrm>
-            <a:off x="2921000" y="2505502"/>
-            <a:ext cx="6731000" cy="830997"/>
+            <a:off x="1317057" y="1436683"/>
+            <a:ext cx="8401050" cy="1200329"/>
           </a:xfrm>
           <a:prstGeom prst="rect">
             <a:avLst/>
@@ -10176,76 +9916,117 @@
             </a:lvl9pPr>
           </a:lstStyle>
           <a:p>
-            <a:pPr marL="0" marR="0" lvl="0" indent="0" algn="l" defTabSz="914400" rtl="0" eaLnBrk="0" fontAlgn="base" latinLnBrk="0" hangingPunct="0">
+            <a:pPr marR="0" indent="0" eaLnBrk="1" hangingPunct="1">
               <a:lnSpc>
                 <a:spcPct val="100000"/>
               </a:lnSpc>
+              <a:buClrTx/>
+              <a:buSzTx/>
+              <a:buFontTx/>
+              <a:buNone/>
+              <a:tabLst/>
+            </a:pPr>
+            <a:r>
+              <a:rPr lang="zh-CN" altLang="zh-CN" sz="2400" b="1" dirty="0">
+                <a:latin typeface="+mn-ea"/>
+              </a:rPr>
+              <a:t>基本内置类型=算数类型+空类型</a:t>
+            </a:r>
+            <a:endParaRPr lang="en-US" altLang="zh-CN" sz="2400" b="1" dirty="0">
+              <a:latin typeface="+mn-ea"/>
+            </a:endParaRPr>
+          </a:p>
+          <a:p>
+            <a:pPr marR="0" indent="0" eaLnBrk="1" hangingPunct="1">
+              <a:lnSpc>
+                <a:spcPct val="100000"/>
+              </a:lnSpc>
+              <a:buClrTx/>
+              <a:buSzTx/>
+              <a:buFontTx/>
+              <a:buNone/>
+              <a:tabLst/>
+            </a:pPr>
+            <a:endParaRPr lang="zh-CN" altLang="zh-CN" sz="2400" b="1" dirty="0">
+              <a:latin typeface="+mn-ea"/>
+            </a:endParaRPr>
+          </a:p>
+          <a:p>
+            <a:pPr marR="0" indent="0" eaLnBrk="1" hangingPunct="1">
+              <a:lnSpc>
+                <a:spcPct val="100000"/>
+              </a:lnSpc>
+              <a:buClrTx/>
+              <a:buSzTx/>
+              <a:buFontTx/>
+              <a:buNone/>
+              <a:tabLst/>
+            </a:pPr>
+            <a:r>
+              <a:rPr lang="zh-CN" altLang="zh-CN" sz="2400" b="1" dirty="0">
+                <a:latin typeface="+mn-ea"/>
+              </a:rPr>
+              <a:t>算术类型=字符类型+整数型+布尔值+浮点数</a:t>
+            </a:r>
+          </a:p>
+        </p:txBody>
+      </p:sp>
+      <p:sp>
+        <p:nvSpPr>
+          <p:cNvPr id="5" name="矩形 4">
+            <a:extLst>
+              <a:ext uri="{FF2B5EF4-FFF2-40B4-BE49-F238E27FC236}">
+                <a16:creationId xmlns:a16="http://schemas.microsoft.com/office/drawing/2014/main" id="{CCA14CC4-DCDF-4B98-885D-AE39794D0326}"/>
+              </a:ext>
+            </a:extLst>
+          </p:cNvPr>
+          <p:cNvSpPr/>
+          <p:nvPr/>
+        </p:nvSpPr>
+        <p:spPr>
+          <a:xfrm>
+            <a:off x="288268" y="288399"/>
+            <a:ext cx="2492990" cy="584775"/>
+          </a:xfrm>
+          <a:prstGeom prst="rect">
+            <a:avLst/>
+          </a:prstGeom>
+        </p:spPr>
+        <p:txBody>
+          <a:bodyPr wrap="none">
+            <a:spAutoFit/>
+          </a:bodyPr>
+          <a:lstStyle/>
+          <a:p>
+            <a:pPr lvl="0" fontAlgn="base">
               <a:spcBef>
                 <a:spcPct val="0"/>
               </a:spcBef>
               <a:spcAft>
                 <a:spcPct val="0"/>
               </a:spcAft>
-              <a:buClrTx/>
-              <a:buSzTx/>
-              <a:buFontTx/>
-              <a:buNone/>
-              <a:tabLst/>
             </a:pPr>
             <a:r>
-              <a:rPr kumimoji="0" lang="zh-CN" altLang="zh-CN" sz="2400" b="0" i="0" u="none" strike="noStrike" cap="none" normalizeH="0" baseline="0">
-                <a:ln>
-                  <a:noFill/>
-                </a:ln>
-                <a:effectLst/>
+              <a:rPr lang="en-US" altLang="zh-CN" sz="3200" b="1" dirty="0">
                 <a:latin typeface="+mn-ea"/>
               </a:rPr>
-              <a:t>全局作用域和块作用域，以{ }为限</a:t>
-            </a:r>
-          </a:p>
-          <a:p>
-            <a:pPr marL="0" marR="0" lvl="0" indent="0" algn="l" defTabSz="914400" rtl="0" eaLnBrk="0" fontAlgn="base" latinLnBrk="0" hangingPunct="0">
-              <a:lnSpc>
-                <a:spcPct val="100000"/>
-              </a:lnSpc>
-              <a:spcBef>
-                <a:spcPct val="0"/>
-              </a:spcBef>
-              <a:spcAft>
-                <a:spcPct val="0"/>
-              </a:spcAft>
-              <a:buClrTx/>
-              <a:buSzTx/>
-              <a:buFontTx/>
-              <a:buNone/>
-              <a:tabLst/>
-            </a:pPr>
-            <a:r>
-              <a:rPr kumimoji="0" lang="zh-CN" altLang="zh-CN" sz="2400" b="0" i="0" u="none" strike="noStrike" cap="none" normalizeH="0" baseline="0">
-                <a:ln>
-                  <a:noFill/>
-                </a:ln>
-                <a:effectLst/>
+              <a:t>2.1 </a:t>
+            </a:r>
+            <a:r>
+              <a:rPr lang="zh-CN" altLang="zh-CN" sz="3200" b="1" dirty="0">
                 <a:latin typeface="+mn-ea"/>
               </a:rPr>
-              <a:t>嵌套作用域： 嵌套后分内层作用域和外层作用域</a:t>
-            </a:r>
-            <a:endParaRPr kumimoji="0" lang="zh-CN" altLang="zh-CN" sz="2400" b="0" i="0" u="none" strike="noStrike" cap="none" normalizeH="0" baseline="0" dirty="0">
-              <a:ln>
-                <a:noFill/>
-              </a:ln>
-              <a:effectLst/>
-              <a:latin typeface="+mn-ea"/>
-            </a:endParaRPr>
-          </a:p>
-        </p:txBody>
-      </p:sp>
-      <p:sp>
-        <p:nvSpPr>
-          <p:cNvPr id="5" name="矩形 4">
-            <a:extLst>
-              <a:ext uri="{FF2B5EF4-FFF2-40B4-BE49-F238E27FC236}">
-                <a16:creationId xmlns:a16="http://schemas.microsoft.com/office/drawing/2014/main" id="{AFF1A636-39DE-4B36-BF2A-5A81B525BCDF}"/>
+              <a:t>基本类型</a:t>
+            </a:r>
+          </a:p>
+        </p:txBody>
+      </p:sp>
+      <p:sp>
+        <p:nvSpPr>
+          <p:cNvPr id="11" name="矩形 10">
+            <a:extLst>
+              <a:ext uri="{FF2B5EF4-FFF2-40B4-BE49-F238E27FC236}">
+                <a16:creationId xmlns:a16="http://schemas.microsoft.com/office/drawing/2014/main" id="{062F1B84-2816-41AC-94CF-C1DDDF5BE2A5}"/>
               </a:ext>
             </a:extLst>
           </p:cNvPr>
@@ -10254,35 +10035,112 @@
         </p:nvSpPr>
         <p:spPr>
           <a:xfrm>
-            <a:off x="3164795" y="4432392"/>
-            <a:ext cx="6167073" cy="461665"/>
+            <a:off x="7667625" y="3245613"/>
+            <a:ext cx="3219450" cy="2031325"/>
           </a:xfrm>
           <a:prstGeom prst="rect">
             <a:avLst/>
           </a:prstGeom>
         </p:spPr>
         <p:txBody>
-          <a:bodyPr wrap="none">
+          <a:bodyPr wrap="square">
             <a:spAutoFit/>
           </a:bodyPr>
           <a:lstStyle/>
           <a:p>
             <a:r>
-              <a:rPr lang="zh-CN" altLang="en-US" sz="2400" dirty="0"/>
-              <a:t>::域操作</a:t>
-            </a:r>
-            <a:r>
-              <a:rPr lang="zh-CN" altLang="en-US" sz="2400" b="1" dirty="0">
-                <a:solidFill>
-                  <a:srgbClr val="00B050"/>
-                </a:solidFill>
+              <a:rPr lang="zh-CN" altLang="en-US" b="1" dirty="0"/>
+              <a:t>char ：1个字节</a:t>
+            </a:r>
+          </a:p>
+          <a:p>
+            <a:r>
+              <a:rPr lang="zh-CN" altLang="en-US" b="1" dirty="0"/>
+              <a:t>wchar_t：2个字节</a:t>
+            </a:r>
+            <a:endParaRPr lang="en-US" altLang="zh-CN" b="1" dirty="0"/>
+          </a:p>
+          <a:p>
+            <a:r>
+              <a:rPr lang="en-US" altLang="zh-CN" b="1" dirty="0"/>
+              <a:t>void</a:t>
+            </a:r>
+            <a:r>
+              <a:rPr lang="zh-CN" altLang="en-US" b="1" dirty="0"/>
+              <a:t>*(指针变量): 8个字节</a:t>
+            </a:r>
+          </a:p>
+          <a:p>
+            <a:r>
+              <a:rPr lang="zh-CN" altLang="en-US" b="1" dirty="0"/>
+              <a:t>int： 4个字节</a:t>
+            </a:r>
+          </a:p>
+          <a:p>
+            <a:r>
+              <a:rPr lang="zh-CN" altLang="en-US" b="1" dirty="0"/>
+              <a:t>unsigned int : 4个字节</a:t>
+            </a:r>
+          </a:p>
+          <a:p>
+            <a:r>
+              <a:rPr lang="zh-CN" altLang="en-US" b="1" dirty="0"/>
+              <a:t>float: 4个字节</a:t>
+            </a:r>
+          </a:p>
+          <a:p>
+            <a:r>
+              <a:rPr lang="zh-CN" altLang="en-US" b="1" dirty="0"/>
+              <a:t>double:  8个字节</a:t>
+            </a:r>
+          </a:p>
+        </p:txBody>
+      </p:sp>
+      <p:sp>
+        <p:nvSpPr>
+          <p:cNvPr id="12" name="文本框 11">
+            <a:extLst>
+              <a:ext uri="{FF2B5EF4-FFF2-40B4-BE49-F238E27FC236}">
+                <a16:creationId xmlns:a16="http://schemas.microsoft.com/office/drawing/2014/main" id="{AB60CE66-EF70-49BE-A02F-102AB6C27324}"/>
+              </a:ext>
+            </a:extLst>
+          </p:cNvPr>
+          <p:cNvSpPr txBox="1"/>
+          <p:nvPr/>
+        </p:nvSpPr>
+        <p:spPr>
+          <a:xfrm>
+            <a:off x="803925" y="3647895"/>
+            <a:ext cx="5130149" cy="1015663"/>
+          </a:xfrm>
+          <a:prstGeom prst="rect">
+            <a:avLst/>
+          </a:prstGeom>
+          <a:noFill/>
+        </p:spPr>
+        <p:txBody>
+          <a:bodyPr wrap="square" rtlCol="0">
+            <a:spAutoFit/>
+          </a:bodyPr>
+          <a:lstStyle/>
+          <a:p>
+            <a:r>
+              <a:rPr lang="zh-CN" altLang="en-US" sz="6000" b="1" dirty="0">
                 <a:latin typeface="+mn-ea"/>
               </a:rPr>
-              <a:t>注释</a:t>
-            </a:r>
-            <a:r>
-              <a:rPr lang="zh-CN" altLang="en-US" sz="2400" dirty="0"/>
-              <a:t>符左侧为空，调用全局中的变量</a:t>
+              <a:t>在</a:t>
+            </a:r>
+            <a:r>
+              <a:rPr lang="en-US" altLang="zh-CN" sz="6000" b="1" dirty="0">
+                <a:latin typeface="+mn-ea"/>
+              </a:rPr>
+              <a:t>64</a:t>
+            </a:r>
+            <a:r>
+              <a:rPr lang="zh-CN" altLang="en-US" sz="6000" b="1" dirty="0">
+                <a:latin typeface="+mn-ea"/>
+              </a:rPr>
+              <a:t>位机器上</a:t>
             </a:r>
           </a:p>
         </p:txBody>
@@ -10290,7 +10148,7 @@
     </p:spTree>
     <p:extLst>
       <p:ext uri="{BB962C8B-B14F-4D97-AF65-F5344CB8AC3E}">
-        <p14:creationId xmlns:p14="http://schemas.microsoft.com/office/powerpoint/2010/main" val="262636731"/>
+        <p14:creationId xmlns:p14="http://schemas.microsoft.com/office/powerpoint/2010/main" val="1367368557"/>
       </p:ext>
     </p:extLst>
   </p:cSld>
@@ -10332,58 +10190,7 @@
         <p:spPr>
           <a:xfrm>
             <a:off x="518176" y="466545"/>
-            <a:ext cx="7393790" cy="1015663"/>
-          </a:xfrm>
-          <a:prstGeom prst="rect">
-            <a:avLst/>
-          </a:prstGeom>
-          <a:solidFill>
-            <a:schemeClr val="bg2"/>
-          </a:solidFill>
-        </p:spPr>
-        <p:txBody>
-          <a:bodyPr wrap="square" rtlCol="0">
-            <a:spAutoFit/>
-          </a:bodyPr>
-          <a:lstStyle/>
-          <a:p>
-            <a:r>
-              <a:rPr lang="zh-CN" altLang="en-US" sz="6000" b="1" dirty="0">
-                <a:latin typeface="+mn-ea"/>
-              </a:rPr>
-              <a:t>复合类型</a:t>
-            </a:r>
-            <a:r>
-              <a:rPr lang="en-US" altLang="zh-CN" sz="6000" b="1" dirty="0">
-                <a:latin typeface="+mn-ea"/>
-              </a:rPr>
-              <a:t>:</a:t>
-            </a:r>
-            <a:r>
-              <a:rPr lang="zh-CN" altLang="en-US" sz="6000" b="1" dirty="0">
-                <a:latin typeface="+mn-ea"/>
-              </a:rPr>
-              <a:t>引用和指针</a:t>
-            </a:r>
-          </a:p>
-        </p:txBody>
-      </p:sp>
-      <p:sp>
-        <p:nvSpPr>
-          <p:cNvPr id="7" name="文本框 6">
-            <a:extLst>
-              <a:ext uri="{FF2B5EF4-FFF2-40B4-BE49-F238E27FC236}">
-                <a16:creationId xmlns:a16="http://schemas.microsoft.com/office/drawing/2014/main" id="{F2DE948A-1CAA-4351-BE39-ED5F086608C1}"/>
-              </a:ext>
-            </a:extLst>
-          </p:cNvPr>
-          <p:cNvSpPr txBox="1"/>
-          <p:nvPr/>
-        </p:nvSpPr>
-        <p:spPr>
-          <a:xfrm>
-            <a:off x="1610376" y="2587445"/>
-            <a:ext cx="6301590" cy="1015663"/>
+            <a:ext cx="5130149" cy="1015663"/>
           </a:xfrm>
           <a:prstGeom prst="rect">
             <a:avLst/>
@@ -10398,22 +10205,22 @@
           <a:p>
             <a:r>
               <a:rPr lang="zh-CN" altLang="en-US" sz="6000" b="1" dirty="0">
+                <a:highlight>
+                  <a:srgbClr val="C0C0C0"/>
+                </a:highlight>
                 <a:latin typeface="+mn-ea"/>
               </a:rPr>
-              <a:t>引用是类型别名</a:t>
-            </a:r>
-            <a:endParaRPr lang="en-US" altLang="zh-CN" sz="6000" b="1" dirty="0">
-              <a:latin typeface="+mn-ea"/>
-            </a:endParaRPr>
-          </a:p>
-        </p:txBody>
-      </p:sp>
-      <p:sp>
-        <p:nvSpPr>
-          <p:cNvPr id="8" name="文本框 7">
-            <a:extLst>
-              <a:ext uri="{FF2B5EF4-FFF2-40B4-BE49-F238E27FC236}">
-                <a16:creationId xmlns:a16="http://schemas.microsoft.com/office/drawing/2014/main" id="{46659E83-F713-40BF-964B-846CF2580AFE}"/>
+              <a:t>类型转换</a:t>
+            </a:r>
+          </a:p>
+        </p:txBody>
+      </p:sp>
+      <p:sp>
+        <p:nvSpPr>
+          <p:cNvPr id="48" name="文本框 47">
+            <a:extLst>
+              <a:ext uri="{FF2B5EF4-FFF2-40B4-BE49-F238E27FC236}">
+                <a16:creationId xmlns:a16="http://schemas.microsoft.com/office/drawing/2014/main" id="{D7BA841E-2C3E-4048-89EC-59FC62187BA3}"/>
               </a:ext>
             </a:extLst>
           </p:cNvPr>
@@ -10422,8 +10229,8 @@
         </p:nvSpPr>
         <p:spPr>
           <a:xfrm>
-            <a:off x="1610376" y="4009845"/>
-            <a:ext cx="6301590" cy="1015663"/>
+            <a:off x="3618563" y="2207954"/>
+            <a:ext cx="3739499" cy="1015663"/>
           </a:xfrm>
           <a:prstGeom prst="rect">
             <a:avLst/>
@@ -10440,9 +10247,46 @@
               <a:rPr lang="zh-CN" altLang="en-US" sz="6000" b="1" dirty="0">
                 <a:latin typeface="+mn-ea"/>
               </a:rPr>
-              <a:t>指针是数据类型</a:t>
-            </a:r>
-            <a:endParaRPr lang="en-US" altLang="zh-CN" sz="6000" b="1" dirty="0">
+              <a:t>向上转型</a:t>
+            </a:r>
+          </a:p>
+        </p:txBody>
+      </p:sp>
+      <p:sp>
+        <p:nvSpPr>
+          <p:cNvPr id="4" name="文本框 3">
+            <a:extLst>
+              <a:ext uri="{FF2B5EF4-FFF2-40B4-BE49-F238E27FC236}">
+                <a16:creationId xmlns:a16="http://schemas.microsoft.com/office/drawing/2014/main" id="{19E09A80-AF93-4F4C-844F-9A1A143FB3E3}"/>
+              </a:ext>
+            </a:extLst>
+          </p:cNvPr>
+          <p:cNvSpPr txBox="1"/>
+          <p:nvPr/>
+        </p:nvSpPr>
+        <p:spPr>
+          <a:xfrm>
+            <a:off x="994426" y="4101763"/>
+            <a:ext cx="10511774" cy="830997"/>
+          </a:xfrm>
+          <a:prstGeom prst="rect">
+            <a:avLst/>
+          </a:prstGeom>
+          <a:noFill/>
+        </p:spPr>
+        <p:txBody>
+          <a:bodyPr wrap="square" rtlCol="0">
+            <a:spAutoFit/>
+          </a:bodyPr>
+          <a:lstStyle/>
+          <a:p>
+            <a:r>
+              <a:rPr lang="en-US" altLang="zh-CN" sz="4800" b="1" dirty="0">
+                <a:latin typeface="+mn-ea"/>
+              </a:rPr>
+              <a:t>bool-&gt;int-&gt;long-&gt;float-&gt;double</a:t>
+            </a:r>
+            <a:endParaRPr lang="zh-CN" altLang="en-US" sz="4800" b="1" dirty="0">
               <a:latin typeface="+mn-ea"/>
             </a:endParaRPr>
           </a:p>
@@ -10451,7 +10295,7 @@
     </p:spTree>
     <p:extLst>
       <p:ext uri="{BB962C8B-B14F-4D97-AF65-F5344CB8AC3E}">
-        <p14:creationId xmlns:p14="http://schemas.microsoft.com/office/powerpoint/2010/main" val="3557918918"/>
+        <p14:creationId xmlns:p14="http://schemas.microsoft.com/office/powerpoint/2010/main" val="1378984394"/>
       </p:ext>
     </p:extLst>
   </p:cSld>
@@ -10480,10 +10324,10 @@
       </p:grpSpPr>
       <p:sp>
         <p:nvSpPr>
-          <p:cNvPr id="5" name="文本框 4">
-            <a:extLst>
-              <a:ext uri="{FF2B5EF4-FFF2-40B4-BE49-F238E27FC236}">
-                <a16:creationId xmlns:a16="http://schemas.microsoft.com/office/drawing/2014/main" id="{87D7020B-EEA1-465F-BFBB-58EAACD67653}"/>
+          <p:cNvPr id="6" name="文本框 5">
+            <a:extLst>
+              <a:ext uri="{FF2B5EF4-FFF2-40B4-BE49-F238E27FC236}">
+                <a16:creationId xmlns:a16="http://schemas.microsoft.com/office/drawing/2014/main" id="{A8746E2C-B96B-4186-B0EC-BE8E9F365025}"/>
               </a:ext>
             </a:extLst>
           </p:cNvPr>
@@ -10492,8 +10336,8 @@
         </p:nvSpPr>
         <p:spPr>
           <a:xfrm>
-            <a:off x="518176" y="2921168"/>
-            <a:ext cx="10149824" cy="2308324"/>
+            <a:off x="518176" y="466545"/>
+            <a:ext cx="5130149" cy="1015663"/>
           </a:xfrm>
           <a:prstGeom prst="rect">
             <a:avLst/>
@@ -10507,38 +10351,613 @@
           <a:lstStyle/>
           <a:p>
             <a:r>
-              <a:rPr lang="zh-CN" altLang="en-US" sz="4800" b="1" dirty="0">
+              <a:rPr lang="zh-CN" altLang="en-US" sz="6000" b="1" dirty="0">
+                <a:highlight>
+                  <a:srgbClr val="C0C0C0"/>
+                </a:highlight>
                 <a:latin typeface="+mn-ea"/>
               </a:rPr>
-              <a:t>指向指针的指针  </a:t>
-            </a:r>
-            <a:r>
-              <a:rPr lang="en-US" altLang="zh-CN" sz="4800" b="1" dirty="0">
-                <a:latin typeface="+mn-ea"/>
-              </a:rPr>
-              <a:t>VS </a:t>
-            </a:r>
-            <a:r>
-              <a:rPr lang="zh-CN" altLang="en-US" sz="4800" b="1" dirty="0">
-                <a:latin typeface="+mn-ea"/>
-              </a:rPr>
-              <a:t>指向引用的指针</a:t>
-            </a:r>
-            <a:endParaRPr lang="en-US" altLang="zh-CN" sz="4800" b="1" dirty="0">
-              <a:latin typeface="+mn-ea"/>
+              <a:t>字面值常量</a:t>
+            </a:r>
+          </a:p>
+        </p:txBody>
+      </p:sp>
+      <p:sp>
+        <p:nvSpPr>
+          <p:cNvPr id="3" name="Rectangle 2">
+            <a:extLst>
+              <a:ext uri="{FF2B5EF4-FFF2-40B4-BE49-F238E27FC236}">
+                <a16:creationId xmlns:a16="http://schemas.microsoft.com/office/drawing/2014/main" id="{237D703A-A18F-4474-ACDF-623FBE3F0982}"/>
+              </a:ext>
+            </a:extLst>
+          </p:cNvPr>
+          <p:cNvSpPr>
+            <a:spLocks noChangeArrowheads="1"/>
+          </p:cNvSpPr>
+          <p:nvPr/>
+        </p:nvSpPr>
+        <p:spPr bwMode="auto">
+          <a:xfrm>
+            <a:off x="828675" y="2895942"/>
+            <a:ext cx="1562100" cy="323165"/>
+          </a:xfrm>
+          <a:prstGeom prst="rect">
+            <a:avLst/>
+          </a:prstGeom>
+          <a:solidFill>
+            <a:srgbClr val="363B40"/>
+          </a:solidFill>
+          <a:ln>
+            <a:noFill/>
+          </a:ln>
+          <a:effectLst/>
+          <a:extLst>
+            <a:ext uri="{91240B29-F687-4F45-9708-019B960494DF}">
+              <a14:hiddenLine xmlns:a14="http://schemas.microsoft.com/office/drawing/2010/main" w="9525">
+                <a:solidFill>
+                  <a:schemeClr val="tx1"/>
+                </a:solidFill>
+                <a:miter lim="800000"/>
+                <a:headEnd/>
+                <a:tailEnd/>
+              </a14:hiddenLine>
+            </a:ext>
+            <a:ext uri="{AF507438-7753-43E0-B8FC-AC1667EBCBE1}">
+              <a14:hiddenEffects xmlns:a14="http://schemas.microsoft.com/office/drawing/2010/main">
+                <a:effectLst>
+                  <a:outerShdw dist="35921" dir="2700000" algn="ctr" rotWithShape="0">
+                    <a:schemeClr val="bg2"/>
+                  </a:outerShdw>
+                </a:effectLst>
+              </a14:hiddenEffects>
+            </a:ext>
+          </a:extLst>
+        </p:spPr>
+        <p:txBody>
+          <a:bodyPr vert="horz" wrap="square" lIns="91440" tIns="45720" rIns="91440" bIns="45720" numCol="1" anchor="ctr" anchorCtr="0" compatLnSpc="1">
+            <a:prstTxWarp prst="textNoShape">
+              <a:avLst/>
+            </a:prstTxWarp>
+            <a:spAutoFit/>
+          </a:bodyPr>
+          <a:lstStyle/>
+          <a:p>
+            <a:pPr marL="0" marR="0" lvl="0" indent="0" algn="l" defTabSz="914400" rtl="0" eaLnBrk="0" fontAlgn="base" latinLnBrk="0" hangingPunct="0">
+              <a:lnSpc>
+                <a:spcPct val="100000"/>
+              </a:lnSpc>
+              <a:spcBef>
+                <a:spcPct val="0"/>
+              </a:spcBef>
+              <a:spcAft>
+                <a:spcPct val="0"/>
+              </a:spcAft>
+              <a:buClrTx/>
+              <a:buSzTx/>
+              <a:buFontTx/>
+              <a:buNone/>
+              <a:tabLst/>
+            </a:pPr>
+            <a:r>
+              <a:rPr kumimoji="0" lang="zh-CN" altLang="zh-CN" sz="1500" b="1" i="0" u="none" strike="noStrike" cap="none" normalizeH="0" baseline="0">
+                <a:ln>
+                  <a:noFill/>
+                </a:ln>
+                <a:solidFill>
+                  <a:srgbClr val="DEDEDE"/>
+                </a:solidFill>
+                <a:effectLst/>
+                <a:latin typeface="Arial" panose="020B0604020202020204" pitchFamily="34" charset="0"/>
+                <a:ea typeface="Helvetica Neue"/>
+              </a:rPr>
+              <a:t>浮点型字面值</a:t>
+            </a:r>
+            <a:r>
+              <a:rPr kumimoji="0" lang="zh-CN" altLang="zh-CN" sz="700" b="0" i="0" u="none" strike="noStrike" cap="none" normalizeH="0" baseline="0">
+                <a:ln>
+                  <a:noFill/>
+                </a:ln>
+                <a:solidFill>
+                  <a:schemeClr val="tx1"/>
+                </a:solidFill>
+                <a:effectLst/>
+                <a:latin typeface="Arial" panose="020B0604020202020204" pitchFamily="34" charset="0"/>
+              </a:rPr>
+              <a:t> </a:t>
+            </a:r>
+            <a:endParaRPr kumimoji="0" lang="zh-CN" altLang="zh-CN" sz="1800" b="0" i="0" u="none" strike="noStrike" cap="none" normalizeH="0" baseline="0">
+              <a:ln>
+                <a:noFill/>
+              </a:ln>
+              <a:solidFill>
+                <a:schemeClr val="tx1"/>
+              </a:solidFill>
+              <a:effectLst/>
+              <a:latin typeface="Arial" panose="020B0604020202020204" pitchFamily="34" charset="0"/>
             </a:endParaRPr>
           </a:p>
-          <a:p>
-            <a:endParaRPr lang="en-US" altLang="zh-CN" sz="4800" b="1" dirty="0">
-              <a:latin typeface="+mn-ea"/>
+        </p:txBody>
+      </p:sp>
+      <p:sp>
+        <p:nvSpPr>
+          <p:cNvPr id="5" name="矩形 4">
+            <a:extLst>
+              <a:ext uri="{FF2B5EF4-FFF2-40B4-BE49-F238E27FC236}">
+                <a16:creationId xmlns:a16="http://schemas.microsoft.com/office/drawing/2014/main" id="{860D3C96-BD25-4972-8FEE-AFA3EE2E93EA}"/>
+              </a:ext>
+            </a:extLst>
+          </p:cNvPr>
+          <p:cNvSpPr/>
+          <p:nvPr/>
+        </p:nvSpPr>
+        <p:spPr>
+          <a:xfrm>
+            <a:off x="828675" y="3329077"/>
+            <a:ext cx="3339465" cy="1754326"/>
+          </a:xfrm>
+          <a:prstGeom prst="rect">
+            <a:avLst/>
+          </a:prstGeom>
+        </p:spPr>
+        <p:txBody>
+          <a:bodyPr wrap="square">
+            <a:spAutoFit/>
+          </a:bodyPr>
+          <a:lstStyle/>
+          <a:p>
+            <a:r>
+              <a:rPr lang="zh-CN" altLang="en-US" dirty="0"/>
+              <a:t>3.14159</a:t>
+            </a:r>
+          </a:p>
+          <a:p>
+            <a:r>
+              <a:rPr lang="zh-CN" altLang="en-US" dirty="0"/>
+              <a:t>3.14159E0</a:t>
+            </a:r>
+          </a:p>
+          <a:p>
+            <a:r>
+              <a:rPr lang="zh-CN" altLang="en-US" dirty="0"/>
+              <a:t>0.</a:t>
+            </a:r>
+          </a:p>
+          <a:p>
+            <a:r>
+              <a:rPr lang="zh-CN" altLang="en-US" dirty="0"/>
+              <a:t>0e0</a:t>
+            </a:r>
+          </a:p>
+          <a:p>
+            <a:r>
+              <a:rPr lang="zh-CN" altLang="en-US" dirty="0"/>
+              <a:t>.001</a:t>
+            </a:r>
+          </a:p>
+          <a:p>
+            <a:r>
+              <a:rPr lang="zh-CN" altLang="en-US" dirty="0"/>
+              <a:t>//默认为double类型</a:t>
+            </a:r>
+          </a:p>
+        </p:txBody>
+      </p:sp>
+      <p:sp>
+        <p:nvSpPr>
+          <p:cNvPr id="8" name="Rectangle 2">
+            <a:extLst>
+              <a:ext uri="{FF2B5EF4-FFF2-40B4-BE49-F238E27FC236}">
+                <a16:creationId xmlns:a16="http://schemas.microsoft.com/office/drawing/2014/main" id="{E0CFF027-9906-4CC8-B9DE-3FF10090C3FA}"/>
+              </a:ext>
+            </a:extLst>
+          </p:cNvPr>
+          <p:cNvSpPr>
+            <a:spLocks noChangeArrowheads="1"/>
+          </p:cNvSpPr>
+          <p:nvPr/>
+        </p:nvSpPr>
+        <p:spPr bwMode="auto">
+          <a:xfrm>
+            <a:off x="3180397" y="2885055"/>
+            <a:ext cx="1975485" cy="323165"/>
+          </a:xfrm>
+          <a:prstGeom prst="rect">
+            <a:avLst/>
+          </a:prstGeom>
+          <a:solidFill>
+            <a:srgbClr val="363B40"/>
+          </a:solidFill>
+          <a:ln>
+            <a:noFill/>
+          </a:ln>
+          <a:effectLst/>
+          <a:extLst>
+            <a:ext uri="{91240B29-F687-4F45-9708-019B960494DF}">
+              <a14:hiddenLine xmlns:a14="http://schemas.microsoft.com/office/drawing/2010/main" w="9525">
+                <a:solidFill>
+                  <a:schemeClr val="tx1"/>
+                </a:solidFill>
+                <a:miter lim="800000"/>
+                <a:headEnd/>
+                <a:tailEnd/>
+              </a14:hiddenLine>
+            </a:ext>
+            <a:ext uri="{AF507438-7753-43E0-B8FC-AC1667EBCBE1}">
+              <a14:hiddenEffects xmlns:a14="http://schemas.microsoft.com/office/drawing/2010/main">
+                <a:effectLst>
+                  <a:outerShdw dist="35921" dir="2700000" algn="ctr" rotWithShape="0">
+                    <a:schemeClr val="bg2"/>
+                  </a:outerShdw>
+                </a:effectLst>
+              </a14:hiddenEffects>
+            </a:ext>
+          </a:extLst>
+        </p:spPr>
+        <p:txBody>
+          <a:bodyPr vert="horz" wrap="square" lIns="91440" tIns="45720" rIns="91440" bIns="45720" numCol="1" anchor="ctr" anchorCtr="0" compatLnSpc="1">
+            <a:prstTxWarp prst="textNoShape">
+              <a:avLst/>
+            </a:prstTxWarp>
+            <a:spAutoFit/>
+          </a:bodyPr>
+          <a:lstStyle/>
+          <a:p>
+            <a:pPr lvl="0" eaLnBrk="0" fontAlgn="base" hangingPunct="0">
+              <a:spcBef>
+                <a:spcPct val="0"/>
+              </a:spcBef>
+              <a:spcAft>
+                <a:spcPct val="0"/>
+              </a:spcAft>
+            </a:pPr>
+            <a:r>
+              <a:rPr lang="zh-CN" altLang="en-US" sz="1500" b="1" dirty="0">
+                <a:solidFill>
+                  <a:srgbClr val="DEDEDE"/>
+                </a:solidFill>
+                <a:latin typeface="Arial" panose="020B0604020202020204" pitchFamily="34" charset="0"/>
+                <a:ea typeface="Helvetica Neue"/>
+              </a:rPr>
+              <a:t>字符和字符串字面值</a:t>
+            </a:r>
+            <a:endParaRPr kumimoji="0" lang="zh-CN" altLang="zh-CN" sz="1800" b="0" i="0" u="none" strike="noStrike" cap="none" normalizeH="0" baseline="0" dirty="0">
+              <a:ln>
+                <a:noFill/>
+              </a:ln>
+              <a:solidFill>
+                <a:schemeClr val="tx1"/>
+              </a:solidFill>
+              <a:effectLst/>
+              <a:latin typeface="Arial" panose="020B0604020202020204" pitchFamily="34" charset="0"/>
             </a:endParaRPr>
           </a:p>
-          <a:p>
-            <a:r>
-              <a:rPr lang="zh-CN" altLang="en-US" sz="4800" b="1" dirty="0">
-                <a:latin typeface="+mn-ea"/>
-              </a:rPr>
-              <a:t>指针的引用</a:t>
+        </p:txBody>
+      </p:sp>
+      <p:sp>
+        <p:nvSpPr>
+          <p:cNvPr id="7" name="矩形 6">
+            <a:extLst>
+              <a:ext uri="{FF2B5EF4-FFF2-40B4-BE49-F238E27FC236}">
+                <a16:creationId xmlns:a16="http://schemas.microsoft.com/office/drawing/2014/main" id="{73B3BFEE-4029-47E9-982C-185A42780D5F}"/>
+              </a:ext>
+            </a:extLst>
+          </p:cNvPr>
+          <p:cNvSpPr/>
+          <p:nvPr/>
+        </p:nvSpPr>
+        <p:spPr>
+          <a:xfrm>
+            <a:off x="3180397" y="3332928"/>
+            <a:ext cx="2866490" cy="369332"/>
+          </a:xfrm>
+          <a:prstGeom prst="rect">
+            <a:avLst/>
+          </a:prstGeom>
+        </p:spPr>
+        <p:txBody>
+          <a:bodyPr wrap="none">
+            <a:spAutoFit/>
+          </a:bodyPr>
+          <a:lstStyle/>
+          <a:p>
+            <a:r>
+              <a:rPr lang="zh-CN" altLang="en-US" dirty="0"/>
+              <a:t>'a'  //字符字面值  char类型</a:t>
+            </a:r>
+          </a:p>
+        </p:txBody>
+      </p:sp>
+      <p:sp>
+        <p:nvSpPr>
+          <p:cNvPr id="9" name="矩形 8">
+            <a:extLst>
+              <a:ext uri="{FF2B5EF4-FFF2-40B4-BE49-F238E27FC236}">
+                <a16:creationId xmlns:a16="http://schemas.microsoft.com/office/drawing/2014/main" id="{D0DA86C9-0040-41D1-9480-FA32EAF930E7}"/>
+              </a:ext>
+            </a:extLst>
+          </p:cNvPr>
+          <p:cNvSpPr/>
+          <p:nvPr/>
+        </p:nvSpPr>
+        <p:spPr>
+          <a:xfrm>
+            <a:off x="3180397" y="3833390"/>
+            <a:ext cx="4296369" cy="369332"/>
+          </a:xfrm>
+          <a:prstGeom prst="rect">
+            <a:avLst/>
+          </a:prstGeom>
+        </p:spPr>
+        <p:txBody>
+          <a:bodyPr wrap="none">
+            <a:spAutoFit/>
+          </a:bodyPr>
+          <a:lstStyle/>
+          <a:p>
+            <a:r>
+              <a:rPr lang="zh-CN" altLang="en-US" dirty="0"/>
+              <a:t>"Hello World!"  //字符串字面值  char数组</a:t>
+            </a:r>
+          </a:p>
+        </p:txBody>
+      </p:sp>
+      <p:sp>
+        <p:nvSpPr>
+          <p:cNvPr id="13" name="矩形 12">
+            <a:extLst>
+              <a:ext uri="{FF2B5EF4-FFF2-40B4-BE49-F238E27FC236}">
+                <a16:creationId xmlns:a16="http://schemas.microsoft.com/office/drawing/2014/main" id="{BCB9D634-9BB7-4F6A-AFEA-4A8525E56846}"/>
+              </a:ext>
+            </a:extLst>
+          </p:cNvPr>
+          <p:cNvSpPr/>
+          <p:nvPr/>
+        </p:nvSpPr>
+        <p:spPr>
+          <a:xfrm>
+            <a:off x="7226015" y="3362876"/>
+            <a:ext cx="1091966" cy="369332"/>
+          </a:xfrm>
+          <a:prstGeom prst="rect">
+            <a:avLst/>
+          </a:prstGeom>
+        </p:spPr>
+        <p:txBody>
+          <a:bodyPr wrap="none">
+            <a:spAutoFit/>
+          </a:bodyPr>
+          <a:lstStyle/>
+          <a:p>
+            <a:r>
+              <a:rPr lang="en-US" altLang="zh-CN" dirty="0"/>
+              <a:t>true false</a:t>
+            </a:r>
+            <a:endParaRPr lang="zh-CN" altLang="en-US" dirty="0"/>
+          </a:p>
+        </p:txBody>
+      </p:sp>
+      <p:sp>
+        <p:nvSpPr>
+          <p:cNvPr id="14" name="Rectangle 2">
+            <a:extLst>
+              <a:ext uri="{FF2B5EF4-FFF2-40B4-BE49-F238E27FC236}">
+                <a16:creationId xmlns:a16="http://schemas.microsoft.com/office/drawing/2014/main" id="{0C54A5F0-66CD-4369-B67E-03F38AAADC35}"/>
+              </a:ext>
+            </a:extLst>
+          </p:cNvPr>
+          <p:cNvSpPr>
+            <a:spLocks noChangeArrowheads="1"/>
+          </p:cNvSpPr>
+          <p:nvPr/>
+        </p:nvSpPr>
+        <p:spPr bwMode="auto">
+          <a:xfrm>
+            <a:off x="7226015" y="2863027"/>
+            <a:ext cx="1975485" cy="323165"/>
+          </a:xfrm>
+          <a:prstGeom prst="rect">
+            <a:avLst/>
+          </a:prstGeom>
+          <a:solidFill>
+            <a:srgbClr val="363B40"/>
+          </a:solidFill>
+          <a:ln>
+            <a:noFill/>
+          </a:ln>
+          <a:effectLst/>
+          <a:extLst>
+            <a:ext uri="{91240B29-F687-4F45-9708-019B960494DF}">
+              <a14:hiddenLine xmlns:a14="http://schemas.microsoft.com/office/drawing/2010/main" w="9525">
+                <a:solidFill>
+                  <a:schemeClr val="tx1"/>
+                </a:solidFill>
+                <a:miter lim="800000"/>
+                <a:headEnd/>
+                <a:tailEnd/>
+              </a14:hiddenLine>
+            </a:ext>
+            <a:ext uri="{AF507438-7753-43E0-B8FC-AC1667EBCBE1}">
+              <a14:hiddenEffects xmlns:a14="http://schemas.microsoft.com/office/drawing/2010/main">
+                <a:effectLst>
+                  <a:outerShdw dist="35921" dir="2700000" algn="ctr" rotWithShape="0">
+                    <a:schemeClr val="bg2"/>
+                  </a:outerShdw>
+                </a:effectLst>
+              </a14:hiddenEffects>
+            </a:ext>
+          </a:extLst>
+        </p:spPr>
+        <p:txBody>
+          <a:bodyPr vert="horz" wrap="square" lIns="91440" tIns="45720" rIns="91440" bIns="45720" numCol="1" anchor="ctr" anchorCtr="0" compatLnSpc="1">
+            <a:prstTxWarp prst="textNoShape">
+              <a:avLst/>
+            </a:prstTxWarp>
+            <a:spAutoFit/>
+          </a:bodyPr>
+          <a:lstStyle/>
+          <a:p>
+            <a:pPr lvl="0" eaLnBrk="0" fontAlgn="base" hangingPunct="0">
+              <a:spcBef>
+                <a:spcPct val="0"/>
+              </a:spcBef>
+              <a:spcAft>
+                <a:spcPct val="0"/>
+              </a:spcAft>
+            </a:pPr>
+            <a:r>
+              <a:rPr lang="en-US" altLang="zh-CN" sz="1500" b="1" dirty="0">
+                <a:solidFill>
+                  <a:srgbClr val="DEDEDE"/>
+                </a:solidFill>
+                <a:latin typeface="Arial" panose="020B0604020202020204" pitchFamily="34" charset="0"/>
+                <a:ea typeface="Helvetica Neue"/>
+              </a:rPr>
+              <a:t>bool</a:t>
+            </a:r>
+            <a:r>
+              <a:rPr lang="zh-CN" altLang="en-US" sz="1500" b="1" dirty="0">
+                <a:solidFill>
+                  <a:srgbClr val="DEDEDE"/>
+                </a:solidFill>
+                <a:latin typeface="Arial" panose="020B0604020202020204" pitchFamily="34" charset="0"/>
+                <a:ea typeface="Helvetica Neue"/>
+              </a:rPr>
+              <a:t>字面值</a:t>
+            </a:r>
+            <a:endParaRPr kumimoji="0" lang="zh-CN" altLang="zh-CN" sz="1800" b="0" i="0" u="none" strike="noStrike" cap="none" normalizeH="0" baseline="0" dirty="0">
+              <a:ln>
+                <a:noFill/>
+              </a:ln>
+              <a:solidFill>
+                <a:schemeClr val="tx1"/>
+              </a:solidFill>
+              <a:effectLst/>
+              <a:latin typeface="Arial" panose="020B0604020202020204" pitchFamily="34" charset="0"/>
+            </a:endParaRPr>
+          </a:p>
+        </p:txBody>
+      </p:sp>
+      <p:sp>
+        <p:nvSpPr>
+          <p:cNvPr id="15" name="Rectangle 2">
+            <a:extLst>
+              <a:ext uri="{FF2B5EF4-FFF2-40B4-BE49-F238E27FC236}">
+                <a16:creationId xmlns:a16="http://schemas.microsoft.com/office/drawing/2014/main" id="{B5E63A3F-8050-43F5-97A8-026045CBFBA4}"/>
+              </a:ext>
+            </a:extLst>
+          </p:cNvPr>
+          <p:cNvSpPr>
+            <a:spLocks noChangeArrowheads="1"/>
+          </p:cNvSpPr>
+          <p:nvPr/>
+        </p:nvSpPr>
+        <p:spPr bwMode="auto">
+          <a:xfrm>
+            <a:off x="9991122" y="2895941"/>
+            <a:ext cx="1975485" cy="323165"/>
+          </a:xfrm>
+          <a:prstGeom prst="rect">
+            <a:avLst/>
+          </a:prstGeom>
+          <a:solidFill>
+            <a:srgbClr val="363B40"/>
+          </a:solidFill>
+          <a:ln>
+            <a:noFill/>
+          </a:ln>
+          <a:effectLst/>
+          <a:extLst>
+            <a:ext uri="{91240B29-F687-4F45-9708-019B960494DF}">
+              <a14:hiddenLine xmlns:a14="http://schemas.microsoft.com/office/drawing/2010/main" w="9525">
+                <a:solidFill>
+                  <a:schemeClr val="tx1"/>
+                </a:solidFill>
+                <a:miter lim="800000"/>
+                <a:headEnd/>
+                <a:tailEnd/>
+              </a14:hiddenLine>
+            </a:ext>
+            <a:ext uri="{AF507438-7753-43E0-B8FC-AC1667EBCBE1}">
+              <a14:hiddenEffects xmlns:a14="http://schemas.microsoft.com/office/drawing/2010/main">
+                <a:effectLst>
+                  <a:outerShdw dist="35921" dir="2700000" algn="ctr" rotWithShape="0">
+                    <a:schemeClr val="bg2"/>
+                  </a:outerShdw>
+                </a:effectLst>
+              </a14:hiddenEffects>
+            </a:ext>
+          </a:extLst>
+        </p:spPr>
+        <p:txBody>
+          <a:bodyPr vert="horz" wrap="square" lIns="91440" tIns="45720" rIns="91440" bIns="45720" numCol="1" anchor="ctr" anchorCtr="0" compatLnSpc="1">
+            <a:prstTxWarp prst="textNoShape">
+              <a:avLst/>
+            </a:prstTxWarp>
+            <a:spAutoFit/>
+          </a:bodyPr>
+          <a:lstStyle/>
+          <a:p>
+            <a:pPr lvl="0" eaLnBrk="0" fontAlgn="base" hangingPunct="0">
+              <a:spcBef>
+                <a:spcPct val="0"/>
+              </a:spcBef>
+              <a:spcAft>
+                <a:spcPct val="0"/>
+              </a:spcAft>
+            </a:pPr>
+            <a:r>
+              <a:rPr lang="zh-CN" altLang="en-US" sz="1500" b="1" dirty="0">
+                <a:solidFill>
+                  <a:srgbClr val="DEDEDE"/>
+                </a:solidFill>
+                <a:latin typeface="Arial" panose="020B0604020202020204" pitchFamily="34" charset="0"/>
+                <a:ea typeface="Helvetica Neue"/>
+              </a:rPr>
+              <a:t>指针字面值</a:t>
+            </a:r>
+            <a:endParaRPr kumimoji="0" lang="zh-CN" altLang="zh-CN" sz="1800" b="0" i="0" u="none" strike="noStrike" cap="none" normalizeH="0" baseline="0" dirty="0">
+              <a:ln>
+                <a:noFill/>
+              </a:ln>
+              <a:solidFill>
+                <a:schemeClr val="tx1"/>
+              </a:solidFill>
+              <a:effectLst/>
+              <a:latin typeface="Arial" panose="020B0604020202020204" pitchFamily="34" charset="0"/>
+            </a:endParaRPr>
+          </a:p>
+        </p:txBody>
+      </p:sp>
+      <p:sp>
+        <p:nvSpPr>
+          <p:cNvPr id="12" name="矩形 11">
+            <a:extLst>
+              <a:ext uri="{FF2B5EF4-FFF2-40B4-BE49-F238E27FC236}">
+                <a16:creationId xmlns:a16="http://schemas.microsoft.com/office/drawing/2014/main" id="{67A7B83C-367F-484A-8977-63203348F9D1}"/>
+              </a:ext>
+            </a:extLst>
+          </p:cNvPr>
+          <p:cNvSpPr/>
+          <p:nvPr/>
+        </p:nvSpPr>
+        <p:spPr>
+          <a:xfrm>
+            <a:off x="9991122" y="3314095"/>
+            <a:ext cx="825867" cy="369332"/>
+          </a:xfrm>
+          <a:prstGeom prst="rect">
+            <a:avLst/>
+          </a:prstGeom>
+        </p:spPr>
+        <p:txBody>
+          <a:bodyPr wrap="none">
+            <a:spAutoFit/>
+          </a:bodyPr>
+          <a:lstStyle/>
+          <a:p>
+            <a:r>
+              <a:rPr lang="zh-CN" altLang="en-US" dirty="0"/>
+              <a:t>nullptr</a:t>
             </a:r>
           </a:p>
         </p:txBody>
@@ -10546,7 +10965,7 @@
     </p:spTree>
     <p:extLst>
       <p:ext uri="{BB962C8B-B14F-4D97-AF65-F5344CB8AC3E}">
-        <p14:creationId xmlns:p14="http://schemas.microsoft.com/office/powerpoint/2010/main" val="3215900855"/>
+        <p14:creationId xmlns:p14="http://schemas.microsoft.com/office/powerpoint/2010/main" val="2226071004"/>
       </p:ext>
     </p:extLst>
   </p:cSld>
@@ -10575,10 +10994,10 @@
       </p:grpSpPr>
       <p:sp>
         <p:nvSpPr>
-          <p:cNvPr id="5" name="文本框 4">
-            <a:extLst>
-              <a:ext uri="{FF2B5EF4-FFF2-40B4-BE49-F238E27FC236}">
-                <a16:creationId xmlns:a16="http://schemas.microsoft.com/office/drawing/2014/main" id="{87D7020B-EEA1-465F-BFBB-58EAACD67653}"/>
+          <p:cNvPr id="6" name="文本框 5">
+            <a:extLst>
+              <a:ext uri="{FF2B5EF4-FFF2-40B4-BE49-F238E27FC236}">
+                <a16:creationId xmlns:a16="http://schemas.microsoft.com/office/drawing/2014/main" id="{A8746E2C-B96B-4186-B0EC-BE8E9F365025}"/>
               </a:ext>
             </a:extLst>
           </p:cNvPr>
@@ -10587,8 +11006,8 @@
         </p:nvSpPr>
         <p:spPr>
           <a:xfrm>
-            <a:off x="416576" y="800268"/>
-            <a:ext cx="3926824" cy="830997"/>
+            <a:off x="518176" y="466545"/>
+            <a:ext cx="7393790" cy="1015663"/>
           </a:xfrm>
           <a:prstGeom prst="rect">
             <a:avLst/>
@@ -10602,110 +11021,112 @@
           <a:lstStyle/>
           <a:p>
             <a:r>
-              <a:rPr lang="en-US" altLang="zh-CN" sz="4800" b="1" dirty="0">
+              <a:rPr lang="en-US" altLang="zh-CN" sz="6000" b="1" dirty="0">
+                <a:highlight>
+                  <a:srgbClr val="C0C0C0"/>
+                </a:highlight>
                 <a:latin typeface="+mn-ea"/>
               </a:rPr>
-              <a:t>const</a:t>
-            </a:r>
-            <a:r>
-              <a:rPr lang="zh-CN" altLang="en-US" sz="4800" b="1" dirty="0">
+              <a:t>2.</a:t>
+            </a:r>
+            <a:r>
+              <a:rPr lang="zh-CN" altLang="en-US" sz="6000" b="1" dirty="0">
+                <a:highlight>
+                  <a:srgbClr val="C0C0C0"/>
+                </a:highlight>
                 <a:latin typeface="+mn-ea"/>
               </a:rPr>
-              <a:t>限定符</a:t>
-            </a:r>
-          </a:p>
-        </p:txBody>
-      </p:sp>
-      <p:sp>
-        <p:nvSpPr>
-          <p:cNvPr id="3" name="文本框 2">
-            <a:extLst>
-              <a:ext uri="{FF2B5EF4-FFF2-40B4-BE49-F238E27FC236}">
-                <a16:creationId xmlns:a16="http://schemas.microsoft.com/office/drawing/2014/main" id="{816313B8-9C82-42B4-A678-CF794C875BEE}"/>
-              </a:ext>
-            </a:extLst>
-          </p:cNvPr>
-          <p:cNvSpPr txBox="1"/>
+              <a:t>变量的声明和定义</a:t>
+            </a:r>
+          </a:p>
+        </p:txBody>
+      </p:sp>
+      <p:sp>
+        <p:nvSpPr>
+          <p:cNvPr id="2" name="矩形 1">
+            <a:extLst>
+              <a:ext uri="{FF2B5EF4-FFF2-40B4-BE49-F238E27FC236}">
+                <a16:creationId xmlns:a16="http://schemas.microsoft.com/office/drawing/2014/main" id="{86AB9C32-E7ED-4D7B-ACE4-AB285AA1EDEF}"/>
+              </a:ext>
+            </a:extLst>
+          </p:cNvPr>
+          <p:cNvSpPr/>
           <p:nvPr/>
         </p:nvSpPr>
         <p:spPr>
           <a:xfrm>
-            <a:off x="1026176" y="2349500"/>
-            <a:ext cx="3926824" cy="830997"/>
+            <a:off x="3047999" y="2828836"/>
+            <a:ext cx="8309811" cy="1200329"/>
           </a:xfrm>
           <a:prstGeom prst="rect">
             <a:avLst/>
           </a:prstGeom>
-          <a:noFill/>
         </p:spPr>
         <p:txBody>
-          <a:bodyPr wrap="square" rtlCol="0">
+          <a:bodyPr wrap="square">
             <a:spAutoFit/>
           </a:bodyPr>
           <a:lstStyle/>
           <a:p>
             <a:r>
-              <a:rPr lang="en-US" altLang="zh-CN" sz="4800" b="1" dirty="0">
-                <a:latin typeface="+mn-ea"/>
-              </a:rPr>
-              <a:t>const</a:t>
-            </a:r>
-            <a:r>
-              <a:rPr lang="zh-CN" altLang="en-US" sz="4800" b="1" dirty="0">
-                <a:latin typeface="+mn-ea"/>
-              </a:rPr>
-              <a:t>引用</a:t>
-            </a:r>
-          </a:p>
-        </p:txBody>
-      </p:sp>
-      <p:sp>
-        <p:nvSpPr>
-          <p:cNvPr id="4" name="文本框 3">
-            <a:extLst>
-              <a:ext uri="{FF2B5EF4-FFF2-40B4-BE49-F238E27FC236}">
-                <a16:creationId xmlns:a16="http://schemas.microsoft.com/office/drawing/2014/main" id="{677CF7BD-3B12-40E7-868C-B539C08FFE92}"/>
-              </a:ext>
-            </a:extLst>
-          </p:cNvPr>
-          <p:cNvSpPr txBox="1"/>
+              <a:rPr lang="zh-CN" altLang="en-US" sz="2400" dirty="0"/>
+              <a:t>extern int i; //声明</a:t>
+            </a:r>
+          </a:p>
+          <a:p>
+            <a:r>
+              <a:rPr lang="zh-CN" altLang="en-US" sz="2400" dirty="0"/>
+              <a:t>extern int i=1; //定义  加了extern之后并初始化，则为定义</a:t>
+            </a:r>
+          </a:p>
+          <a:p>
+            <a:r>
+              <a:rPr lang="zh-CN" altLang="en-US" sz="2400" dirty="0"/>
+              <a:t>int j;  //声明并定义</a:t>
+            </a:r>
+          </a:p>
+        </p:txBody>
+      </p:sp>
+      <p:pic>
+        <p:nvPicPr>
+          <p:cNvPr id="4" name="图片 3">
+            <a:extLst>
+              <a:ext uri="{FF2B5EF4-FFF2-40B4-BE49-F238E27FC236}">
+                <a16:creationId xmlns:a16="http://schemas.microsoft.com/office/drawing/2014/main" id="{ACDD6ED8-5B3E-4C2D-929E-D17EE56DBD33}"/>
+              </a:ext>
+            </a:extLst>
+          </p:cNvPr>
+          <p:cNvPicPr>
+            <a:picLocks noChangeAspect="1"/>
+          </p:cNvPicPr>
           <p:nvPr/>
-        </p:nvSpPr>
+        </p:nvPicPr>
+        <p:blipFill>
+          <a:blip r:embed="rId3">
+            <a:extLst>
+              <a:ext uri="{28A0092B-C50C-407E-A947-70E740481C1C}">
+                <a14:useLocalDpi xmlns:a14="http://schemas.microsoft.com/office/drawing/2010/main" val="0"/>
+              </a:ext>
+            </a:extLst>
+          </a:blip>
+          <a:stretch>
+            <a:fillRect/>
+          </a:stretch>
+        </p:blipFill>
         <p:spPr>
           <a:xfrm>
-            <a:off x="1026176" y="3677504"/>
-            <a:ext cx="3926824" cy="830997"/>
+            <a:off x="294874" y="2421656"/>
+            <a:ext cx="2381250" cy="2457450"/>
           </a:xfrm>
           <a:prstGeom prst="rect">
             <a:avLst/>
           </a:prstGeom>
-          <a:noFill/>
         </p:spPr>
-        <p:txBody>
-          <a:bodyPr wrap="square" rtlCol="0">
-            <a:spAutoFit/>
-          </a:bodyPr>
-          <a:lstStyle/>
-          <a:p>
-            <a:r>
-              <a:rPr lang="en-US" altLang="zh-CN" sz="4800" b="1" dirty="0">
-                <a:latin typeface="+mn-ea"/>
-              </a:rPr>
-              <a:t>const</a:t>
-            </a:r>
-            <a:r>
-              <a:rPr lang="zh-CN" altLang="en-US" sz="4800" b="1" dirty="0">
-                <a:latin typeface="+mn-ea"/>
-              </a:rPr>
-              <a:t>指针</a:t>
-            </a:r>
-          </a:p>
-        </p:txBody>
-      </p:sp>
+      </p:pic>
     </p:spTree>
     <p:extLst>
       <p:ext uri="{BB962C8B-B14F-4D97-AF65-F5344CB8AC3E}">
-        <p14:creationId xmlns:p14="http://schemas.microsoft.com/office/powerpoint/2010/main" val="492254004"/>
+        <p14:creationId xmlns:p14="http://schemas.microsoft.com/office/powerpoint/2010/main" val="3320371402"/>
       </p:ext>
     </p:extLst>
   </p:cSld>
@@ -10734,6 +11155,1116 @@
       </p:grpSpPr>
       <p:sp>
         <p:nvSpPr>
+          <p:cNvPr id="6" name="文本框 5">
+            <a:extLst>
+              <a:ext uri="{FF2B5EF4-FFF2-40B4-BE49-F238E27FC236}">
+                <a16:creationId xmlns:a16="http://schemas.microsoft.com/office/drawing/2014/main" id="{A8746E2C-B96B-4186-B0EC-BE8E9F365025}"/>
+              </a:ext>
+            </a:extLst>
+          </p:cNvPr>
+          <p:cNvSpPr txBox="1"/>
+          <p:nvPr/>
+        </p:nvSpPr>
+        <p:spPr>
+          <a:xfrm>
+            <a:off x="518176" y="466545"/>
+            <a:ext cx="4663424" cy="1015663"/>
+          </a:xfrm>
+          <a:prstGeom prst="rect">
+            <a:avLst/>
+          </a:prstGeom>
+          <a:solidFill>
+            <a:schemeClr val="bg2"/>
+          </a:solidFill>
+        </p:spPr>
+        <p:txBody>
+          <a:bodyPr wrap="square" rtlCol="0">
+            <a:spAutoFit/>
+          </a:bodyPr>
+          <a:lstStyle/>
+          <a:p>
+            <a:r>
+              <a:rPr lang="zh-CN" altLang="en-US" sz="6000" b="1" dirty="0">
+                <a:latin typeface="+mn-ea"/>
+              </a:rPr>
+              <a:t>变量的名称</a:t>
+            </a:r>
+          </a:p>
+        </p:txBody>
+      </p:sp>
+      <p:sp>
+        <p:nvSpPr>
+          <p:cNvPr id="11" name="Rectangle 6">
+            <a:extLst>
+              <a:ext uri="{FF2B5EF4-FFF2-40B4-BE49-F238E27FC236}">
+                <a16:creationId xmlns:a16="http://schemas.microsoft.com/office/drawing/2014/main" id="{EF58FCE9-6830-40A7-9AAA-B3B2BBDB12B2}"/>
+              </a:ext>
+            </a:extLst>
+          </p:cNvPr>
+          <p:cNvSpPr>
+            <a:spLocks noChangeArrowheads="1"/>
+          </p:cNvSpPr>
+          <p:nvPr/>
+        </p:nvSpPr>
+        <p:spPr bwMode="auto">
+          <a:xfrm>
+            <a:off x="4466322" y="1913306"/>
+            <a:ext cx="6891288" cy="4478149"/>
+          </a:xfrm>
+          <a:prstGeom prst="rect">
+            <a:avLst/>
+          </a:prstGeom>
+          <a:noFill/>
+          <a:ln>
+            <a:noFill/>
+          </a:ln>
+          <a:effectLst/>
+          <a:extLst>
+            <a:ext uri="{909E8E84-426E-40DD-AFC4-6F175D3DCCD1}">
+              <a14:hiddenFill xmlns:a14="http://schemas.microsoft.com/office/drawing/2010/main">
+                <a:solidFill>
+                  <a:schemeClr val="accent1"/>
+                </a:solidFill>
+              </a14:hiddenFill>
+            </a:ext>
+            <a:ext uri="{91240B29-F687-4F45-9708-019B960494DF}">
+              <a14:hiddenLine xmlns:a14="http://schemas.microsoft.com/office/drawing/2010/main" w="9525">
+                <a:solidFill>
+                  <a:schemeClr val="tx1"/>
+                </a:solidFill>
+                <a:miter lim="800000"/>
+                <a:headEnd/>
+                <a:tailEnd/>
+              </a14:hiddenLine>
+            </a:ext>
+            <a:ext uri="{AF507438-7753-43E0-B8FC-AC1667EBCBE1}">
+              <a14:hiddenEffects xmlns:a14="http://schemas.microsoft.com/office/drawing/2010/main">
+                <a:effectLst>
+                  <a:outerShdw dist="35921" dir="2700000" algn="ctr" rotWithShape="0">
+                    <a:schemeClr val="bg2"/>
+                  </a:outerShdw>
+                </a:effectLst>
+              </a14:hiddenEffects>
+            </a:ext>
+          </a:extLst>
+        </p:spPr>
+        <p:txBody>
+          <a:bodyPr vert="horz" wrap="square" lIns="91440" tIns="0" rIns="91440" bIns="45720" numCol="1" anchor="ctr" anchorCtr="0" compatLnSpc="1">
+            <a:prstTxWarp prst="textNoShape">
+              <a:avLst/>
+            </a:prstTxWarp>
+            <a:spAutoFit/>
+          </a:bodyPr>
+          <a:lstStyle/>
+          <a:p>
+            <a:pPr marL="0" marR="0" lvl="0" indent="0" algn="l" defTabSz="914400" rtl="0" eaLnBrk="0" fontAlgn="base" latinLnBrk="0" hangingPunct="0">
+              <a:lnSpc>
+                <a:spcPct val="100000"/>
+              </a:lnSpc>
+              <a:spcBef>
+                <a:spcPct val="0"/>
+              </a:spcBef>
+              <a:spcAft>
+                <a:spcPct val="0"/>
+              </a:spcAft>
+              <a:buClrTx/>
+              <a:buSzTx/>
+              <a:buFontTx/>
+              <a:buNone/>
+              <a:tabLst/>
+            </a:pPr>
+            <a:r>
+              <a:rPr kumimoji="0" lang="zh-CN" altLang="zh-CN" sz="2400" b="0" i="0" u="none" strike="noStrike" cap="none" normalizeH="0" baseline="0" dirty="0">
+                <a:ln>
+                  <a:noFill/>
+                </a:ln>
+                <a:effectLst/>
+                <a:latin typeface="+mn-ea"/>
+              </a:rPr>
+              <a:t>变量的名字，由数字、字母、下划线组成</a:t>
+            </a:r>
+            <a:endParaRPr kumimoji="0" lang="en-US" altLang="zh-CN" sz="2400" b="0" i="0" u="none" strike="noStrike" cap="none" normalizeH="0" baseline="0" dirty="0">
+              <a:ln>
+                <a:noFill/>
+              </a:ln>
+              <a:effectLst/>
+              <a:latin typeface="+mn-ea"/>
+            </a:endParaRPr>
+          </a:p>
+          <a:p>
+            <a:pPr marL="0" marR="0" lvl="0" indent="0" algn="l" defTabSz="914400" rtl="0" eaLnBrk="0" fontAlgn="base" latinLnBrk="0" hangingPunct="0">
+              <a:lnSpc>
+                <a:spcPct val="100000"/>
+              </a:lnSpc>
+              <a:spcBef>
+                <a:spcPct val="0"/>
+              </a:spcBef>
+              <a:spcAft>
+                <a:spcPct val="0"/>
+              </a:spcAft>
+              <a:buClrTx/>
+              <a:buSzTx/>
+              <a:buFontTx/>
+              <a:buNone/>
+              <a:tabLst/>
+            </a:pPr>
+            <a:endParaRPr kumimoji="0" lang="zh-CN" altLang="zh-CN" sz="2400" b="0" i="0" u="none" strike="noStrike" cap="none" normalizeH="0" baseline="0" dirty="0">
+              <a:ln>
+                <a:noFill/>
+              </a:ln>
+              <a:effectLst/>
+              <a:latin typeface="+mn-ea"/>
+            </a:endParaRPr>
+          </a:p>
+          <a:p>
+            <a:pPr marL="0" marR="0" lvl="0" indent="0" algn="l" defTabSz="914400" rtl="0" eaLnBrk="0" fontAlgn="base" latinLnBrk="0" hangingPunct="0">
+              <a:lnSpc>
+                <a:spcPct val="100000"/>
+              </a:lnSpc>
+              <a:spcBef>
+                <a:spcPct val="0"/>
+              </a:spcBef>
+              <a:spcAft>
+                <a:spcPct val="0"/>
+              </a:spcAft>
+              <a:buClrTx/>
+              <a:buSzTx/>
+              <a:buFontTx/>
+              <a:buChar char="•"/>
+              <a:tabLst/>
+            </a:pPr>
+            <a:r>
+              <a:rPr kumimoji="0" lang="zh-CN" altLang="zh-CN" sz="2400" b="0" i="0" u="none" strike="noStrike" cap="none" normalizeH="0" baseline="0" dirty="0">
+                <a:ln>
+                  <a:noFill/>
+                </a:ln>
+                <a:effectLst/>
+                <a:latin typeface="+mn-ea"/>
+              </a:rPr>
+              <a:t>不能连续出现两个下划线</a:t>
+            </a:r>
+            <a:endParaRPr kumimoji="0" lang="en-US" altLang="zh-CN" sz="2400" b="0" i="0" u="none" strike="noStrike" cap="none" normalizeH="0" baseline="0" dirty="0">
+              <a:ln>
+                <a:noFill/>
+              </a:ln>
+              <a:effectLst/>
+              <a:latin typeface="+mn-ea"/>
+            </a:endParaRPr>
+          </a:p>
+          <a:p>
+            <a:pPr marL="0" marR="0" lvl="0" indent="0" algn="l" defTabSz="914400" rtl="0" eaLnBrk="0" fontAlgn="base" latinLnBrk="0" hangingPunct="0">
+              <a:lnSpc>
+                <a:spcPct val="100000"/>
+              </a:lnSpc>
+              <a:spcBef>
+                <a:spcPct val="0"/>
+              </a:spcBef>
+              <a:spcAft>
+                <a:spcPct val="0"/>
+              </a:spcAft>
+              <a:buClrTx/>
+              <a:buSzTx/>
+              <a:buFontTx/>
+              <a:buChar char="•"/>
+              <a:tabLst/>
+            </a:pPr>
+            <a:endParaRPr kumimoji="0" lang="zh-CN" altLang="zh-CN" sz="2400" b="0" i="0" u="none" strike="noStrike" cap="none" normalizeH="0" baseline="0" dirty="0">
+              <a:ln>
+                <a:noFill/>
+              </a:ln>
+              <a:effectLst/>
+              <a:latin typeface="+mn-ea"/>
+            </a:endParaRPr>
+          </a:p>
+          <a:p>
+            <a:pPr marL="0" marR="0" lvl="0" indent="0" algn="l" defTabSz="914400" rtl="0" eaLnBrk="0" fontAlgn="base" latinLnBrk="0" hangingPunct="0">
+              <a:lnSpc>
+                <a:spcPct val="100000"/>
+              </a:lnSpc>
+              <a:spcBef>
+                <a:spcPct val="0"/>
+              </a:spcBef>
+              <a:spcAft>
+                <a:spcPct val="0"/>
+              </a:spcAft>
+              <a:buClrTx/>
+              <a:buSzTx/>
+              <a:buFontTx/>
+              <a:buChar char="•"/>
+              <a:tabLst/>
+            </a:pPr>
+            <a:r>
+              <a:rPr kumimoji="0" lang="zh-CN" altLang="zh-CN" sz="2400" b="0" i="0" u="none" strike="noStrike" cap="none" normalizeH="0" baseline="0" dirty="0">
+                <a:ln>
+                  <a:noFill/>
+                </a:ln>
+                <a:effectLst/>
+                <a:latin typeface="+mn-ea"/>
+              </a:rPr>
+              <a:t>不能下划线紧连大写字母开头</a:t>
+            </a:r>
+            <a:endParaRPr kumimoji="0" lang="en-US" altLang="zh-CN" sz="2400" b="0" i="0" u="none" strike="noStrike" cap="none" normalizeH="0" baseline="0" dirty="0">
+              <a:ln>
+                <a:noFill/>
+              </a:ln>
+              <a:effectLst/>
+              <a:latin typeface="+mn-ea"/>
+            </a:endParaRPr>
+          </a:p>
+          <a:p>
+            <a:pPr marL="0" marR="0" lvl="0" indent="0" algn="l" defTabSz="914400" rtl="0" eaLnBrk="0" fontAlgn="base" latinLnBrk="0" hangingPunct="0">
+              <a:lnSpc>
+                <a:spcPct val="100000"/>
+              </a:lnSpc>
+              <a:spcBef>
+                <a:spcPct val="0"/>
+              </a:spcBef>
+              <a:spcAft>
+                <a:spcPct val="0"/>
+              </a:spcAft>
+              <a:buClrTx/>
+              <a:buSzTx/>
+              <a:buFontTx/>
+              <a:buChar char="•"/>
+              <a:tabLst/>
+            </a:pPr>
+            <a:endParaRPr kumimoji="0" lang="zh-CN" altLang="zh-CN" sz="2400" b="0" i="0" u="none" strike="noStrike" cap="none" normalizeH="0" baseline="0" dirty="0">
+              <a:ln>
+                <a:noFill/>
+              </a:ln>
+              <a:effectLst/>
+              <a:latin typeface="+mn-ea"/>
+            </a:endParaRPr>
+          </a:p>
+          <a:p>
+            <a:pPr marL="0" marR="0" lvl="0" indent="0" algn="l" defTabSz="914400" rtl="0" eaLnBrk="0" fontAlgn="base" latinLnBrk="0" hangingPunct="0">
+              <a:lnSpc>
+                <a:spcPct val="100000"/>
+              </a:lnSpc>
+              <a:spcBef>
+                <a:spcPct val="0"/>
+              </a:spcBef>
+              <a:spcAft>
+                <a:spcPct val="0"/>
+              </a:spcAft>
+              <a:buClrTx/>
+              <a:buSzTx/>
+              <a:buFontTx/>
+              <a:buChar char="•"/>
+              <a:tabLst/>
+            </a:pPr>
+            <a:r>
+              <a:rPr kumimoji="0" lang="zh-CN" altLang="zh-CN" sz="2400" b="0" i="0" u="none" strike="noStrike" cap="none" normalizeH="0" baseline="0" dirty="0">
+                <a:ln>
+                  <a:noFill/>
+                </a:ln>
+                <a:effectLst/>
+                <a:latin typeface="+mn-ea"/>
+              </a:rPr>
+              <a:t>定义在函数体外的标识符不能以下划线开头</a:t>
+            </a:r>
+            <a:endParaRPr kumimoji="0" lang="en-US" altLang="zh-CN" sz="2400" b="0" i="0" u="none" strike="noStrike" cap="none" normalizeH="0" baseline="0" dirty="0">
+              <a:ln>
+                <a:noFill/>
+              </a:ln>
+              <a:effectLst/>
+              <a:latin typeface="+mn-ea"/>
+            </a:endParaRPr>
+          </a:p>
+          <a:p>
+            <a:pPr marL="0" marR="0" lvl="0" indent="0" algn="l" defTabSz="914400" rtl="0" eaLnBrk="0" fontAlgn="base" latinLnBrk="0" hangingPunct="0">
+              <a:lnSpc>
+                <a:spcPct val="100000"/>
+              </a:lnSpc>
+              <a:spcBef>
+                <a:spcPct val="0"/>
+              </a:spcBef>
+              <a:spcAft>
+                <a:spcPct val="0"/>
+              </a:spcAft>
+              <a:buClrTx/>
+              <a:buSzTx/>
+              <a:buFontTx/>
+              <a:buChar char="•"/>
+              <a:tabLst/>
+            </a:pPr>
+            <a:endParaRPr lang="en-US" altLang="zh-CN" sz="2400" dirty="0">
+              <a:latin typeface="+mn-ea"/>
+            </a:endParaRPr>
+          </a:p>
+          <a:p>
+            <a:pPr marL="0" marR="0" lvl="0" indent="0" algn="l" defTabSz="914400" rtl="0" eaLnBrk="0" fontAlgn="base" latinLnBrk="0" hangingPunct="0">
+              <a:lnSpc>
+                <a:spcPct val="100000"/>
+              </a:lnSpc>
+              <a:spcBef>
+                <a:spcPct val="0"/>
+              </a:spcBef>
+              <a:spcAft>
+                <a:spcPct val="0"/>
+              </a:spcAft>
+              <a:buClrTx/>
+              <a:buSzTx/>
+              <a:buFontTx/>
+              <a:buChar char="•"/>
+              <a:tabLst/>
+            </a:pPr>
+            <a:r>
+              <a:rPr kumimoji="0" lang="zh-CN" altLang="zh-CN" sz="2400" b="0" i="0" u="none" strike="noStrike" cap="none" normalizeH="0" baseline="0" dirty="0">
+                <a:ln>
+                  <a:noFill/>
+                </a:ln>
+                <a:effectLst/>
+                <a:latin typeface="+mn-ea"/>
+              </a:rPr>
+              <a:t>区分大小写</a:t>
+            </a:r>
+            <a:endParaRPr kumimoji="0" lang="en-US" altLang="zh-CN" sz="2400" b="0" i="0" u="none" strike="noStrike" cap="none" normalizeH="0" baseline="0" dirty="0">
+              <a:ln>
+                <a:noFill/>
+              </a:ln>
+              <a:effectLst/>
+              <a:latin typeface="+mn-ea"/>
+            </a:endParaRPr>
+          </a:p>
+          <a:p>
+            <a:pPr marL="0" marR="0" lvl="0" indent="0" algn="l" defTabSz="914400" rtl="0" eaLnBrk="0" fontAlgn="base" latinLnBrk="0" hangingPunct="0">
+              <a:lnSpc>
+                <a:spcPct val="100000"/>
+              </a:lnSpc>
+              <a:spcBef>
+                <a:spcPct val="0"/>
+              </a:spcBef>
+              <a:spcAft>
+                <a:spcPct val="0"/>
+              </a:spcAft>
+              <a:buClrTx/>
+              <a:buSzTx/>
+              <a:buFontTx/>
+              <a:buChar char="•"/>
+              <a:tabLst/>
+            </a:pPr>
+            <a:endParaRPr kumimoji="0" lang="zh-CN" altLang="zh-CN" sz="2400" b="0" i="0" u="none" strike="noStrike" cap="none" normalizeH="0" baseline="0" dirty="0">
+              <a:ln>
+                <a:noFill/>
+              </a:ln>
+              <a:effectLst/>
+              <a:latin typeface="+mn-ea"/>
+            </a:endParaRPr>
+          </a:p>
+          <a:p>
+            <a:pPr marL="0" marR="0" lvl="0" indent="0" algn="l" defTabSz="914400" rtl="0" eaLnBrk="0" fontAlgn="base" latinLnBrk="0" hangingPunct="0">
+              <a:lnSpc>
+                <a:spcPct val="100000"/>
+              </a:lnSpc>
+              <a:spcBef>
+                <a:spcPct val="0"/>
+              </a:spcBef>
+              <a:spcAft>
+                <a:spcPct val="0"/>
+              </a:spcAft>
+              <a:buClrTx/>
+              <a:buSzTx/>
+              <a:buFontTx/>
+              <a:buChar char="•"/>
+              <a:tabLst/>
+            </a:pPr>
+            <a:r>
+              <a:rPr kumimoji="0" lang="zh-CN" altLang="zh-CN" sz="2400" b="0" i="0" u="none" strike="noStrike" cap="none" normalizeH="0" baseline="0" dirty="0">
+                <a:ln>
+                  <a:noFill/>
+                </a:ln>
+                <a:effectLst/>
+                <a:latin typeface="+mn-ea"/>
+              </a:rPr>
+              <a:t>不能与关键字重复</a:t>
+            </a:r>
+          </a:p>
+          <a:p>
+            <a:pPr marL="0" marR="0" lvl="0" indent="0" algn="l" defTabSz="914400" rtl="0" eaLnBrk="0" fontAlgn="base" latinLnBrk="0" hangingPunct="0">
+              <a:lnSpc>
+                <a:spcPct val="100000"/>
+              </a:lnSpc>
+              <a:spcBef>
+                <a:spcPct val="0"/>
+              </a:spcBef>
+              <a:spcAft>
+                <a:spcPct val="0"/>
+              </a:spcAft>
+              <a:buClrTx/>
+              <a:buSzTx/>
+              <a:buFontTx/>
+              <a:buNone/>
+              <a:tabLst/>
+            </a:pPr>
+            <a:endParaRPr kumimoji="0" lang="zh-CN" altLang="zh-CN" sz="2400" b="0" i="0" u="none" strike="noStrike" cap="none" normalizeH="0" baseline="0" dirty="0">
+              <a:ln>
+                <a:noFill/>
+              </a:ln>
+              <a:effectLst/>
+              <a:latin typeface="+mn-ea"/>
+            </a:endParaRPr>
+          </a:p>
+        </p:txBody>
+      </p:sp>
+    </p:spTree>
+    <p:extLst>
+      <p:ext uri="{BB962C8B-B14F-4D97-AF65-F5344CB8AC3E}">
+        <p14:creationId xmlns:p14="http://schemas.microsoft.com/office/powerpoint/2010/main" val="1783377144"/>
+      </p:ext>
+    </p:extLst>
+  </p:cSld>
+  <p:clrMapOvr>
+    <a:masterClrMapping/>
+  </p:clrMapOvr>
+</p:sld>
+</file>
+
+<file path=ppt/slides/slide26.xml><?xml version="1.0" encoding="utf-8"?>
+<p:sld xmlns:a="http://schemas.openxmlformats.org/drawingml/2006/main" xmlns:r="http://schemas.openxmlformats.org/officeDocument/2006/relationships" xmlns:p="http://schemas.openxmlformats.org/presentationml/2006/main">
+  <p:cSld>
+    <p:spTree>
+      <p:nvGrpSpPr>
+        <p:cNvPr id="1" name=""/>
+        <p:cNvGrpSpPr/>
+        <p:nvPr/>
+      </p:nvGrpSpPr>
+      <p:grpSpPr>
+        <a:xfrm>
+          <a:off x="0" y="0"/>
+          <a:ext cx="0" cy="0"/>
+          <a:chOff x="0" y="0"/>
+          <a:chExt cx="0" cy="0"/>
+        </a:xfrm>
+      </p:grpSpPr>
+      <p:sp>
+        <p:nvSpPr>
+          <p:cNvPr id="6" name="文本框 5">
+            <a:extLst>
+              <a:ext uri="{FF2B5EF4-FFF2-40B4-BE49-F238E27FC236}">
+                <a16:creationId xmlns:a16="http://schemas.microsoft.com/office/drawing/2014/main" id="{A8746E2C-B96B-4186-B0EC-BE8E9F365025}"/>
+              </a:ext>
+            </a:extLst>
+          </p:cNvPr>
+          <p:cNvSpPr txBox="1"/>
+          <p:nvPr/>
+        </p:nvSpPr>
+        <p:spPr>
+          <a:xfrm>
+            <a:off x="0" y="434061"/>
+            <a:ext cx="7393790" cy="1015663"/>
+          </a:xfrm>
+          <a:prstGeom prst="rect">
+            <a:avLst/>
+          </a:prstGeom>
+          <a:noFill/>
+        </p:spPr>
+        <p:txBody>
+          <a:bodyPr wrap="square" rtlCol="0">
+            <a:spAutoFit/>
+          </a:bodyPr>
+          <a:lstStyle/>
+          <a:p>
+            <a:r>
+              <a:rPr lang="zh-CN" altLang="en-US" sz="6000" b="1" dirty="0">
+                <a:latin typeface="+mn-ea"/>
+              </a:rPr>
+              <a:t>作用域</a:t>
+            </a:r>
+          </a:p>
+        </p:txBody>
+      </p:sp>
+      <p:sp>
+        <p:nvSpPr>
+          <p:cNvPr id="4" name="Rectangle 2">
+            <a:extLst>
+              <a:ext uri="{FF2B5EF4-FFF2-40B4-BE49-F238E27FC236}">
+                <a16:creationId xmlns:a16="http://schemas.microsoft.com/office/drawing/2014/main" id="{1E65920D-EAC9-4974-B4B7-287EA1B37CEE}"/>
+              </a:ext>
+            </a:extLst>
+          </p:cNvPr>
+          <p:cNvSpPr>
+            <a:spLocks noChangeArrowheads="1"/>
+          </p:cNvSpPr>
+          <p:nvPr/>
+        </p:nvSpPr>
+        <p:spPr bwMode="auto">
+          <a:xfrm>
+            <a:off x="2921000" y="2505502"/>
+            <a:ext cx="6731000" cy="830997"/>
+          </a:xfrm>
+          <a:prstGeom prst="rect">
+            <a:avLst/>
+          </a:prstGeom>
+          <a:noFill/>
+          <a:ln>
+            <a:noFill/>
+          </a:ln>
+          <a:effectLst/>
+          <a:extLst>
+            <a:ext uri="{909E8E84-426E-40DD-AFC4-6F175D3DCCD1}">
+              <a14:hiddenFill xmlns:a14="http://schemas.microsoft.com/office/drawing/2010/main">
+                <a:solidFill>
+                  <a:schemeClr val="accent1"/>
+                </a:solidFill>
+              </a14:hiddenFill>
+            </a:ext>
+            <a:ext uri="{91240B29-F687-4F45-9708-019B960494DF}">
+              <a14:hiddenLine xmlns:a14="http://schemas.microsoft.com/office/drawing/2010/main" w="9525">
+                <a:solidFill>
+                  <a:schemeClr val="tx1"/>
+                </a:solidFill>
+                <a:miter lim="800000"/>
+                <a:headEnd/>
+                <a:tailEnd/>
+              </a14:hiddenLine>
+            </a:ext>
+            <a:ext uri="{AF507438-7753-43E0-B8FC-AC1667EBCBE1}">
+              <a14:hiddenEffects xmlns:a14="http://schemas.microsoft.com/office/drawing/2010/main">
+                <a:effectLst>
+                  <a:outerShdw dist="35921" dir="2700000" algn="ctr" rotWithShape="0">
+                    <a:schemeClr val="bg2"/>
+                  </a:outerShdw>
+                </a:effectLst>
+              </a14:hiddenEffects>
+            </a:ext>
+          </a:extLst>
+        </p:spPr>
+        <p:txBody>
+          <a:bodyPr vert="horz" wrap="square" lIns="91440" tIns="45720" rIns="91440" bIns="45720" numCol="1" anchor="ctr" anchorCtr="0" compatLnSpc="1">
+            <a:prstTxWarp prst="textNoShape">
+              <a:avLst/>
+            </a:prstTxWarp>
+            <a:spAutoFit/>
+          </a:bodyPr>
+          <a:lstStyle>
+            <a:lvl1pPr eaLnBrk="0" fontAlgn="base" hangingPunct="0">
+              <a:spcBef>
+                <a:spcPct val="0"/>
+              </a:spcBef>
+              <a:spcAft>
+                <a:spcPct val="0"/>
+              </a:spcAft>
+              <a:defRPr>
+                <a:solidFill>
+                  <a:schemeClr val="tx1"/>
+                </a:solidFill>
+                <a:latin typeface="Arial" panose="020B0604020202020204" pitchFamily="34" charset="0"/>
+              </a:defRPr>
+            </a:lvl1pPr>
+            <a:lvl2pPr eaLnBrk="0" fontAlgn="base" hangingPunct="0">
+              <a:spcBef>
+                <a:spcPct val="0"/>
+              </a:spcBef>
+              <a:spcAft>
+                <a:spcPct val="0"/>
+              </a:spcAft>
+              <a:defRPr>
+                <a:solidFill>
+                  <a:schemeClr val="tx1"/>
+                </a:solidFill>
+                <a:latin typeface="Arial" panose="020B0604020202020204" pitchFamily="34" charset="0"/>
+              </a:defRPr>
+            </a:lvl2pPr>
+            <a:lvl3pPr eaLnBrk="0" fontAlgn="base" hangingPunct="0">
+              <a:spcBef>
+                <a:spcPct val="0"/>
+              </a:spcBef>
+              <a:spcAft>
+                <a:spcPct val="0"/>
+              </a:spcAft>
+              <a:defRPr>
+                <a:solidFill>
+                  <a:schemeClr val="tx1"/>
+                </a:solidFill>
+                <a:latin typeface="Arial" panose="020B0604020202020204" pitchFamily="34" charset="0"/>
+              </a:defRPr>
+            </a:lvl3pPr>
+            <a:lvl4pPr eaLnBrk="0" fontAlgn="base" hangingPunct="0">
+              <a:spcBef>
+                <a:spcPct val="0"/>
+              </a:spcBef>
+              <a:spcAft>
+                <a:spcPct val="0"/>
+              </a:spcAft>
+              <a:defRPr>
+                <a:solidFill>
+                  <a:schemeClr val="tx1"/>
+                </a:solidFill>
+                <a:latin typeface="Arial" panose="020B0604020202020204" pitchFamily="34" charset="0"/>
+              </a:defRPr>
+            </a:lvl4pPr>
+            <a:lvl5pPr eaLnBrk="0" fontAlgn="base" hangingPunct="0">
+              <a:spcBef>
+                <a:spcPct val="0"/>
+              </a:spcBef>
+              <a:spcAft>
+                <a:spcPct val="0"/>
+              </a:spcAft>
+              <a:defRPr>
+                <a:solidFill>
+                  <a:schemeClr val="tx1"/>
+                </a:solidFill>
+                <a:latin typeface="Arial" panose="020B0604020202020204" pitchFamily="34" charset="0"/>
+              </a:defRPr>
+            </a:lvl5pPr>
+            <a:lvl6pPr eaLnBrk="0" fontAlgn="base" hangingPunct="0">
+              <a:spcBef>
+                <a:spcPct val="0"/>
+              </a:spcBef>
+              <a:spcAft>
+                <a:spcPct val="0"/>
+              </a:spcAft>
+              <a:defRPr>
+                <a:solidFill>
+                  <a:schemeClr val="tx1"/>
+                </a:solidFill>
+                <a:latin typeface="Arial" panose="020B0604020202020204" pitchFamily="34" charset="0"/>
+              </a:defRPr>
+            </a:lvl6pPr>
+            <a:lvl7pPr eaLnBrk="0" fontAlgn="base" hangingPunct="0">
+              <a:spcBef>
+                <a:spcPct val="0"/>
+              </a:spcBef>
+              <a:spcAft>
+                <a:spcPct val="0"/>
+              </a:spcAft>
+              <a:defRPr>
+                <a:solidFill>
+                  <a:schemeClr val="tx1"/>
+                </a:solidFill>
+                <a:latin typeface="Arial" panose="020B0604020202020204" pitchFamily="34" charset="0"/>
+              </a:defRPr>
+            </a:lvl7pPr>
+            <a:lvl8pPr eaLnBrk="0" fontAlgn="base" hangingPunct="0">
+              <a:spcBef>
+                <a:spcPct val="0"/>
+              </a:spcBef>
+              <a:spcAft>
+                <a:spcPct val="0"/>
+              </a:spcAft>
+              <a:defRPr>
+                <a:solidFill>
+                  <a:schemeClr val="tx1"/>
+                </a:solidFill>
+                <a:latin typeface="Arial" panose="020B0604020202020204" pitchFamily="34" charset="0"/>
+              </a:defRPr>
+            </a:lvl8pPr>
+            <a:lvl9pPr eaLnBrk="0" fontAlgn="base" hangingPunct="0">
+              <a:spcBef>
+                <a:spcPct val="0"/>
+              </a:spcBef>
+              <a:spcAft>
+                <a:spcPct val="0"/>
+              </a:spcAft>
+              <a:defRPr>
+                <a:solidFill>
+                  <a:schemeClr val="tx1"/>
+                </a:solidFill>
+                <a:latin typeface="Arial" panose="020B0604020202020204" pitchFamily="34" charset="0"/>
+              </a:defRPr>
+            </a:lvl9pPr>
+          </a:lstStyle>
+          <a:p>
+            <a:pPr marL="0" marR="0" lvl="0" indent="0" algn="l" defTabSz="914400" rtl="0" eaLnBrk="0" fontAlgn="base" latinLnBrk="0" hangingPunct="0">
+              <a:lnSpc>
+                <a:spcPct val="100000"/>
+              </a:lnSpc>
+              <a:spcBef>
+                <a:spcPct val="0"/>
+              </a:spcBef>
+              <a:spcAft>
+                <a:spcPct val="0"/>
+              </a:spcAft>
+              <a:buClrTx/>
+              <a:buSzTx/>
+              <a:buFontTx/>
+              <a:buNone/>
+              <a:tabLst/>
+            </a:pPr>
+            <a:r>
+              <a:rPr kumimoji="0" lang="zh-CN" altLang="zh-CN" sz="2400" b="0" i="0" u="none" strike="noStrike" cap="none" normalizeH="0" baseline="0">
+                <a:ln>
+                  <a:noFill/>
+                </a:ln>
+                <a:effectLst/>
+                <a:latin typeface="+mn-ea"/>
+              </a:rPr>
+              <a:t>全局作用域和块作用域，以{ }为限</a:t>
+            </a:r>
+          </a:p>
+          <a:p>
+            <a:pPr marL="0" marR="0" lvl="0" indent="0" algn="l" defTabSz="914400" rtl="0" eaLnBrk="0" fontAlgn="base" latinLnBrk="0" hangingPunct="0">
+              <a:lnSpc>
+                <a:spcPct val="100000"/>
+              </a:lnSpc>
+              <a:spcBef>
+                <a:spcPct val="0"/>
+              </a:spcBef>
+              <a:spcAft>
+                <a:spcPct val="0"/>
+              </a:spcAft>
+              <a:buClrTx/>
+              <a:buSzTx/>
+              <a:buFontTx/>
+              <a:buNone/>
+              <a:tabLst/>
+            </a:pPr>
+            <a:r>
+              <a:rPr kumimoji="0" lang="zh-CN" altLang="zh-CN" sz="2400" b="0" i="0" u="none" strike="noStrike" cap="none" normalizeH="0" baseline="0">
+                <a:ln>
+                  <a:noFill/>
+                </a:ln>
+                <a:effectLst/>
+                <a:latin typeface="+mn-ea"/>
+              </a:rPr>
+              <a:t>嵌套作用域： 嵌套后分内层作用域和外层作用域</a:t>
+            </a:r>
+            <a:endParaRPr kumimoji="0" lang="zh-CN" altLang="zh-CN" sz="2400" b="0" i="0" u="none" strike="noStrike" cap="none" normalizeH="0" baseline="0" dirty="0">
+              <a:ln>
+                <a:noFill/>
+              </a:ln>
+              <a:effectLst/>
+              <a:latin typeface="+mn-ea"/>
+            </a:endParaRPr>
+          </a:p>
+        </p:txBody>
+      </p:sp>
+      <p:sp>
+        <p:nvSpPr>
+          <p:cNvPr id="5" name="矩形 4">
+            <a:extLst>
+              <a:ext uri="{FF2B5EF4-FFF2-40B4-BE49-F238E27FC236}">
+                <a16:creationId xmlns:a16="http://schemas.microsoft.com/office/drawing/2014/main" id="{AFF1A636-39DE-4B36-BF2A-5A81B525BCDF}"/>
+              </a:ext>
+            </a:extLst>
+          </p:cNvPr>
+          <p:cNvSpPr/>
+          <p:nvPr/>
+        </p:nvSpPr>
+        <p:spPr>
+          <a:xfrm>
+            <a:off x="3164795" y="4432392"/>
+            <a:ext cx="6167073" cy="461665"/>
+          </a:xfrm>
+          <a:prstGeom prst="rect">
+            <a:avLst/>
+          </a:prstGeom>
+        </p:spPr>
+        <p:txBody>
+          <a:bodyPr wrap="none">
+            <a:spAutoFit/>
+          </a:bodyPr>
+          <a:lstStyle/>
+          <a:p>
+            <a:r>
+              <a:rPr lang="zh-CN" altLang="en-US" sz="2400" dirty="0"/>
+              <a:t>::域操作</a:t>
+            </a:r>
+            <a:r>
+              <a:rPr lang="zh-CN" altLang="en-US" sz="2400" b="1" dirty="0">
+                <a:solidFill>
+                  <a:srgbClr val="00B050"/>
+                </a:solidFill>
+                <a:latin typeface="+mn-ea"/>
+              </a:rPr>
+              <a:t>注释</a:t>
+            </a:r>
+            <a:r>
+              <a:rPr lang="zh-CN" altLang="en-US" sz="2400" dirty="0"/>
+              <a:t>符左侧为空，调用全局中的变量</a:t>
+            </a:r>
+          </a:p>
+        </p:txBody>
+      </p:sp>
+    </p:spTree>
+    <p:extLst>
+      <p:ext uri="{BB962C8B-B14F-4D97-AF65-F5344CB8AC3E}">
+        <p14:creationId xmlns:p14="http://schemas.microsoft.com/office/powerpoint/2010/main" val="262636731"/>
+      </p:ext>
+    </p:extLst>
+  </p:cSld>
+  <p:clrMapOvr>
+    <a:masterClrMapping/>
+  </p:clrMapOvr>
+</p:sld>
+</file>
+
+<file path=ppt/slides/slide27.xml><?xml version="1.0" encoding="utf-8"?>
+<p:sld xmlns:a="http://schemas.openxmlformats.org/drawingml/2006/main" xmlns:r="http://schemas.openxmlformats.org/officeDocument/2006/relationships" xmlns:p="http://schemas.openxmlformats.org/presentationml/2006/main">
+  <p:cSld>
+    <p:spTree>
+      <p:nvGrpSpPr>
+        <p:cNvPr id="1" name=""/>
+        <p:cNvGrpSpPr/>
+        <p:nvPr/>
+      </p:nvGrpSpPr>
+      <p:grpSpPr>
+        <a:xfrm>
+          <a:off x="0" y="0"/>
+          <a:ext cx="0" cy="0"/>
+          <a:chOff x="0" y="0"/>
+          <a:chExt cx="0" cy="0"/>
+        </a:xfrm>
+      </p:grpSpPr>
+      <p:sp>
+        <p:nvSpPr>
+          <p:cNvPr id="6" name="文本框 5">
+            <a:extLst>
+              <a:ext uri="{FF2B5EF4-FFF2-40B4-BE49-F238E27FC236}">
+                <a16:creationId xmlns:a16="http://schemas.microsoft.com/office/drawing/2014/main" id="{A8746E2C-B96B-4186-B0EC-BE8E9F365025}"/>
+              </a:ext>
+            </a:extLst>
+          </p:cNvPr>
+          <p:cNvSpPr txBox="1"/>
+          <p:nvPr/>
+        </p:nvSpPr>
+        <p:spPr>
+          <a:xfrm>
+            <a:off x="518176" y="466545"/>
+            <a:ext cx="7393790" cy="1015663"/>
+          </a:xfrm>
+          <a:prstGeom prst="rect">
+            <a:avLst/>
+          </a:prstGeom>
+          <a:solidFill>
+            <a:schemeClr val="bg2"/>
+          </a:solidFill>
+        </p:spPr>
+        <p:txBody>
+          <a:bodyPr wrap="square" rtlCol="0">
+            <a:spAutoFit/>
+          </a:bodyPr>
+          <a:lstStyle/>
+          <a:p>
+            <a:r>
+              <a:rPr lang="zh-CN" altLang="en-US" sz="6000" b="1" dirty="0">
+                <a:latin typeface="+mn-ea"/>
+              </a:rPr>
+              <a:t>复合类型</a:t>
+            </a:r>
+            <a:r>
+              <a:rPr lang="en-US" altLang="zh-CN" sz="6000" b="1" dirty="0">
+                <a:latin typeface="+mn-ea"/>
+              </a:rPr>
+              <a:t>:</a:t>
+            </a:r>
+            <a:r>
+              <a:rPr lang="zh-CN" altLang="en-US" sz="6000" b="1" dirty="0">
+                <a:latin typeface="+mn-ea"/>
+              </a:rPr>
+              <a:t>引用和指针</a:t>
+            </a:r>
+          </a:p>
+        </p:txBody>
+      </p:sp>
+      <p:sp>
+        <p:nvSpPr>
+          <p:cNvPr id="7" name="文本框 6">
+            <a:extLst>
+              <a:ext uri="{FF2B5EF4-FFF2-40B4-BE49-F238E27FC236}">
+                <a16:creationId xmlns:a16="http://schemas.microsoft.com/office/drawing/2014/main" id="{F2DE948A-1CAA-4351-BE39-ED5F086608C1}"/>
+              </a:ext>
+            </a:extLst>
+          </p:cNvPr>
+          <p:cNvSpPr txBox="1"/>
+          <p:nvPr/>
+        </p:nvSpPr>
+        <p:spPr>
+          <a:xfrm>
+            <a:off x="1610376" y="2587445"/>
+            <a:ext cx="6301590" cy="1015663"/>
+          </a:xfrm>
+          <a:prstGeom prst="rect">
+            <a:avLst/>
+          </a:prstGeom>
+          <a:noFill/>
+        </p:spPr>
+        <p:txBody>
+          <a:bodyPr wrap="square" rtlCol="0">
+            <a:spAutoFit/>
+          </a:bodyPr>
+          <a:lstStyle/>
+          <a:p>
+            <a:r>
+              <a:rPr lang="zh-CN" altLang="en-US" sz="6000" b="1" dirty="0">
+                <a:latin typeface="+mn-ea"/>
+              </a:rPr>
+              <a:t>引用是类型别名</a:t>
+            </a:r>
+            <a:endParaRPr lang="en-US" altLang="zh-CN" sz="6000" b="1" dirty="0">
+              <a:latin typeface="+mn-ea"/>
+            </a:endParaRPr>
+          </a:p>
+        </p:txBody>
+      </p:sp>
+      <p:sp>
+        <p:nvSpPr>
+          <p:cNvPr id="8" name="文本框 7">
+            <a:extLst>
+              <a:ext uri="{FF2B5EF4-FFF2-40B4-BE49-F238E27FC236}">
+                <a16:creationId xmlns:a16="http://schemas.microsoft.com/office/drawing/2014/main" id="{46659E83-F713-40BF-964B-846CF2580AFE}"/>
+              </a:ext>
+            </a:extLst>
+          </p:cNvPr>
+          <p:cNvSpPr txBox="1"/>
+          <p:nvPr/>
+        </p:nvSpPr>
+        <p:spPr>
+          <a:xfrm>
+            <a:off x="1610376" y="4009845"/>
+            <a:ext cx="6301590" cy="1015663"/>
+          </a:xfrm>
+          <a:prstGeom prst="rect">
+            <a:avLst/>
+          </a:prstGeom>
+          <a:noFill/>
+        </p:spPr>
+        <p:txBody>
+          <a:bodyPr wrap="square" rtlCol="0">
+            <a:spAutoFit/>
+          </a:bodyPr>
+          <a:lstStyle/>
+          <a:p>
+            <a:r>
+              <a:rPr lang="zh-CN" altLang="en-US" sz="6000" b="1" dirty="0">
+                <a:latin typeface="+mn-ea"/>
+              </a:rPr>
+              <a:t>指针是数据类型</a:t>
+            </a:r>
+            <a:endParaRPr lang="en-US" altLang="zh-CN" sz="6000" b="1" dirty="0">
+              <a:latin typeface="+mn-ea"/>
+            </a:endParaRPr>
+          </a:p>
+        </p:txBody>
+      </p:sp>
+    </p:spTree>
+    <p:extLst>
+      <p:ext uri="{BB962C8B-B14F-4D97-AF65-F5344CB8AC3E}">
+        <p14:creationId xmlns:p14="http://schemas.microsoft.com/office/powerpoint/2010/main" val="3557918918"/>
+      </p:ext>
+    </p:extLst>
+  </p:cSld>
+  <p:clrMapOvr>
+    <a:masterClrMapping/>
+  </p:clrMapOvr>
+</p:sld>
+</file>
+
+<file path=ppt/slides/slide28.xml><?xml version="1.0" encoding="utf-8"?>
+<p:sld xmlns:a="http://schemas.openxmlformats.org/drawingml/2006/main" xmlns:r="http://schemas.openxmlformats.org/officeDocument/2006/relationships" xmlns:p="http://schemas.openxmlformats.org/presentationml/2006/main">
+  <p:cSld>
+    <p:spTree>
+      <p:nvGrpSpPr>
+        <p:cNvPr id="1" name=""/>
+        <p:cNvGrpSpPr/>
+        <p:nvPr/>
+      </p:nvGrpSpPr>
+      <p:grpSpPr>
+        <a:xfrm>
+          <a:off x="0" y="0"/>
+          <a:ext cx="0" cy="0"/>
+          <a:chOff x="0" y="0"/>
+          <a:chExt cx="0" cy="0"/>
+        </a:xfrm>
+      </p:grpSpPr>
+      <p:sp>
+        <p:nvSpPr>
+          <p:cNvPr id="5" name="文本框 4">
+            <a:extLst>
+              <a:ext uri="{FF2B5EF4-FFF2-40B4-BE49-F238E27FC236}">
+                <a16:creationId xmlns:a16="http://schemas.microsoft.com/office/drawing/2014/main" id="{87D7020B-EEA1-465F-BFBB-58EAACD67653}"/>
+              </a:ext>
+            </a:extLst>
+          </p:cNvPr>
+          <p:cNvSpPr txBox="1"/>
+          <p:nvPr/>
+        </p:nvSpPr>
+        <p:spPr>
+          <a:xfrm>
+            <a:off x="518176" y="2921168"/>
+            <a:ext cx="10149824" cy="2308324"/>
+          </a:xfrm>
+          <a:prstGeom prst="rect">
+            <a:avLst/>
+          </a:prstGeom>
+          <a:noFill/>
+        </p:spPr>
+        <p:txBody>
+          <a:bodyPr wrap="square" rtlCol="0">
+            <a:spAutoFit/>
+          </a:bodyPr>
+          <a:lstStyle/>
+          <a:p>
+            <a:r>
+              <a:rPr lang="zh-CN" altLang="en-US" sz="4800" b="1" dirty="0">
+                <a:latin typeface="+mn-ea"/>
+              </a:rPr>
+              <a:t>指向指针的指针  </a:t>
+            </a:r>
+            <a:r>
+              <a:rPr lang="en-US" altLang="zh-CN" sz="4800" b="1" dirty="0">
+                <a:latin typeface="+mn-ea"/>
+              </a:rPr>
+              <a:t>VS </a:t>
+            </a:r>
+            <a:r>
+              <a:rPr lang="zh-CN" altLang="en-US" sz="4800" b="1" dirty="0">
+                <a:latin typeface="+mn-ea"/>
+              </a:rPr>
+              <a:t>指向引用的指针</a:t>
+            </a:r>
+            <a:endParaRPr lang="en-US" altLang="zh-CN" sz="4800" b="1" dirty="0">
+              <a:latin typeface="+mn-ea"/>
+            </a:endParaRPr>
+          </a:p>
+          <a:p>
+            <a:endParaRPr lang="en-US" altLang="zh-CN" sz="4800" b="1" dirty="0">
+              <a:latin typeface="+mn-ea"/>
+            </a:endParaRPr>
+          </a:p>
+          <a:p>
+            <a:r>
+              <a:rPr lang="zh-CN" altLang="en-US" sz="4800" b="1" dirty="0">
+                <a:latin typeface="+mn-ea"/>
+              </a:rPr>
+              <a:t>指针的引用</a:t>
+            </a:r>
+          </a:p>
+        </p:txBody>
+      </p:sp>
+    </p:spTree>
+    <p:extLst>
+      <p:ext uri="{BB962C8B-B14F-4D97-AF65-F5344CB8AC3E}">
+        <p14:creationId xmlns:p14="http://schemas.microsoft.com/office/powerpoint/2010/main" val="3215900855"/>
+      </p:ext>
+    </p:extLst>
+  </p:cSld>
+  <p:clrMapOvr>
+    <a:masterClrMapping/>
+  </p:clrMapOvr>
+</p:sld>
+</file>
+
+<file path=ppt/slides/slide29.xml><?xml version="1.0" encoding="utf-8"?>
+<p:sld xmlns:a="http://schemas.openxmlformats.org/drawingml/2006/main" xmlns:r="http://schemas.openxmlformats.org/officeDocument/2006/relationships" xmlns:p="http://schemas.openxmlformats.org/presentationml/2006/main">
+  <p:cSld>
+    <p:spTree>
+      <p:nvGrpSpPr>
+        <p:cNvPr id="1" name=""/>
+        <p:cNvGrpSpPr/>
+        <p:nvPr/>
+      </p:nvGrpSpPr>
+      <p:grpSpPr>
+        <a:xfrm>
+          <a:off x="0" y="0"/>
+          <a:ext cx="0" cy="0"/>
+          <a:chOff x="0" y="0"/>
+          <a:chExt cx="0" cy="0"/>
+        </a:xfrm>
+      </p:grpSpPr>
+      <p:sp>
+        <p:nvSpPr>
           <p:cNvPr id="5" name="文本框 4">
             <a:extLst>
               <a:ext uri="{FF2B5EF4-FFF2-40B4-BE49-F238E27FC236}">
@@ -10789,8 +12320,8 @@
         </p:nvSpPr>
         <p:spPr>
           <a:xfrm>
-            <a:off x="1483376" y="2598003"/>
-            <a:ext cx="8067024" cy="830997"/>
+            <a:off x="1026176" y="2349500"/>
+            <a:ext cx="3926824" cy="830997"/>
           </a:xfrm>
           <a:prstGeom prst="rect">
             <a:avLst/>
@@ -10804,39 +12335,67 @@
           <a:lstStyle/>
           <a:p>
             <a:r>
+              <a:rPr lang="en-US" altLang="zh-CN" sz="4800" b="1" dirty="0">
+                <a:latin typeface="+mn-ea"/>
+              </a:rPr>
+              <a:t>const</a:t>
+            </a:r>
+            <a:r>
               <a:rPr lang="zh-CN" altLang="en-US" sz="4800" b="1" dirty="0">
                 <a:latin typeface="+mn-ea"/>
               </a:rPr>
-              <a:t>顶层</a:t>
-            </a:r>
+              <a:t>引用</a:t>
+            </a:r>
+          </a:p>
+        </p:txBody>
+      </p:sp>
+      <p:sp>
+        <p:nvSpPr>
+          <p:cNvPr id="4" name="文本框 3">
+            <a:extLst>
+              <a:ext uri="{FF2B5EF4-FFF2-40B4-BE49-F238E27FC236}">
+                <a16:creationId xmlns:a16="http://schemas.microsoft.com/office/drawing/2014/main" id="{677CF7BD-3B12-40E7-868C-B539C08FFE92}"/>
+              </a:ext>
+            </a:extLst>
+          </p:cNvPr>
+          <p:cNvSpPr txBox="1"/>
+          <p:nvPr/>
+        </p:nvSpPr>
+        <p:spPr>
+          <a:xfrm>
+            <a:off x="1026176" y="3677504"/>
+            <a:ext cx="3926824" cy="830997"/>
+          </a:xfrm>
+          <a:prstGeom prst="rect">
+            <a:avLst/>
+          </a:prstGeom>
+          <a:noFill/>
+        </p:spPr>
+        <p:txBody>
+          <a:bodyPr wrap="square" rtlCol="0">
+            <a:spAutoFit/>
+          </a:bodyPr>
+          <a:lstStyle/>
+          <a:p>
             <a:r>
               <a:rPr lang="en-US" altLang="zh-CN" sz="4800" b="1" dirty="0">
                 <a:latin typeface="+mn-ea"/>
               </a:rPr>
-              <a:t>const  vs </a:t>
+              <a:t>const</a:t>
             </a:r>
             <a:r>
               <a:rPr lang="zh-CN" altLang="en-US" sz="4800" b="1" dirty="0">
                 <a:latin typeface="+mn-ea"/>
               </a:rPr>
-              <a:t>底层 </a:t>
-            </a:r>
-            <a:r>
-              <a:rPr lang="en-US" altLang="zh-CN" sz="4800" b="1" dirty="0">
-                <a:latin typeface="+mn-ea"/>
-              </a:rPr>
-              <a:t>const</a:t>
-            </a:r>
-            <a:endParaRPr lang="zh-CN" altLang="en-US" sz="4800" b="1" dirty="0">
-              <a:latin typeface="+mn-ea"/>
-            </a:endParaRPr>
+              <a:t>指针</a:t>
+            </a:r>
           </a:p>
         </p:txBody>
       </p:sp>
     </p:spTree>
     <p:extLst>
       <p:ext uri="{BB962C8B-B14F-4D97-AF65-F5344CB8AC3E}">
-        <p14:creationId xmlns:p14="http://schemas.microsoft.com/office/powerpoint/2010/main" val="3048778077"/>
+        <p14:creationId xmlns:p14="http://schemas.microsoft.com/office/powerpoint/2010/main" val="492254004"/>
       </p:ext>
     </p:extLst>
   </p:cSld>
@@ -11115,6 +12674,137 @@
 </p:sld>
 </file>
 
+<file path=ppt/slides/slide30.xml><?xml version="1.0" encoding="utf-8"?>
+<p:sld xmlns:a="http://schemas.openxmlformats.org/drawingml/2006/main" xmlns:r="http://schemas.openxmlformats.org/officeDocument/2006/relationships" xmlns:p="http://schemas.openxmlformats.org/presentationml/2006/main">
+  <p:cSld>
+    <p:spTree>
+      <p:nvGrpSpPr>
+        <p:cNvPr id="1" name=""/>
+        <p:cNvGrpSpPr/>
+        <p:nvPr/>
+      </p:nvGrpSpPr>
+      <p:grpSpPr>
+        <a:xfrm>
+          <a:off x="0" y="0"/>
+          <a:ext cx="0" cy="0"/>
+          <a:chOff x="0" y="0"/>
+          <a:chExt cx="0" cy="0"/>
+        </a:xfrm>
+      </p:grpSpPr>
+      <p:sp>
+        <p:nvSpPr>
+          <p:cNvPr id="5" name="文本框 4">
+            <a:extLst>
+              <a:ext uri="{FF2B5EF4-FFF2-40B4-BE49-F238E27FC236}">
+                <a16:creationId xmlns:a16="http://schemas.microsoft.com/office/drawing/2014/main" id="{87D7020B-EEA1-465F-BFBB-58EAACD67653}"/>
+              </a:ext>
+            </a:extLst>
+          </p:cNvPr>
+          <p:cNvSpPr txBox="1"/>
+          <p:nvPr/>
+        </p:nvSpPr>
+        <p:spPr>
+          <a:xfrm>
+            <a:off x="416576" y="800268"/>
+            <a:ext cx="3926824" cy="830997"/>
+          </a:xfrm>
+          <a:prstGeom prst="rect">
+            <a:avLst/>
+          </a:prstGeom>
+          <a:noFill/>
+        </p:spPr>
+        <p:txBody>
+          <a:bodyPr wrap="square" rtlCol="0">
+            <a:spAutoFit/>
+          </a:bodyPr>
+          <a:lstStyle/>
+          <a:p>
+            <a:r>
+              <a:rPr lang="en-US" altLang="zh-CN" sz="4800" b="1" dirty="0">
+                <a:latin typeface="+mn-ea"/>
+              </a:rPr>
+              <a:t>const</a:t>
+            </a:r>
+            <a:r>
+              <a:rPr lang="zh-CN" altLang="en-US" sz="4800" b="1" dirty="0">
+                <a:latin typeface="+mn-ea"/>
+              </a:rPr>
+              <a:t>限定符</a:t>
+            </a:r>
+          </a:p>
+        </p:txBody>
+      </p:sp>
+      <p:sp>
+        <p:nvSpPr>
+          <p:cNvPr id="3" name="文本框 2">
+            <a:extLst>
+              <a:ext uri="{FF2B5EF4-FFF2-40B4-BE49-F238E27FC236}">
+                <a16:creationId xmlns:a16="http://schemas.microsoft.com/office/drawing/2014/main" id="{816313B8-9C82-42B4-A678-CF794C875BEE}"/>
+              </a:ext>
+            </a:extLst>
+          </p:cNvPr>
+          <p:cNvSpPr txBox="1"/>
+          <p:nvPr/>
+        </p:nvSpPr>
+        <p:spPr>
+          <a:xfrm>
+            <a:off x="1483376" y="2598003"/>
+            <a:ext cx="8067024" cy="830997"/>
+          </a:xfrm>
+          <a:prstGeom prst="rect">
+            <a:avLst/>
+          </a:prstGeom>
+          <a:noFill/>
+        </p:spPr>
+        <p:txBody>
+          <a:bodyPr wrap="square" rtlCol="0">
+            <a:spAutoFit/>
+          </a:bodyPr>
+          <a:lstStyle/>
+          <a:p>
+            <a:r>
+              <a:rPr lang="zh-CN" altLang="en-US" sz="4800" b="1" dirty="0">
+                <a:latin typeface="+mn-ea"/>
+              </a:rPr>
+              <a:t>顶层</a:t>
+            </a:r>
+            <a:r>
+              <a:rPr lang="en-US" altLang="zh-CN" sz="4800" b="1" dirty="0">
+                <a:latin typeface="+mn-ea"/>
+              </a:rPr>
+              <a:t>const  vs </a:t>
+            </a:r>
+            <a:r>
+              <a:rPr lang="zh-CN" altLang="en-US" sz="4800" b="1" dirty="0">
+                <a:latin typeface="+mn-ea"/>
+              </a:rPr>
+              <a:t>底层 </a:t>
+            </a:r>
+            <a:r>
+              <a:rPr lang="en-US" altLang="zh-CN" sz="4800" b="1" dirty="0">
+                <a:latin typeface="+mn-ea"/>
+              </a:rPr>
+              <a:t>const</a:t>
+            </a:r>
+            <a:endParaRPr lang="zh-CN" altLang="en-US" sz="4800" b="1" dirty="0">
+              <a:latin typeface="+mn-ea"/>
+            </a:endParaRPr>
+          </a:p>
+        </p:txBody>
+      </p:sp>
+    </p:spTree>
+    <p:extLst>
+      <p:ext uri="{BB962C8B-B14F-4D97-AF65-F5344CB8AC3E}">
+        <p14:creationId xmlns:p14="http://schemas.microsoft.com/office/powerpoint/2010/main" val="3048778077"/>
+      </p:ext>
+    </p:extLst>
+  </p:cSld>
+  <p:clrMapOvr>
+    <a:masterClrMapping/>
+  </p:clrMapOvr>
+</p:sld>
+</file>
+
 <file path=ppt/slides/slide4.xml><?xml version="1.0" encoding="utf-8"?>
 <p:sld xmlns:a="http://schemas.openxmlformats.org/drawingml/2006/main" xmlns:r="http://schemas.openxmlformats.org/officeDocument/2006/relationships" xmlns:p="http://schemas.openxmlformats.org/presentationml/2006/main">
   <p:cSld>
@@ -11132,448 +12822,49 @@
           <a:chExt cx="0" cy="0"/>
         </a:xfrm>
       </p:grpSpPr>
-      <p:pic>
-        <p:nvPicPr>
-          <p:cNvPr id="3" name="图片 2">
-            <a:extLst>
-              <a:ext uri="{FF2B5EF4-FFF2-40B4-BE49-F238E27FC236}">
-                <a16:creationId xmlns:a16="http://schemas.microsoft.com/office/drawing/2014/main" id="{807372C6-A1CB-43EA-A384-B8443A72444E}"/>
-              </a:ext>
-            </a:extLst>
-          </p:cNvPr>
-          <p:cNvPicPr>
-            <a:picLocks noChangeAspect="1"/>
-          </p:cNvPicPr>
+      <p:sp>
+        <p:nvSpPr>
+          <p:cNvPr id="3" name="矩形 2">
+            <a:extLst>
+              <a:ext uri="{FF2B5EF4-FFF2-40B4-BE49-F238E27FC236}">
+                <a16:creationId xmlns:a16="http://schemas.microsoft.com/office/drawing/2014/main" id="{54A38C39-CAB9-B14F-A938-5050106311DB}"/>
+              </a:ext>
+            </a:extLst>
+          </p:cNvPr>
+          <p:cNvSpPr/>
           <p:nvPr/>
-        </p:nvPicPr>
-        <p:blipFill>
-          <a:blip r:embed="rId3">
-            <a:extLst>
-              <a:ext uri="{28A0092B-C50C-407E-A947-70E740481C1C}">
-                <a14:useLocalDpi xmlns:a14="http://schemas.microsoft.com/office/drawing/2010/main" val="0"/>
-              </a:ext>
-            </a:extLst>
-          </a:blip>
-          <a:stretch>
-            <a:fillRect/>
-          </a:stretch>
-        </p:blipFill>
+        </p:nvSpPr>
         <p:spPr>
           <a:xfrm>
-            <a:off x="209544" y="2400299"/>
-            <a:ext cx="3124203" cy="3124203"/>
+            <a:off x="288268" y="288399"/>
+            <a:ext cx="4400564" cy="584775"/>
           </a:xfrm>
           <a:prstGeom prst="rect">
             <a:avLst/>
           </a:prstGeom>
         </p:spPr>
-      </p:pic>
-      <p:sp>
-        <p:nvSpPr>
-          <p:cNvPr id="8" name="文本框 7">
-            <a:extLst>
-              <a:ext uri="{FF2B5EF4-FFF2-40B4-BE49-F238E27FC236}">
-                <a16:creationId xmlns:a16="http://schemas.microsoft.com/office/drawing/2014/main" id="{173B5B89-5235-4C07-99A2-AC5672E77337}"/>
-              </a:ext>
-            </a:extLst>
-          </p:cNvPr>
-          <p:cNvSpPr txBox="1"/>
-          <p:nvPr/>
-        </p:nvSpPr>
-        <p:spPr>
-          <a:xfrm>
-            <a:off x="518176" y="466545"/>
-            <a:ext cx="10441924" cy="1200329"/>
-          </a:xfrm>
-          <a:prstGeom prst="rect">
-            <a:avLst/>
-          </a:prstGeom>
-          <a:noFill/>
-        </p:spPr>
-        <p:txBody>
-          <a:bodyPr wrap="square" rtlCol="0">
+        <p:txBody>
+          <a:bodyPr wrap="none">
             <a:spAutoFit/>
           </a:bodyPr>
           <a:lstStyle/>
           <a:p>
-            <a:r>
-              <a:rPr lang="en-US" altLang="zh-CN" sz="7200" b="1" dirty="0">
+            <a:pPr lvl="0" fontAlgn="base">
+              <a:spcBef>
+                <a:spcPct val="0"/>
+              </a:spcBef>
+              <a:spcAft>
+                <a:spcPct val="0"/>
+              </a:spcAft>
+            </a:pPr>
+            <a:r>
+              <a:rPr lang="zh-CN" altLang="en-US" sz="3200" b="1" dirty="0">
                 <a:latin typeface="+mn-ea"/>
               </a:rPr>
-              <a:t>exercise2:</a:t>
-            </a:r>
-            <a:r>
-              <a:rPr lang="zh-CN" altLang="en-US" sz="7200" b="1" dirty="0">
-                <a:latin typeface="+mn-ea"/>
-              </a:rPr>
-              <a:t> 字面值类型</a:t>
-            </a:r>
-          </a:p>
-        </p:txBody>
-      </p:sp>
-      <p:sp>
-        <p:nvSpPr>
-          <p:cNvPr id="9" name="文本框 8">
-            <a:extLst>
-              <a:ext uri="{FF2B5EF4-FFF2-40B4-BE49-F238E27FC236}">
-                <a16:creationId xmlns:a16="http://schemas.microsoft.com/office/drawing/2014/main" id="{81F00E6A-97D6-417E-B90B-B99D8290216F}"/>
-              </a:ext>
-            </a:extLst>
-          </p:cNvPr>
-          <p:cNvSpPr txBox="1"/>
-          <p:nvPr/>
-        </p:nvSpPr>
-        <p:spPr>
-          <a:xfrm>
-            <a:off x="4172601" y="2360894"/>
-            <a:ext cx="7139924" cy="523220"/>
-          </a:xfrm>
-          <a:prstGeom prst="rect">
-            <a:avLst/>
-          </a:prstGeom>
-          <a:noFill/>
-        </p:spPr>
-        <p:txBody>
-          <a:bodyPr wrap="square" rtlCol="0">
-            <a:spAutoFit/>
-          </a:bodyPr>
-          <a:lstStyle/>
-          <a:p>
-            <a:r>
-              <a:rPr lang="zh-CN" altLang="en-US" sz="2800" dirty="0"/>
-              <a:t>指出下述字面值的数据类型</a:t>
-            </a:r>
-            <a:endParaRPr lang="zh-CN" altLang="en-US" sz="7200" b="1" dirty="0">
+              <a:t>第二章 变量和基本类型</a:t>
+            </a:r>
+            <a:endParaRPr lang="zh-CN" altLang="zh-CN" sz="3200" b="1" dirty="0">
               <a:latin typeface="+mn-ea"/>
-            </a:endParaRPr>
-          </a:p>
-        </p:txBody>
-      </p:sp>
-      <p:sp>
-        <p:nvSpPr>
-          <p:cNvPr id="2" name="矩形 1">
-            <a:extLst>
-              <a:ext uri="{FF2B5EF4-FFF2-40B4-BE49-F238E27FC236}">
-                <a16:creationId xmlns:a16="http://schemas.microsoft.com/office/drawing/2014/main" id="{EA230831-0F2C-4812-833A-790EB346DBE3}"/>
-              </a:ext>
-            </a:extLst>
-          </p:cNvPr>
-          <p:cNvSpPr/>
-          <p:nvPr/>
-        </p:nvSpPr>
-        <p:spPr>
-          <a:xfrm>
-            <a:off x="4072263" y="3298736"/>
-            <a:ext cx="6096000" cy="2062103"/>
-          </a:xfrm>
-          <a:prstGeom prst="rect">
-            <a:avLst/>
-          </a:prstGeom>
-        </p:spPr>
-        <p:txBody>
-          <a:bodyPr>
-            <a:spAutoFit/>
-          </a:bodyPr>
-          <a:lstStyle/>
-          <a:p>
-            <a:pPr>
-              <a:buFont typeface="Arial" panose="020B0604020202020204" pitchFamily="34" charset="0"/>
-              <a:buChar char="•"/>
-            </a:pPr>
-            <a:r>
-              <a:rPr lang="pl-PL" altLang="zh-CN" sz="3200" dirty="0">
-                <a:solidFill>
-                  <a:srgbClr val="1F2328"/>
-                </a:solidFill>
-                <a:latin typeface="-apple-system"/>
-              </a:rPr>
-              <a:t>(a) 'a’,</a:t>
-            </a:r>
-            <a:r>
-              <a:rPr lang="en-US" altLang="zh-CN" sz="3200" dirty="0">
-                <a:solidFill>
-                  <a:srgbClr val="1F2328"/>
-                </a:solidFill>
-                <a:latin typeface="-apple-system"/>
-              </a:rPr>
-              <a:t> </a:t>
-            </a:r>
-            <a:r>
-              <a:rPr lang="pl-PL" altLang="zh-CN" sz="3200" dirty="0">
-                <a:solidFill>
-                  <a:srgbClr val="1F2328"/>
-                </a:solidFill>
-                <a:latin typeface="-apple-system"/>
-              </a:rPr>
-              <a:t> L'a’, </a:t>
-            </a:r>
-            <a:r>
-              <a:rPr lang="en-US" altLang="zh-CN" sz="3200" dirty="0">
-                <a:solidFill>
-                  <a:srgbClr val="1F2328"/>
-                </a:solidFill>
-                <a:latin typeface="-apple-system"/>
-              </a:rPr>
-              <a:t> </a:t>
-            </a:r>
-            <a:r>
-              <a:rPr lang="pl-PL" altLang="zh-CN" sz="3200" dirty="0">
-                <a:solidFill>
-                  <a:srgbClr val="1F2328"/>
-                </a:solidFill>
-                <a:latin typeface="-apple-system"/>
-              </a:rPr>
-              <a:t>"a", </a:t>
-            </a:r>
-            <a:r>
-              <a:rPr lang="en-US" altLang="zh-CN" sz="3200" dirty="0">
-                <a:solidFill>
-                  <a:srgbClr val="1F2328"/>
-                </a:solidFill>
-                <a:latin typeface="-apple-system"/>
-              </a:rPr>
-              <a:t> </a:t>
-            </a:r>
-            <a:r>
-              <a:rPr lang="pl-PL" altLang="zh-CN" sz="3200" dirty="0">
-                <a:solidFill>
-                  <a:srgbClr val="1F2328"/>
-                </a:solidFill>
-                <a:latin typeface="-apple-system"/>
-              </a:rPr>
-              <a:t>L"a"</a:t>
-            </a:r>
-          </a:p>
-          <a:p>
-            <a:pPr>
-              <a:buFont typeface="Arial" panose="020B0604020202020204" pitchFamily="34" charset="0"/>
-              <a:buChar char="•"/>
-            </a:pPr>
-            <a:r>
-              <a:rPr lang="pl-PL" altLang="zh-CN" sz="3200" dirty="0">
-                <a:solidFill>
-                  <a:srgbClr val="1F2328"/>
-                </a:solidFill>
-                <a:latin typeface="-apple-system"/>
-              </a:rPr>
-              <a:t>(b) 10, </a:t>
-            </a:r>
-            <a:r>
-              <a:rPr lang="en-US" altLang="zh-CN" sz="3200" dirty="0">
-                <a:solidFill>
-                  <a:srgbClr val="1F2328"/>
-                </a:solidFill>
-                <a:latin typeface="-apple-system"/>
-              </a:rPr>
-              <a:t> </a:t>
-            </a:r>
-            <a:r>
-              <a:rPr lang="pl-PL" altLang="zh-CN" sz="3200" dirty="0">
-                <a:solidFill>
-                  <a:srgbClr val="1F2328"/>
-                </a:solidFill>
-                <a:latin typeface="-apple-system"/>
-              </a:rPr>
-              <a:t>10u, </a:t>
-            </a:r>
-            <a:r>
-              <a:rPr lang="en-US" altLang="zh-CN" sz="3200" dirty="0">
-                <a:solidFill>
-                  <a:srgbClr val="1F2328"/>
-                </a:solidFill>
-                <a:latin typeface="-apple-system"/>
-              </a:rPr>
-              <a:t> </a:t>
-            </a:r>
-            <a:r>
-              <a:rPr lang="pl-PL" altLang="zh-CN" sz="3200" dirty="0">
-                <a:solidFill>
-                  <a:srgbClr val="1F2328"/>
-                </a:solidFill>
-                <a:latin typeface="-apple-system"/>
-              </a:rPr>
-              <a:t>10L, </a:t>
-            </a:r>
-            <a:r>
-              <a:rPr lang="en-US" altLang="zh-CN" sz="3200" dirty="0">
-                <a:solidFill>
-                  <a:srgbClr val="1F2328"/>
-                </a:solidFill>
-                <a:latin typeface="-apple-system"/>
-              </a:rPr>
-              <a:t> </a:t>
-            </a:r>
-            <a:r>
-              <a:rPr lang="pl-PL" altLang="zh-CN" sz="3200" dirty="0">
-                <a:solidFill>
-                  <a:srgbClr val="1F2328"/>
-                </a:solidFill>
-                <a:latin typeface="-apple-system"/>
-              </a:rPr>
-              <a:t>10uL, </a:t>
-            </a:r>
-            <a:r>
-              <a:rPr lang="en-US" altLang="zh-CN" sz="3200" dirty="0">
-                <a:solidFill>
-                  <a:srgbClr val="1F2328"/>
-                </a:solidFill>
-                <a:latin typeface="-apple-system"/>
-              </a:rPr>
-              <a:t> O</a:t>
-            </a:r>
-            <a:r>
-              <a:rPr lang="pl-PL" altLang="zh-CN" sz="3200" dirty="0">
-                <a:solidFill>
-                  <a:srgbClr val="1F2328"/>
-                </a:solidFill>
-                <a:latin typeface="-apple-system"/>
-              </a:rPr>
-              <a:t>12, </a:t>
-            </a:r>
-            <a:r>
-              <a:rPr lang="en-US" altLang="zh-CN" sz="3200" dirty="0">
-                <a:solidFill>
-                  <a:srgbClr val="1F2328"/>
-                </a:solidFill>
-                <a:latin typeface="-apple-system"/>
-              </a:rPr>
-              <a:t> 0</a:t>
-            </a:r>
-            <a:r>
-              <a:rPr lang="pl-PL" altLang="zh-CN" sz="3200" dirty="0">
-                <a:solidFill>
-                  <a:srgbClr val="1F2328"/>
-                </a:solidFill>
-                <a:latin typeface="-apple-system"/>
-              </a:rPr>
-              <a:t>xC</a:t>
-            </a:r>
-          </a:p>
-          <a:p>
-            <a:pPr>
-              <a:buFont typeface="Arial" panose="020B0604020202020204" pitchFamily="34" charset="0"/>
-              <a:buChar char="•"/>
-            </a:pPr>
-            <a:r>
-              <a:rPr lang="pl-PL" altLang="zh-CN" sz="3200" dirty="0">
-                <a:solidFill>
-                  <a:srgbClr val="1F2328"/>
-                </a:solidFill>
-                <a:latin typeface="-apple-system"/>
-              </a:rPr>
-              <a:t>(c) 3.14, </a:t>
-            </a:r>
-            <a:r>
-              <a:rPr lang="en-US" altLang="zh-CN" sz="3200" dirty="0">
-                <a:solidFill>
-                  <a:srgbClr val="1F2328"/>
-                </a:solidFill>
-                <a:latin typeface="-apple-system"/>
-              </a:rPr>
-              <a:t> </a:t>
-            </a:r>
-            <a:r>
-              <a:rPr lang="pl-PL" altLang="zh-CN" sz="3200" dirty="0">
-                <a:solidFill>
-                  <a:srgbClr val="1F2328"/>
-                </a:solidFill>
-                <a:latin typeface="-apple-system"/>
-              </a:rPr>
-              <a:t>3.14f, </a:t>
-            </a:r>
-            <a:r>
-              <a:rPr lang="en-US" altLang="zh-CN" sz="3200" dirty="0">
-                <a:solidFill>
-                  <a:srgbClr val="1F2328"/>
-                </a:solidFill>
-                <a:latin typeface="-apple-system"/>
-              </a:rPr>
-              <a:t> </a:t>
-            </a:r>
-            <a:r>
-              <a:rPr lang="pl-PL" altLang="zh-CN" sz="3200" dirty="0">
-                <a:solidFill>
-                  <a:srgbClr val="1F2328"/>
-                </a:solidFill>
-                <a:latin typeface="-apple-system"/>
-              </a:rPr>
-              <a:t>3.14L</a:t>
-            </a:r>
-          </a:p>
-          <a:p>
-            <a:pPr>
-              <a:buFont typeface="Arial" panose="020B0604020202020204" pitchFamily="34" charset="0"/>
-              <a:buChar char="•"/>
-            </a:pPr>
-            <a:r>
-              <a:rPr lang="pl-PL" altLang="zh-CN" sz="3200" dirty="0">
-                <a:solidFill>
-                  <a:srgbClr val="1F2328"/>
-                </a:solidFill>
-                <a:latin typeface="-apple-system"/>
-              </a:rPr>
-              <a:t>(d) 10, </a:t>
-            </a:r>
-            <a:r>
-              <a:rPr lang="en-US" altLang="zh-CN" sz="3200" dirty="0">
-                <a:solidFill>
-                  <a:srgbClr val="1F2328"/>
-                </a:solidFill>
-                <a:latin typeface="-apple-system"/>
-              </a:rPr>
-              <a:t> </a:t>
-            </a:r>
-            <a:r>
-              <a:rPr lang="pl-PL" altLang="zh-CN" sz="3200" dirty="0">
-                <a:solidFill>
-                  <a:srgbClr val="1F2328"/>
-                </a:solidFill>
-                <a:latin typeface="-apple-system"/>
-              </a:rPr>
-              <a:t>10u, </a:t>
-            </a:r>
-            <a:r>
-              <a:rPr lang="en-US" altLang="zh-CN" sz="3200" dirty="0">
-                <a:solidFill>
-                  <a:srgbClr val="1F2328"/>
-                </a:solidFill>
-                <a:latin typeface="-apple-system"/>
-              </a:rPr>
-              <a:t> </a:t>
-            </a:r>
-            <a:r>
-              <a:rPr lang="pl-PL" altLang="zh-CN" sz="3200" dirty="0">
-                <a:solidFill>
-                  <a:srgbClr val="1F2328"/>
-                </a:solidFill>
-                <a:latin typeface="-apple-system"/>
-              </a:rPr>
-              <a:t>10., </a:t>
-            </a:r>
-            <a:r>
-              <a:rPr lang="en-US" altLang="zh-CN" sz="3200" dirty="0">
-                <a:solidFill>
-                  <a:srgbClr val="1F2328"/>
-                </a:solidFill>
-                <a:latin typeface="-apple-system"/>
-              </a:rPr>
-              <a:t>  </a:t>
-            </a:r>
-            <a:r>
-              <a:rPr lang="pl-PL" altLang="zh-CN" sz="3200" dirty="0">
-                <a:solidFill>
-                  <a:srgbClr val="1F2328"/>
-                </a:solidFill>
-                <a:latin typeface="-apple-system"/>
-              </a:rPr>
-              <a:t>10e-2</a:t>
-            </a:r>
-            <a:endParaRPr lang="pl-PL" altLang="zh-CN" sz="3200" b="0" i="0" dirty="0">
-              <a:solidFill>
-                <a:srgbClr val="1F2328"/>
-              </a:solidFill>
-              <a:effectLst/>
-              <a:latin typeface="-apple-system"/>
             </a:endParaRPr>
           </a:p>
         </p:txBody>
@@ -11581,7 +12872,7 @@
     </p:spTree>
     <p:extLst>
       <p:ext uri="{BB962C8B-B14F-4D97-AF65-F5344CB8AC3E}">
-        <p14:creationId xmlns:p14="http://schemas.microsoft.com/office/powerpoint/2010/main" val="966399813"/>
+        <p14:creationId xmlns:p14="http://schemas.microsoft.com/office/powerpoint/2010/main" val="1261941379"/>
       </p:ext>
     </p:extLst>
   </p:cSld>
@@ -11659,7 +12950,7 @@
         <p:spPr>
           <a:xfrm>
             <a:off x="518176" y="466545"/>
-            <a:ext cx="11000724" cy="1200329"/>
+            <a:ext cx="10441924" cy="1200329"/>
           </a:xfrm>
           <a:prstGeom prst="rect">
             <a:avLst/>
@@ -11676,23 +12967,61 @@
               <a:rPr lang="en-US" altLang="zh-CN" sz="7200" b="1" dirty="0">
                 <a:latin typeface="+mn-ea"/>
               </a:rPr>
-              <a:t>exercise3: </a:t>
+              <a:t>exercise2:</a:t>
             </a:r>
             <a:r>
               <a:rPr lang="zh-CN" altLang="en-US" sz="7200" b="1" dirty="0">
                 <a:latin typeface="+mn-ea"/>
               </a:rPr>
-              <a:t>默认初始化</a:t>
-            </a:r>
-          </a:p>
-        </p:txBody>
-      </p:sp>
-      <p:sp>
-        <p:nvSpPr>
-          <p:cNvPr id="6" name="矩形 5">
-            <a:extLst>
-              <a:ext uri="{FF2B5EF4-FFF2-40B4-BE49-F238E27FC236}">
-                <a16:creationId xmlns:a16="http://schemas.microsoft.com/office/drawing/2014/main" id="{324ED581-399C-42D9-B54D-CBC91D72C804}"/>
+              <a:t> 字面值类型</a:t>
+            </a:r>
+          </a:p>
+        </p:txBody>
+      </p:sp>
+      <p:sp>
+        <p:nvSpPr>
+          <p:cNvPr id="9" name="文本框 8">
+            <a:extLst>
+              <a:ext uri="{FF2B5EF4-FFF2-40B4-BE49-F238E27FC236}">
+                <a16:creationId xmlns:a16="http://schemas.microsoft.com/office/drawing/2014/main" id="{81F00E6A-97D6-417E-B90B-B99D8290216F}"/>
+              </a:ext>
+            </a:extLst>
+          </p:cNvPr>
+          <p:cNvSpPr txBox="1"/>
+          <p:nvPr/>
+        </p:nvSpPr>
+        <p:spPr>
+          <a:xfrm>
+            <a:off x="4172601" y="2360894"/>
+            <a:ext cx="7139924" cy="523220"/>
+          </a:xfrm>
+          <a:prstGeom prst="rect">
+            <a:avLst/>
+          </a:prstGeom>
+          <a:noFill/>
+        </p:spPr>
+        <p:txBody>
+          <a:bodyPr wrap="square" rtlCol="0">
+            <a:spAutoFit/>
+          </a:bodyPr>
+          <a:lstStyle/>
+          <a:p>
+            <a:r>
+              <a:rPr lang="zh-CN" altLang="en-US" sz="2800" dirty="0"/>
+              <a:t>指出下述字面值的数据类型</a:t>
+            </a:r>
+            <a:endParaRPr lang="zh-CN" altLang="en-US" sz="7200" b="1" dirty="0">
+              <a:latin typeface="+mn-ea"/>
+            </a:endParaRPr>
+          </a:p>
+        </p:txBody>
+      </p:sp>
+      <p:sp>
+        <p:nvSpPr>
+          <p:cNvPr id="2" name="矩形 1">
+            <a:extLst>
+              <a:ext uri="{FF2B5EF4-FFF2-40B4-BE49-F238E27FC236}">
+                <a16:creationId xmlns:a16="http://schemas.microsoft.com/office/drawing/2014/main" id="{EA230831-0F2C-4812-833A-790EB346DBE3}"/>
               </a:ext>
             </a:extLst>
           </p:cNvPr>
@@ -11701,103 +13030,325 @@
         </p:nvSpPr>
         <p:spPr>
           <a:xfrm>
-            <a:off x="4630256" y="1771976"/>
-            <a:ext cx="4852610" cy="523220"/>
+            <a:off x="4072263" y="3298736"/>
+            <a:ext cx="6096000" cy="2062103"/>
           </a:xfrm>
           <a:prstGeom prst="rect">
             <a:avLst/>
           </a:prstGeom>
         </p:spPr>
         <p:txBody>
-          <a:bodyPr wrap="none">
-            <a:spAutoFit/>
-          </a:bodyPr>
-          <a:lstStyle/>
-          <a:p>
-            <a:r>
-              <a:rPr lang="zh-CN" altLang="en-US" sz="2800" dirty="0">
-                <a:latin typeface="-apple-system"/>
-              </a:rPr>
-              <a:t>下列变量的初值分别是什么？</a:t>
-            </a:r>
-            <a:endParaRPr lang="zh-CN" altLang="en-US" sz="2800" dirty="0"/>
-          </a:p>
-        </p:txBody>
-      </p:sp>
-      <p:sp>
-        <p:nvSpPr>
-          <p:cNvPr id="10" name="矩形 9">
-            <a:extLst>
-              <a:ext uri="{FF2B5EF4-FFF2-40B4-BE49-F238E27FC236}">
-                <a16:creationId xmlns:a16="http://schemas.microsoft.com/office/drawing/2014/main" id="{65673DA6-E626-4D56-8125-DF6793B739DE}"/>
-              </a:ext>
-            </a:extLst>
-          </p:cNvPr>
-          <p:cNvSpPr/>
-          <p:nvPr/>
-        </p:nvSpPr>
-        <p:spPr>
-          <a:xfrm>
-            <a:off x="4676417" y="2609673"/>
-            <a:ext cx="6096000" cy="3108543"/>
-          </a:xfrm>
-          <a:prstGeom prst="rect">
-            <a:avLst/>
-          </a:prstGeom>
-        </p:spPr>
-        <p:txBody>
           <a:bodyPr>
             <a:spAutoFit/>
           </a:bodyPr>
           <a:lstStyle/>
           <a:p>
-            <a:r>
-              <a:rPr lang="zh-CN" altLang="en-US" sz="2800" dirty="0"/>
-              <a:t>std::string global_str;</a:t>
-            </a:r>
-          </a:p>
-          <a:p>
-            <a:r>
-              <a:rPr lang="zh-CN" altLang="en-US" sz="2800" dirty="0"/>
-              <a:t>int global_int;</a:t>
-            </a:r>
-          </a:p>
-          <a:p>
-            <a:r>
-              <a:rPr lang="zh-CN" altLang="en-US" sz="2800" dirty="0"/>
-              <a:t>int main()</a:t>
-            </a:r>
-          </a:p>
-          <a:p>
-            <a:r>
-              <a:rPr lang="zh-CN" altLang="en-US" sz="2800" dirty="0"/>
-              <a:t>{</a:t>
-            </a:r>
-          </a:p>
-          <a:p>
-            <a:r>
-              <a:rPr lang="zh-CN" altLang="en-US" sz="2800" dirty="0"/>
-              <a:t>    int local_int;</a:t>
-            </a:r>
-          </a:p>
-          <a:p>
-            <a:r>
-              <a:rPr lang="zh-CN" altLang="en-US" sz="2800" dirty="0"/>
-              <a:t>    std::string local_str;</a:t>
-            </a:r>
-          </a:p>
-          <a:p>
-            <a:r>
-              <a:rPr lang="zh-CN" altLang="en-US" sz="2800" dirty="0"/>
-              <a:t>}</a:t>
-            </a:r>
+            <a:pPr>
+              <a:buFont typeface="Arial" panose="020B0604020202020204" pitchFamily="34" charset="0"/>
+              <a:buChar char="•"/>
+            </a:pPr>
+            <a:r>
+              <a:rPr lang="pl-PL" altLang="zh-CN" sz="3200" dirty="0">
+                <a:solidFill>
+                  <a:srgbClr val="1F2328"/>
+                </a:solidFill>
+                <a:latin typeface="-apple-system"/>
+              </a:rPr>
+              <a:t>(a) 'a’,</a:t>
+            </a:r>
+            <a:r>
+              <a:rPr lang="en-US" altLang="zh-CN" sz="3200" dirty="0">
+                <a:solidFill>
+                  <a:srgbClr val="1F2328"/>
+                </a:solidFill>
+                <a:latin typeface="-apple-system"/>
+              </a:rPr>
+              <a:t> </a:t>
+            </a:r>
+            <a:r>
+              <a:rPr lang="pl-PL" altLang="zh-CN" sz="3200" dirty="0">
+                <a:solidFill>
+                  <a:srgbClr val="1F2328"/>
+                </a:solidFill>
+                <a:latin typeface="-apple-system"/>
+              </a:rPr>
+              <a:t> L'a’, </a:t>
+            </a:r>
+            <a:r>
+              <a:rPr lang="en-US" altLang="zh-CN" sz="3200" dirty="0">
+                <a:solidFill>
+                  <a:srgbClr val="1F2328"/>
+                </a:solidFill>
+                <a:latin typeface="-apple-system"/>
+              </a:rPr>
+              <a:t> </a:t>
+            </a:r>
+            <a:r>
+              <a:rPr lang="pl-PL" altLang="zh-CN" sz="3200" dirty="0">
+                <a:solidFill>
+                  <a:srgbClr val="1F2328"/>
+                </a:solidFill>
+                <a:latin typeface="-apple-system"/>
+              </a:rPr>
+              <a:t>"a", </a:t>
+            </a:r>
+            <a:r>
+              <a:rPr lang="en-US" altLang="zh-CN" sz="3200" dirty="0">
+                <a:solidFill>
+                  <a:srgbClr val="1F2328"/>
+                </a:solidFill>
+                <a:latin typeface="-apple-system"/>
+              </a:rPr>
+              <a:t> </a:t>
+            </a:r>
+            <a:r>
+              <a:rPr lang="pl-PL" altLang="zh-CN" sz="3200" dirty="0">
+                <a:solidFill>
+                  <a:srgbClr val="1F2328"/>
+                </a:solidFill>
+                <a:latin typeface="-apple-system"/>
+              </a:rPr>
+              <a:t>L"a"</a:t>
+            </a:r>
+          </a:p>
+          <a:p>
+            <a:pPr>
+              <a:buFont typeface="Arial" panose="020B0604020202020204" pitchFamily="34" charset="0"/>
+              <a:buChar char="•"/>
+            </a:pPr>
+            <a:r>
+              <a:rPr lang="pl-PL" altLang="zh-CN" sz="3200" dirty="0">
+                <a:solidFill>
+                  <a:srgbClr val="1F2328"/>
+                </a:solidFill>
+                <a:latin typeface="-apple-system"/>
+              </a:rPr>
+              <a:t>(b) 10, </a:t>
+            </a:r>
+            <a:r>
+              <a:rPr lang="en-US" altLang="zh-CN" sz="3200" dirty="0">
+                <a:solidFill>
+                  <a:srgbClr val="1F2328"/>
+                </a:solidFill>
+                <a:latin typeface="-apple-system"/>
+              </a:rPr>
+              <a:t> </a:t>
+            </a:r>
+            <a:r>
+              <a:rPr lang="pl-PL" altLang="zh-CN" sz="3200" dirty="0">
+                <a:solidFill>
+                  <a:srgbClr val="1F2328"/>
+                </a:solidFill>
+                <a:latin typeface="-apple-system"/>
+              </a:rPr>
+              <a:t>10u, </a:t>
+            </a:r>
+            <a:r>
+              <a:rPr lang="en-US" altLang="zh-CN" sz="3200" dirty="0">
+                <a:solidFill>
+                  <a:srgbClr val="1F2328"/>
+                </a:solidFill>
+                <a:latin typeface="-apple-system"/>
+              </a:rPr>
+              <a:t> </a:t>
+            </a:r>
+            <a:r>
+              <a:rPr lang="pl-PL" altLang="zh-CN" sz="3200" dirty="0">
+                <a:solidFill>
+                  <a:srgbClr val="1F2328"/>
+                </a:solidFill>
+                <a:latin typeface="-apple-system"/>
+              </a:rPr>
+              <a:t>10L, </a:t>
+            </a:r>
+            <a:r>
+              <a:rPr lang="en-US" altLang="zh-CN" sz="3200" dirty="0">
+                <a:solidFill>
+                  <a:srgbClr val="1F2328"/>
+                </a:solidFill>
+                <a:latin typeface="-apple-system"/>
+              </a:rPr>
+              <a:t> </a:t>
+            </a:r>
+            <a:r>
+              <a:rPr lang="pl-PL" altLang="zh-CN" sz="3200" dirty="0">
+                <a:solidFill>
+                  <a:srgbClr val="1F2328"/>
+                </a:solidFill>
+                <a:latin typeface="-apple-system"/>
+              </a:rPr>
+              <a:t>10uL, </a:t>
+            </a:r>
+            <a:r>
+              <a:rPr lang="en-US" altLang="zh-CN" sz="3200" dirty="0">
+                <a:solidFill>
+                  <a:srgbClr val="1F2328"/>
+                </a:solidFill>
+                <a:latin typeface="-apple-system"/>
+              </a:rPr>
+              <a:t> O</a:t>
+            </a:r>
+            <a:r>
+              <a:rPr lang="pl-PL" altLang="zh-CN" sz="3200" dirty="0">
+                <a:solidFill>
+                  <a:srgbClr val="1F2328"/>
+                </a:solidFill>
+                <a:latin typeface="-apple-system"/>
+              </a:rPr>
+              <a:t>12, </a:t>
+            </a:r>
+            <a:r>
+              <a:rPr lang="en-US" altLang="zh-CN" sz="3200" dirty="0">
+                <a:solidFill>
+                  <a:srgbClr val="1F2328"/>
+                </a:solidFill>
+                <a:latin typeface="-apple-system"/>
+              </a:rPr>
+              <a:t> 0</a:t>
+            </a:r>
+            <a:r>
+              <a:rPr lang="pl-PL" altLang="zh-CN" sz="3200" dirty="0">
+                <a:solidFill>
+                  <a:srgbClr val="1F2328"/>
+                </a:solidFill>
+                <a:latin typeface="-apple-system"/>
+              </a:rPr>
+              <a:t>xC</a:t>
+            </a:r>
+          </a:p>
+          <a:p>
+            <a:pPr>
+              <a:buFont typeface="Arial" panose="020B0604020202020204" pitchFamily="34" charset="0"/>
+              <a:buChar char="•"/>
+            </a:pPr>
+            <a:r>
+              <a:rPr lang="pl-PL" altLang="zh-CN" sz="3200" dirty="0">
+                <a:solidFill>
+                  <a:srgbClr val="1F2328"/>
+                </a:solidFill>
+                <a:latin typeface="-apple-system"/>
+              </a:rPr>
+              <a:t>(c) 3.14, </a:t>
+            </a:r>
+            <a:r>
+              <a:rPr lang="en-US" altLang="zh-CN" sz="3200" dirty="0">
+                <a:solidFill>
+                  <a:srgbClr val="1F2328"/>
+                </a:solidFill>
+                <a:latin typeface="-apple-system"/>
+              </a:rPr>
+              <a:t> </a:t>
+            </a:r>
+            <a:r>
+              <a:rPr lang="pl-PL" altLang="zh-CN" sz="3200" dirty="0">
+                <a:solidFill>
+                  <a:srgbClr val="1F2328"/>
+                </a:solidFill>
+                <a:latin typeface="-apple-system"/>
+              </a:rPr>
+              <a:t>3.14f, </a:t>
+            </a:r>
+            <a:r>
+              <a:rPr lang="en-US" altLang="zh-CN" sz="3200" dirty="0">
+                <a:solidFill>
+                  <a:srgbClr val="1F2328"/>
+                </a:solidFill>
+                <a:latin typeface="-apple-system"/>
+              </a:rPr>
+              <a:t> </a:t>
+            </a:r>
+            <a:r>
+              <a:rPr lang="pl-PL" altLang="zh-CN" sz="3200" dirty="0">
+                <a:solidFill>
+                  <a:srgbClr val="1F2328"/>
+                </a:solidFill>
+                <a:latin typeface="-apple-system"/>
+              </a:rPr>
+              <a:t>3.14L</a:t>
+            </a:r>
+          </a:p>
+          <a:p>
+            <a:pPr>
+              <a:buFont typeface="Arial" panose="020B0604020202020204" pitchFamily="34" charset="0"/>
+              <a:buChar char="•"/>
+            </a:pPr>
+            <a:r>
+              <a:rPr lang="pl-PL" altLang="zh-CN" sz="3200" dirty="0">
+                <a:solidFill>
+                  <a:srgbClr val="1F2328"/>
+                </a:solidFill>
+                <a:latin typeface="-apple-system"/>
+              </a:rPr>
+              <a:t>(d) 10, </a:t>
+            </a:r>
+            <a:r>
+              <a:rPr lang="en-US" altLang="zh-CN" sz="3200" dirty="0">
+                <a:solidFill>
+                  <a:srgbClr val="1F2328"/>
+                </a:solidFill>
+                <a:latin typeface="-apple-system"/>
+              </a:rPr>
+              <a:t> </a:t>
+            </a:r>
+            <a:r>
+              <a:rPr lang="pl-PL" altLang="zh-CN" sz="3200" dirty="0">
+                <a:solidFill>
+                  <a:srgbClr val="1F2328"/>
+                </a:solidFill>
+                <a:latin typeface="-apple-system"/>
+              </a:rPr>
+              <a:t>10u, </a:t>
+            </a:r>
+            <a:r>
+              <a:rPr lang="en-US" altLang="zh-CN" sz="3200" dirty="0">
+                <a:solidFill>
+                  <a:srgbClr val="1F2328"/>
+                </a:solidFill>
+                <a:latin typeface="-apple-system"/>
+              </a:rPr>
+              <a:t> </a:t>
+            </a:r>
+            <a:r>
+              <a:rPr lang="pl-PL" altLang="zh-CN" sz="3200" dirty="0">
+                <a:solidFill>
+                  <a:srgbClr val="1F2328"/>
+                </a:solidFill>
+                <a:latin typeface="-apple-system"/>
+              </a:rPr>
+              <a:t>10., </a:t>
+            </a:r>
+            <a:r>
+              <a:rPr lang="en-US" altLang="zh-CN" sz="3200" dirty="0">
+                <a:solidFill>
+                  <a:srgbClr val="1F2328"/>
+                </a:solidFill>
+                <a:latin typeface="-apple-system"/>
+              </a:rPr>
+              <a:t>  </a:t>
+            </a:r>
+            <a:r>
+              <a:rPr lang="pl-PL" altLang="zh-CN" sz="3200" dirty="0">
+                <a:solidFill>
+                  <a:srgbClr val="1F2328"/>
+                </a:solidFill>
+                <a:latin typeface="-apple-system"/>
+              </a:rPr>
+              <a:t>10e-2</a:t>
+            </a:r>
+            <a:endParaRPr lang="pl-PL" altLang="zh-CN" sz="3200" b="0" i="0" dirty="0">
+              <a:solidFill>
+                <a:srgbClr val="1F2328"/>
+              </a:solidFill>
+              <a:effectLst/>
+              <a:latin typeface="-apple-system"/>
+            </a:endParaRPr>
           </a:p>
         </p:txBody>
       </p:sp>
     </p:spTree>
     <p:extLst>
       <p:ext uri="{BB962C8B-B14F-4D97-AF65-F5344CB8AC3E}">
-        <p14:creationId xmlns:p14="http://schemas.microsoft.com/office/powerpoint/2010/main" val="1465738159"/>
+        <p14:creationId xmlns:p14="http://schemas.microsoft.com/office/powerpoint/2010/main" val="966399813"/>
       </p:ext>
     </p:extLst>
   </p:cSld>
@@ -11875,7 +13426,7 @@
         <p:spPr>
           <a:xfrm>
             <a:off x="518176" y="466545"/>
-            <a:ext cx="11356324" cy="1200329"/>
+            <a:ext cx="11000724" cy="1200329"/>
           </a:xfrm>
           <a:prstGeom prst="rect">
             <a:avLst/>
@@ -11892,23 +13443,23 @@
               <a:rPr lang="en-US" altLang="zh-CN" sz="7200" b="1" dirty="0">
                 <a:latin typeface="+mn-ea"/>
               </a:rPr>
-              <a:t>exercise4:</a:t>
+              <a:t>exercise3: </a:t>
             </a:r>
             <a:r>
               <a:rPr lang="zh-CN" altLang="en-US" sz="7200" b="1" dirty="0">
                 <a:latin typeface="+mn-ea"/>
               </a:rPr>
-              <a:t>声明和定义</a:t>
-            </a:r>
-          </a:p>
-        </p:txBody>
-      </p:sp>
-      <p:sp>
-        <p:nvSpPr>
-          <p:cNvPr id="2" name="矩形 1">
-            <a:extLst>
-              <a:ext uri="{FF2B5EF4-FFF2-40B4-BE49-F238E27FC236}">
-                <a16:creationId xmlns:a16="http://schemas.microsoft.com/office/drawing/2014/main" id="{EE66CEC7-2221-4903-A1EF-F183B8418A0E}"/>
+              <a:t>默认初始化</a:t>
+            </a:r>
+          </a:p>
+        </p:txBody>
+      </p:sp>
+      <p:sp>
+        <p:nvSpPr>
+          <p:cNvPr id="6" name="矩形 5">
+            <a:extLst>
+              <a:ext uri="{FF2B5EF4-FFF2-40B4-BE49-F238E27FC236}">
+                <a16:creationId xmlns:a16="http://schemas.microsoft.com/office/drawing/2014/main" id="{324ED581-399C-42D9-B54D-CBC91D72C804}"/>
               </a:ext>
             </a:extLst>
           </p:cNvPr>
@@ -11917,14 +13468,51 @@
         </p:nvSpPr>
         <p:spPr>
           <a:xfrm>
-            <a:off x="4711700" y="2400299"/>
-            <a:ext cx="6096000" cy="2246769"/>
+            <a:off x="4630256" y="1771976"/>
+            <a:ext cx="4852610" cy="523220"/>
           </a:xfrm>
           <a:prstGeom prst="rect">
             <a:avLst/>
           </a:prstGeom>
         </p:spPr>
         <p:txBody>
+          <a:bodyPr wrap="none">
+            <a:spAutoFit/>
+          </a:bodyPr>
+          <a:lstStyle/>
+          <a:p>
+            <a:r>
+              <a:rPr lang="zh-CN" altLang="en-US" sz="2800" dirty="0">
+                <a:latin typeface="-apple-system"/>
+              </a:rPr>
+              <a:t>下列变量的初值分别是什么？</a:t>
+            </a:r>
+            <a:endParaRPr lang="zh-CN" altLang="en-US" sz="2800" dirty="0"/>
+          </a:p>
+        </p:txBody>
+      </p:sp>
+      <p:sp>
+        <p:nvSpPr>
+          <p:cNvPr id="10" name="矩形 9">
+            <a:extLst>
+              <a:ext uri="{FF2B5EF4-FFF2-40B4-BE49-F238E27FC236}">
+                <a16:creationId xmlns:a16="http://schemas.microsoft.com/office/drawing/2014/main" id="{65673DA6-E626-4D56-8125-DF6793B739DE}"/>
+              </a:ext>
+            </a:extLst>
+          </p:cNvPr>
+          <p:cNvSpPr/>
+          <p:nvPr/>
+        </p:nvSpPr>
+        <p:spPr>
+          <a:xfrm>
+            <a:off x="4676417" y="2609673"/>
+            <a:ext cx="6096000" cy="3108543"/>
+          </a:xfrm>
+          <a:prstGeom prst="rect">
+            <a:avLst/>
+          </a:prstGeom>
+        </p:spPr>
+        <p:txBody>
           <a:bodyPr>
             <a:spAutoFit/>
           </a:bodyPr>
@@ -11932,28 +13520,43 @@
           <a:p>
             <a:r>
               <a:rPr lang="zh-CN" altLang="en-US" sz="2800" dirty="0"/>
-              <a:t> 指出下面的语句是声明还是定义：</a:t>
-            </a:r>
-          </a:p>
-          <a:p>
-            <a:endParaRPr lang="zh-CN" altLang="en-US" sz="2800" dirty="0"/>
+              <a:t>std::string global_str;</a:t>
+            </a:r>
           </a:p>
           <a:p>
             <a:r>
               <a:rPr lang="zh-CN" altLang="en-US" sz="2800" dirty="0"/>
-              <a:t> (a) extern int ix = 1024;</a:t>
+              <a:t>int global_int;</a:t>
             </a:r>
           </a:p>
           <a:p>
             <a:r>
               <a:rPr lang="zh-CN" altLang="en-US" sz="2800" dirty="0"/>
-              <a:t> (b) int iy;</a:t>
+              <a:t>int main()</a:t>
             </a:r>
           </a:p>
           <a:p>
             <a:r>
               <a:rPr lang="zh-CN" altLang="en-US" sz="2800" dirty="0"/>
-              <a:t> (c) extern int iz;</a:t>
+              <a:t>{</a:t>
+            </a:r>
+          </a:p>
+          <a:p>
+            <a:r>
+              <a:rPr lang="zh-CN" altLang="en-US" sz="2800" dirty="0"/>
+              <a:t>    int local_int;</a:t>
+            </a:r>
+          </a:p>
+          <a:p>
+            <a:r>
+              <a:rPr lang="zh-CN" altLang="en-US" sz="2800" dirty="0"/>
+              <a:t>    std::string local_str;</a:t>
+            </a:r>
+          </a:p>
+          <a:p>
+            <a:r>
+              <a:rPr lang="zh-CN" altLang="en-US" sz="2800" dirty="0"/>
+              <a:t>}</a:t>
             </a:r>
           </a:p>
         </p:txBody>
@@ -11961,7 +13564,7 @@
     </p:spTree>
     <p:extLst>
       <p:ext uri="{BB962C8B-B14F-4D97-AF65-F5344CB8AC3E}">
-        <p14:creationId xmlns:p14="http://schemas.microsoft.com/office/powerpoint/2010/main" val="3248997922"/>
+        <p14:creationId xmlns:p14="http://schemas.microsoft.com/office/powerpoint/2010/main" val="1465738159"/>
       </p:ext>
     </p:extLst>
   </p:cSld>
@@ -12039,7 +13642,7 @@
         <p:spPr>
           <a:xfrm>
             <a:off x="518176" y="466545"/>
-            <a:ext cx="9298924" cy="1200329"/>
+            <a:ext cx="11356324" cy="1200329"/>
           </a:xfrm>
           <a:prstGeom prst="rect">
             <a:avLst/>
@@ -12056,13 +13659,13 @@
               <a:rPr lang="en-US" altLang="zh-CN" sz="7200" b="1" dirty="0">
                 <a:latin typeface="+mn-ea"/>
               </a:rPr>
-              <a:t>exercise5</a:t>
+              <a:t>exercise4:</a:t>
             </a:r>
             <a:r>
               <a:rPr lang="zh-CN" altLang="en-US" sz="7200" b="1" dirty="0">
                 <a:latin typeface="+mn-ea"/>
               </a:rPr>
-              <a:t>：变量命名</a:t>
+              <a:t>声明和定义</a:t>
             </a:r>
           </a:p>
         </p:txBody>
@@ -12082,7 +13685,7 @@
         <p:spPr>
           <a:xfrm>
             <a:off x="4711700" y="2400299"/>
-            <a:ext cx="6096000" cy="3108543"/>
+            <a:ext cx="6096000" cy="2246769"/>
           </a:xfrm>
           <a:prstGeom prst="rect">
             <a:avLst/>
@@ -12096,7 +13699,7 @@
           <a:p>
             <a:r>
               <a:rPr lang="zh-CN" altLang="en-US" sz="2800" dirty="0"/>
-              <a:t>请指出下面的名字中哪些是非法的？</a:t>
+              <a:t> 指出下面的语句是声明还是定义：</a:t>
             </a:r>
           </a:p>
           <a:p>
@@ -12104,49 +13707,28 @@
           </a:p>
           <a:p>
             <a:r>
-              <a:rPr lang="en-US" altLang="zh-CN" sz="2800" dirty="0"/>
-              <a:t>(a) int double = 3.14;</a:t>
-            </a:r>
-          </a:p>
-          <a:p>
-            <a:r>
-              <a:rPr lang="en-US" altLang="zh-CN" sz="2800" dirty="0"/>
-              <a:t>(b) int _;</a:t>
-            </a:r>
-          </a:p>
-          <a:p>
-            <a:r>
-              <a:rPr lang="en-US" altLang="zh-CN" sz="2800" dirty="0"/>
-              <a:t>(c) int catch-22;</a:t>
-            </a:r>
-          </a:p>
-          <a:p>
-            <a:r>
-              <a:rPr lang="en-US" altLang="zh-CN" sz="2800" dirty="0"/>
-              <a:t>(d) int 1_or_2 = 1;</a:t>
-            </a:r>
-          </a:p>
-          <a:p>
-            <a:r>
-              <a:rPr lang="en-US" altLang="zh-CN" sz="2800" dirty="0"/>
-              <a:t>(e) double </a:t>
-            </a:r>
-            <a:r>
-              <a:rPr lang="en-US" altLang="zh-CN" sz="2800" dirty="0" err="1"/>
-              <a:t>Double</a:t>
-            </a:r>
-            <a:r>
-              <a:rPr lang="en-US" altLang="zh-CN" sz="2800" dirty="0"/>
-              <a:t> = 3.14;</a:t>
-            </a:r>
-            <a:endParaRPr lang="zh-CN" altLang="en-US" sz="2800" dirty="0"/>
+              <a:rPr lang="zh-CN" altLang="en-US" sz="2800" dirty="0"/>
+              <a:t> (a) extern int ix = 1024;</a:t>
+            </a:r>
+          </a:p>
+          <a:p>
+            <a:r>
+              <a:rPr lang="zh-CN" altLang="en-US" sz="2800" dirty="0"/>
+              <a:t> (b) int iy;</a:t>
+            </a:r>
+          </a:p>
+          <a:p>
+            <a:r>
+              <a:rPr lang="zh-CN" altLang="en-US" sz="2800" dirty="0"/>
+              <a:t> (c) extern int iz;</a:t>
+            </a:r>
           </a:p>
         </p:txBody>
       </p:sp>
     </p:spTree>
     <p:extLst>
       <p:ext uri="{BB962C8B-B14F-4D97-AF65-F5344CB8AC3E}">
-        <p14:creationId xmlns:p14="http://schemas.microsoft.com/office/powerpoint/2010/main" val="1439999457"/>
+        <p14:creationId xmlns:p14="http://schemas.microsoft.com/office/powerpoint/2010/main" val="3248997922"/>
       </p:ext>
     </p:extLst>
   </p:cSld>
@@ -12224,7 +13806,7 @@
         <p:spPr>
           <a:xfrm>
             <a:off x="518176" y="466545"/>
-            <a:ext cx="7609824" cy="1200329"/>
+            <a:ext cx="9298924" cy="1200329"/>
           </a:xfrm>
           <a:prstGeom prst="rect">
             <a:avLst/>
@@ -12241,128 +13823,97 @@
               <a:rPr lang="en-US" altLang="zh-CN" sz="7200" b="1" dirty="0">
                 <a:latin typeface="+mn-ea"/>
               </a:rPr>
-              <a:t>exercise6:</a:t>
+              <a:t>exercise5</a:t>
             </a:r>
             <a:r>
               <a:rPr lang="zh-CN" altLang="en-US" sz="7200" b="1" dirty="0">
                 <a:latin typeface="+mn-ea"/>
               </a:rPr>
-              <a:t>作用域</a:t>
-            </a:r>
-          </a:p>
-        </p:txBody>
-      </p:sp>
-      <p:sp>
-        <p:nvSpPr>
-          <p:cNvPr id="4" name="文本框 3">
-            <a:extLst>
-              <a:ext uri="{FF2B5EF4-FFF2-40B4-BE49-F238E27FC236}">
-                <a16:creationId xmlns:a16="http://schemas.microsoft.com/office/drawing/2014/main" id="{FF061744-ECCD-4F85-BBEE-D7B712F42667}"/>
-              </a:ext>
-            </a:extLst>
-          </p:cNvPr>
-          <p:cNvSpPr txBox="1"/>
+              <a:t>：变量命名</a:t>
+            </a:r>
+          </a:p>
+        </p:txBody>
+      </p:sp>
+      <p:sp>
+        <p:nvSpPr>
+          <p:cNvPr id="2" name="矩形 1">
+            <a:extLst>
+              <a:ext uri="{FF2B5EF4-FFF2-40B4-BE49-F238E27FC236}">
+                <a16:creationId xmlns:a16="http://schemas.microsoft.com/office/drawing/2014/main" id="{EE66CEC7-2221-4903-A1EF-F183B8418A0E}"/>
+              </a:ext>
+            </a:extLst>
+          </p:cNvPr>
+          <p:cNvSpPr/>
           <p:nvPr/>
         </p:nvSpPr>
         <p:spPr>
           <a:xfrm>
-            <a:off x="5029200" y="1946463"/>
-            <a:ext cx="5143500" cy="4031873"/>
+            <a:off x="4711700" y="2400299"/>
+            <a:ext cx="6096000" cy="3108543"/>
           </a:xfrm>
           <a:prstGeom prst="rect">
             <a:avLst/>
           </a:prstGeom>
-          <a:noFill/>
         </p:spPr>
         <p:txBody>
-          <a:bodyPr wrap="square" rtlCol="0">
+          <a:bodyPr>
             <a:spAutoFit/>
           </a:bodyPr>
           <a:lstStyle/>
           <a:p>
             <a:r>
-              <a:rPr lang="zh-CN" altLang="en-US" sz="3200" dirty="0"/>
-              <a:t>下面程序中 </a:t>
-            </a:r>
-            <a:r>
-              <a:rPr lang="en-US" altLang="zh-CN" sz="3200" dirty="0"/>
-              <a:t>j </a:t>
-            </a:r>
-            <a:r>
-              <a:rPr lang="zh-CN" altLang="en-US" sz="3200" dirty="0"/>
-              <a:t>的值是多少？</a:t>
-            </a:r>
-          </a:p>
-          <a:p>
-            <a:endParaRPr lang="zh-CN" altLang="en-US" sz="3200" dirty="0"/>
-          </a:p>
-          <a:p>
-            <a:r>
-              <a:rPr lang="en-US" altLang="zh-CN" sz="3200" dirty="0"/>
-              <a:t>int </a:t>
-            </a:r>
-            <a:r>
-              <a:rPr lang="en-US" altLang="zh-CN" sz="3200" dirty="0" err="1"/>
-              <a:t>i</a:t>
-            </a:r>
-            <a:r>
-              <a:rPr lang="en-US" altLang="zh-CN" sz="3200" dirty="0"/>
-              <a:t> = 42;</a:t>
-            </a:r>
-          </a:p>
-          <a:p>
-            <a:r>
-              <a:rPr lang="en-US" altLang="zh-CN" sz="3200" dirty="0"/>
-              <a:t>int main()</a:t>
-            </a:r>
-          </a:p>
-          <a:p>
-            <a:r>
-              <a:rPr lang="en-US" altLang="zh-CN" sz="3200" dirty="0"/>
-              <a:t>{</a:t>
-            </a:r>
-          </a:p>
-          <a:p>
-            <a:r>
-              <a:rPr lang="en-US" altLang="zh-CN" sz="3200" dirty="0"/>
-              <a:t>    int </a:t>
-            </a:r>
-            <a:r>
-              <a:rPr lang="en-US" altLang="zh-CN" sz="3200" dirty="0" err="1"/>
-              <a:t>i</a:t>
-            </a:r>
-            <a:r>
-              <a:rPr lang="en-US" altLang="zh-CN" sz="3200" dirty="0"/>
-              <a:t> = 100;</a:t>
-            </a:r>
-          </a:p>
-          <a:p>
-            <a:r>
-              <a:rPr lang="en-US" altLang="zh-CN" sz="3200" dirty="0"/>
-              <a:t>    int j = </a:t>
-            </a:r>
-            <a:r>
-              <a:rPr lang="en-US" altLang="zh-CN" sz="3200" dirty="0" err="1"/>
-              <a:t>i</a:t>
-            </a:r>
-            <a:r>
-              <a:rPr lang="en-US" altLang="zh-CN" sz="3200" dirty="0"/>
-              <a:t>;</a:t>
-            </a:r>
-          </a:p>
-          <a:p>
-            <a:r>
-              <a:rPr lang="en-US" altLang="zh-CN" sz="3200" dirty="0"/>
-              <a:t>}</a:t>
-            </a:r>
-            <a:endParaRPr lang="zh-CN" altLang="en-US" sz="3200" dirty="0"/>
+              <a:rPr lang="zh-CN" altLang="en-US" sz="2800" dirty="0"/>
+              <a:t>请指出下面的名字中哪些是非法的？</a:t>
+            </a:r>
+          </a:p>
+          <a:p>
+            <a:endParaRPr lang="zh-CN" altLang="en-US" sz="2800" dirty="0"/>
+          </a:p>
+          <a:p>
+            <a:r>
+              <a:rPr lang="en-US" altLang="zh-CN" sz="2800" dirty="0"/>
+              <a:t>(a) int double = 3.14;</a:t>
+            </a:r>
+          </a:p>
+          <a:p>
+            <a:r>
+              <a:rPr lang="en-US" altLang="zh-CN" sz="2800" dirty="0"/>
+              <a:t>(b) int _;</a:t>
+            </a:r>
+          </a:p>
+          <a:p>
+            <a:r>
+              <a:rPr lang="en-US" altLang="zh-CN" sz="2800" dirty="0"/>
+              <a:t>(c) int catch-22;</a:t>
+            </a:r>
+          </a:p>
+          <a:p>
+            <a:r>
+              <a:rPr lang="en-US" altLang="zh-CN" sz="2800" dirty="0"/>
+              <a:t>(d) int 1_or_2 = 1;</a:t>
+            </a:r>
+          </a:p>
+          <a:p>
+            <a:r>
+              <a:rPr lang="en-US" altLang="zh-CN" sz="2800" dirty="0"/>
+              <a:t>(e) double </a:t>
+            </a:r>
+            <a:r>
+              <a:rPr lang="en-US" altLang="zh-CN" sz="2800" dirty="0" err="1"/>
+              <a:t>Double</a:t>
+            </a:r>
+            <a:r>
+              <a:rPr lang="en-US" altLang="zh-CN" sz="2800" dirty="0"/>
+              <a:t> = 3.14;</a:t>
+            </a:r>
+            <a:endParaRPr lang="zh-CN" altLang="en-US" sz="2800" dirty="0"/>
           </a:p>
         </p:txBody>
       </p:sp>
     </p:spTree>
     <p:extLst>
       <p:ext uri="{BB962C8B-B14F-4D97-AF65-F5344CB8AC3E}">
-        <p14:creationId xmlns:p14="http://schemas.microsoft.com/office/powerpoint/2010/main" val="669420447"/>
+        <p14:creationId xmlns:p14="http://schemas.microsoft.com/office/powerpoint/2010/main" val="1439999457"/>
       </p:ext>
     </p:extLst>
   </p:cSld>
@@ -12440,7 +13991,7 @@
         <p:spPr>
           <a:xfrm>
             <a:off x="518176" y="466545"/>
-            <a:ext cx="9654524" cy="1200329"/>
+            <a:ext cx="7609824" cy="1200329"/>
           </a:xfrm>
           <a:prstGeom prst="rect">
             <a:avLst/>
@@ -12457,13 +14008,13 @@
               <a:rPr lang="en-US" altLang="zh-CN" sz="7200" b="1" dirty="0">
                 <a:latin typeface="+mn-ea"/>
               </a:rPr>
-              <a:t>exercise7:</a:t>
+              <a:t>exercise6:</a:t>
             </a:r>
             <a:r>
               <a:rPr lang="zh-CN" altLang="en-US" sz="7200" b="1" dirty="0">
                 <a:latin typeface="+mn-ea"/>
               </a:rPr>
-              <a:t>引用的定义</a:t>
+              <a:t>作用域</a:t>
             </a:r>
           </a:p>
         </p:txBody>
@@ -12483,7 +14034,7 @@
         <p:spPr>
           <a:xfrm>
             <a:off x="5029200" y="1946463"/>
-            <a:ext cx="5143500" cy="3539430"/>
+            <a:ext cx="5143500" cy="4031873"/>
           </a:xfrm>
           <a:prstGeom prst="rect">
             <a:avLst/>
@@ -12498,7 +14049,15 @@
           <a:p>
             <a:r>
               <a:rPr lang="zh-CN" altLang="en-US" sz="3200" dirty="0"/>
-              <a:t>下面的哪个定义是不合法的？为什么？</a:t>
+              <a:t>下面程序中 </a:t>
+            </a:r>
+            <a:r>
+              <a:rPr lang="en-US" altLang="zh-CN" sz="3200" dirty="0"/>
+              <a:t>j </a:t>
+            </a:r>
+            <a:r>
+              <a:rPr lang="zh-CN" altLang="en-US" sz="3200" dirty="0"/>
+              <a:t>的值是多少？</a:t>
             </a:r>
           </a:p>
           <a:p>
@@ -12507,31 +14066,51 @@
           <a:p>
             <a:r>
               <a:rPr lang="en-US" altLang="zh-CN" sz="3200" dirty="0"/>
-              <a:t>(a) int </a:t>
+              <a:t>int </a:t>
             </a:r>
             <a:r>
               <a:rPr lang="en-US" altLang="zh-CN" sz="3200" dirty="0" err="1"/>
-              <a:t>ival</a:t>
+              <a:t>i</a:t>
             </a:r>
             <a:r>
               <a:rPr lang="en-US" altLang="zh-CN" sz="3200" dirty="0"/>
-              <a:t> = 1.01;</a:t>
+              <a:t> = 42;</a:t>
             </a:r>
           </a:p>
           <a:p>
             <a:r>
               <a:rPr lang="en-US" altLang="zh-CN" sz="3200" dirty="0"/>
-              <a:t>(b) int &amp;rval1 = 1.01;</a:t>
+              <a:t>int main()</a:t>
             </a:r>
           </a:p>
           <a:p>
             <a:r>
               <a:rPr lang="en-US" altLang="zh-CN" sz="3200" dirty="0"/>
-              <a:t>(c) int &amp;rval2 = </a:t>
+              <a:t>{</a:t>
+            </a:r>
+          </a:p>
+          <a:p>
+            <a:r>
+              <a:rPr lang="en-US" altLang="zh-CN" sz="3200" dirty="0"/>
+              <a:t>    int </a:t>
             </a:r>
             <a:r>
               <a:rPr lang="en-US" altLang="zh-CN" sz="3200" dirty="0" err="1"/>
-              <a:t>ival</a:t>
+              <a:t>i</a:t>
+            </a:r>
+            <a:r>
+              <a:rPr lang="en-US" altLang="zh-CN" sz="3200" dirty="0"/>
+              <a:t> = 100;</a:t>
+            </a:r>
+          </a:p>
+          <a:p>
+            <a:r>
+              <a:rPr lang="en-US" altLang="zh-CN" sz="3200" dirty="0"/>
+              <a:t>    int j = </a:t>
+            </a:r>
+            <a:r>
+              <a:rPr lang="en-US" altLang="zh-CN" sz="3200" dirty="0" err="1"/>
+              <a:t>i</a:t>
             </a:r>
             <a:r>
               <a:rPr lang="en-US" altLang="zh-CN" sz="3200" dirty="0"/>
@@ -12541,7 +14120,7 @@
           <a:p>
             <a:r>
               <a:rPr lang="en-US" altLang="zh-CN" sz="3200" dirty="0"/>
-              <a:t>(d) int &amp;rval3;</a:t>
+              <a:t>}</a:t>
             </a:r>
             <a:endParaRPr lang="zh-CN" altLang="en-US" sz="3200" dirty="0"/>
           </a:p>
@@ -12550,7 +14129,7 @@
     </p:spTree>
     <p:extLst>
       <p:ext uri="{BB962C8B-B14F-4D97-AF65-F5344CB8AC3E}">
-        <p14:creationId xmlns:p14="http://schemas.microsoft.com/office/powerpoint/2010/main" val="1778427870"/>
+        <p14:creationId xmlns:p14="http://schemas.microsoft.com/office/powerpoint/2010/main" val="669420447"/>
       </p:ext>
     </p:extLst>
   </p:cSld>
